--- a/BA_DataScience_task1.pptx
+++ b/BA_DataScience_task1.pptx
@@ -1,34 +1,34 @@
 
 <file path=ppt/presentation.xml><?xml version="1.0" encoding="utf-8"?>
-<p:presentation xmlns:a="http://schemas.openxmlformats.org/drawingml/2006/main" xmlns:r="http://schemas.openxmlformats.org/officeDocument/2006/relationships" xmlns:mc="http://schemas.openxmlformats.org/markup-compatibility/2006" xmlns:mv="urn:schemas-microsoft-com:mac:vml" xmlns:p="http://schemas.openxmlformats.org/presentationml/2006/main" xmlns:c="http://schemas.openxmlformats.org/drawingml/2006/chart" xmlns:dgm="http://schemas.openxmlformats.org/drawingml/2006/diagram" xmlns:o="urn:schemas-microsoft-com:office:office" xmlns:v="urn:schemas-microsoft-com:vml" xmlns:pvml="urn:schemas-microsoft-com:office:powerpoint" xmlns:com="http://schemas.openxmlformats.org/drawingml/2006/compatibility" xmlns:p14="http://schemas.microsoft.com/office/powerpoint/2010/main" xmlns:p15="http://schemas.microsoft.com/office/powerpoint/2012/main" xmlns:ahyp="http://schemas.microsoft.com/office/drawing/2018/hyperlinkcolor" autoCompressPictures="0" embedTrueTypeFonts="1" strictFirstAndLastChars="0" saveSubsetFonts="1">
+<p:presentation xmlns:a="http://schemas.openxmlformats.org/drawingml/2006/main" xmlns:r="http://schemas.openxmlformats.org/officeDocument/2006/relationships" xmlns:p="http://schemas.openxmlformats.org/presentationml/2006/main" strictFirstAndLastChars="0" embedTrueTypeFonts="1" saveSubsetFonts="1" autoCompressPictures="0">
   <p:sldMasterIdLst>
-    <p:sldMasterId id="2147483662" r:id="rId4"/>
+    <p:sldMasterId id="2147483662" r:id="rId1"/>
   </p:sldMasterIdLst>
   <p:notesMasterIdLst>
-    <p:notesMasterId r:id="rId5"/>
+    <p:notesMasterId r:id="rId4"/>
   </p:notesMasterIdLst>
   <p:sldIdLst>
-    <p:sldId id="256" r:id="rId6"/>
-    <p:sldId id="257" r:id="rId7"/>
+    <p:sldId id="256" r:id="rId2"/>
+    <p:sldId id="257" r:id="rId3"/>
   </p:sldIdLst>
-  <p:sldSz cy="5143500" cx="9144000"/>
+  <p:sldSz cx="9144000" cy="5143500" type="screen16x9"/>
   <p:notesSz cx="6858000" cy="9144000"/>
   <p:embeddedFontLst>
     <p:embeddedFont>
-      <p:font typeface="Amatic SC"/>
-      <p:regular r:id="rId8"/>
-      <p:bold r:id="rId9"/>
+      <p:font typeface="Amatic SC" pitchFamily="2" charset="-79"/>
+      <p:regular r:id="rId5"/>
+      <p:bold r:id="rId6"/>
     </p:embeddedFont>
     <p:embeddedFont>
-      <p:font typeface="Source Code Pro"/>
-      <p:regular r:id="rId10"/>
-      <p:bold r:id="rId11"/>
-      <p:italic r:id="rId12"/>
-      <p:boldItalic r:id="rId13"/>
+      <p:font typeface="Source Code Pro" panose="020B0509030403020204" pitchFamily="49" charset="0"/>
+      <p:regular r:id="rId7"/>
+      <p:bold r:id="rId8"/>
+      <p:italic r:id="rId9"/>
+      <p:boldItalic r:id="rId10"/>
     </p:embeddedFont>
   </p:embeddedFontLst>
   <p:defaultTextStyle>
-    <a:defPPr lvl="0" marR="0" rtl="0" algn="l">
+    <a:defPPr marR="0" lvl="0" algn="l" rtl="0">
       <a:lnSpc>
         <a:spcPct val="100000"/>
       </a:lnSpc>
@@ -39,7 +39,7 @@
         <a:spcPts val="0"/>
       </a:spcAft>
     </a:defPPr>
-    <a:lvl1pPr lvl="0" marR="0" rtl="0" algn="l">
+    <a:lvl1pPr marR="0" lvl="0" algn="l" rtl="0">
       <a:lnSpc>
         <a:spcPct val="100000"/>
       </a:lnSpc>
@@ -53,7 +53,7 @@
         <a:srgbClr val="000000"/>
       </a:buClr>
       <a:buFont typeface="Arial"/>
-      <a:defRPr b="0" i="0" sz="1400" u="none" cap="none" strike="noStrike">
+      <a:defRPr sz="1400" b="0" i="0" u="none" strike="noStrike" cap="none">
         <a:solidFill>
           <a:srgbClr val="000000"/>
         </a:solidFill>
@@ -63,7 +63,7 @@
         <a:sym typeface="Arial"/>
       </a:defRPr>
     </a:lvl1pPr>
-    <a:lvl2pPr lvl="1" marR="0" rtl="0" algn="l">
+    <a:lvl2pPr marR="0" lvl="1" algn="l" rtl="0">
       <a:lnSpc>
         <a:spcPct val="100000"/>
       </a:lnSpc>
@@ -77,7 +77,7 @@
         <a:srgbClr val="000000"/>
       </a:buClr>
       <a:buFont typeface="Arial"/>
-      <a:defRPr b="0" i="0" sz="1400" u="none" cap="none" strike="noStrike">
+      <a:defRPr sz="1400" b="0" i="0" u="none" strike="noStrike" cap="none">
         <a:solidFill>
           <a:srgbClr val="000000"/>
         </a:solidFill>
@@ -87,7 +87,7 @@
         <a:sym typeface="Arial"/>
       </a:defRPr>
     </a:lvl2pPr>
-    <a:lvl3pPr lvl="2" marR="0" rtl="0" algn="l">
+    <a:lvl3pPr marR="0" lvl="2" algn="l" rtl="0">
       <a:lnSpc>
         <a:spcPct val="100000"/>
       </a:lnSpc>
@@ -101,7 +101,7 @@
         <a:srgbClr val="000000"/>
       </a:buClr>
       <a:buFont typeface="Arial"/>
-      <a:defRPr b="0" i="0" sz="1400" u="none" cap="none" strike="noStrike">
+      <a:defRPr sz="1400" b="0" i="0" u="none" strike="noStrike" cap="none">
         <a:solidFill>
           <a:srgbClr val="000000"/>
         </a:solidFill>
@@ -111,7 +111,7 @@
         <a:sym typeface="Arial"/>
       </a:defRPr>
     </a:lvl3pPr>
-    <a:lvl4pPr lvl="3" marR="0" rtl="0" algn="l">
+    <a:lvl4pPr marR="0" lvl="3" algn="l" rtl="0">
       <a:lnSpc>
         <a:spcPct val="100000"/>
       </a:lnSpc>
@@ -125,7 +125,7 @@
         <a:srgbClr val="000000"/>
       </a:buClr>
       <a:buFont typeface="Arial"/>
-      <a:defRPr b="0" i="0" sz="1400" u="none" cap="none" strike="noStrike">
+      <a:defRPr sz="1400" b="0" i="0" u="none" strike="noStrike" cap="none">
         <a:solidFill>
           <a:srgbClr val="000000"/>
         </a:solidFill>
@@ -135,7 +135,7 @@
         <a:sym typeface="Arial"/>
       </a:defRPr>
     </a:lvl4pPr>
-    <a:lvl5pPr lvl="4" marR="0" rtl="0" algn="l">
+    <a:lvl5pPr marR="0" lvl="4" algn="l" rtl="0">
       <a:lnSpc>
         <a:spcPct val="100000"/>
       </a:lnSpc>
@@ -149,7 +149,7 @@
         <a:srgbClr val="000000"/>
       </a:buClr>
       <a:buFont typeface="Arial"/>
-      <a:defRPr b="0" i="0" sz="1400" u="none" cap="none" strike="noStrike">
+      <a:defRPr sz="1400" b="0" i="0" u="none" strike="noStrike" cap="none">
         <a:solidFill>
           <a:srgbClr val="000000"/>
         </a:solidFill>
@@ -159,7 +159,7 @@
         <a:sym typeface="Arial"/>
       </a:defRPr>
     </a:lvl5pPr>
-    <a:lvl6pPr lvl="5" marR="0" rtl="0" algn="l">
+    <a:lvl6pPr marR="0" lvl="5" algn="l" rtl="0">
       <a:lnSpc>
         <a:spcPct val="100000"/>
       </a:lnSpc>
@@ -173,7 +173,7 @@
         <a:srgbClr val="000000"/>
       </a:buClr>
       <a:buFont typeface="Arial"/>
-      <a:defRPr b="0" i="0" sz="1400" u="none" cap="none" strike="noStrike">
+      <a:defRPr sz="1400" b="0" i="0" u="none" strike="noStrike" cap="none">
         <a:solidFill>
           <a:srgbClr val="000000"/>
         </a:solidFill>
@@ -183,7 +183,7 @@
         <a:sym typeface="Arial"/>
       </a:defRPr>
     </a:lvl6pPr>
-    <a:lvl7pPr lvl="6" marR="0" rtl="0" algn="l">
+    <a:lvl7pPr marR="0" lvl="6" algn="l" rtl="0">
       <a:lnSpc>
         <a:spcPct val="100000"/>
       </a:lnSpc>
@@ -197,7 +197,7 @@
         <a:srgbClr val="000000"/>
       </a:buClr>
       <a:buFont typeface="Arial"/>
-      <a:defRPr b="0" i="0" sz="1400" u="none" cap="none" strike="noStrike">
+      <a:defRPr sz="1400" b="0" i="0" u="none" strike="noStrike" cap="none">
         <a:solidFill>
           <a:srgbClr val="000000"/>
         </a:solidFill>
@@ -207,7 +207,7 @@
         <a:sym typeface="Arial"/>
       </a:defRPr>
     </a:lvl7pPr>
-    <a:lvl8pPr lvl="7" marR="0" rtl="0" algn="l">
+    <a:lvl8pPr marR="0" lvl="7" algn="l" rtl="0">
       <a:lnSpc>
         <a:spcPct val="100000"/>
       </a:lnSpc>
@@ -221,7 +221,7 @@
         <a:srgbClr val="000000"/>
       </a:buClr>
       <a:buFont typeface="Arial"/>
-      <a:defRPr b="0" i="0" sz="1400" u="none" cap="none" strike="noStrike">
+      <a:defRPr sz="1400" b="0" i="0" u="none" strike="noStrike" cap="none">
         <a:solidFill>
           <a:srgbClr val="000000"/>
         </a:solidFill>
@@ -231,7 +231,7 @@
         <a:sym typeface="Arial"/>
       </a:defRPr>
     </a:lvl8pPr>
-    <a:lvl9pPr lvl="8" marR="0" rtl="0" algn="l">
+    <a:lvl9pPr marR="0" lvl="8" algn="l" rtl="0">
       <a:lnSpc>
         <a:spcPct val="100000"/>
       </a:lnSpc>
@@ -245,7 +245,7 @@
         <a:srgbClr val="000000"/>
       </a:buClr>
       <a:buFont typeface="Arial"/>
-      <a:defRPr b="0" i="0" sz="1400" u="none" cap="none" strike="noStrike">
+      <a:defRPr sz="1400" b="0" i="0" u="none" strike="noStrike" cap="none">
         <a:solidFill>
           <a:srgbClr val="000000"/>
         </a:solidFill>
@@ -258,7 +258,7 @@
   </p:defaultTextStyle>
   <p:extLst>
     <p:ext uri="{EFAFB233-063F-42B5-8137-9DF3F51BA10A}">
-      <p15:sldGuideLst>
+      <p15:sldGuideLst xmlns:p15="http://schemas.microsoft.com/office/powerpoint/2012/main">
         <p15:guide id="1" orient="horz" pos="1620">
           <p15:clr>
             <a:srgbClr val="747775"/>
@@ -276,11 +276,16 @@
 </file>
 
 <file path=ppt/notesMasters/notesMaster1.xml><?xml version="1.0" encoding="utf-8"?>
-<p:notesMaster xmlns:a="http://schemas.openxmlformats.org/drawingml/2006/main" xmlns:r="http://schemas.openxmlformats.org/officeDocument/2006/relationships" xmlns:mc="http://schemas.openxmlformats.org/markup-compatibility/2006" xmlns:mv="urn:schemas-microsoft-com:mac:vml" xmlns:p="http://schemas.openxmlformats.org/presentationml/2006/main" xmlns:c="http://schemas.openxmlformats.org/drawingml/2006/chart" xmlns:dgm="http://schemas.openxmlformats.org/drawingml/2006/diagram" xmlns:o="urn:schemas-microsoft-com:office:office" xmlns:v="urn:schemas-microsoft-com:vml" xmlns:pvml="urn:schemas-microsoft-com:office:powerpoint" xmlns:com="http://schemas.openxmlformats.org/drawingml/2006/compatibility" xmlns:p14="http://schemas.microsoft.com/office/powerpoint/2010/main" xmlns:p15="http://schemas.microsoft.com/office/powerpoint/2012/main" xmlns:ahyp="http://schemas.microsoft.com/office/drawing/2018/hyperlinkcolor">
+<p:notesMaster xmlns:a="http://schemas.openxmlformats.org/drawingml/2006/main" xmlns:r="http://schemas.openxmlformats.org/officeDocument/2006/relationships" xmlns:p="http://schemas.openxmlformats.org/presentationml/2006/main">
   <p:cSld>
+    <p:bg>
+      <p:bgRef idx="1001">
+        <a:schemeClr val="bg1"/>
+      </p:bgRef>
+    </p:bg>
     <p:spTree>
       <p:nvGrpSpPr>
-        <p:cNvPr id="2" name="Shape 2"/>
+        <p:cNvPr id="1" name="Shape 2"/>
         <p:cNvGrpSpPr/>
         <p:nvPr/>
       </p:nvGrpSpPr>
@@ -295,9 +300,11 @@
       <p:sp>
         <p:nvSpPr>
           <p:cNvPr id="3" name="Google Shape;3;n"/>
-          <p:cNvSpPr/>
+          <p:cNvSpPr>
+            <a:spLocks noGrp="1" noRot="1" noChangeAspect="1"/>
+          </p:cNvSpPr>
           <p:nvPr>
-            <p:ph idx="2" type="sldImg"/>
+            <p:ph type="sldImg" idx="2"/>
           </p:nvPr>
         </p:nvSpPr>
         <p:spPr>
@@ -306,9 +313,13 @@
             <a:ext cx="6096075" cy="3429000"/>
           </a:xfrm>
           <a:custGeom>
-            <a:rect b="b" l="l" r="r" t="t"/>
+            <a:avLst/>
+            <a:gdLst/>
+            <a:ahLst/>
+            <a:cxnLst/>
+            <a:rect l="l" t="t" r="r" b="b"/>
             <a:pathLst>
-              <a:path extrusionOk="0" h="120000" w="120000">
+              <a:path w="120000" h="120000" extrusionOk="0">
                 <a:moveTo>
                   <a:pt x="0" y="0"/>
                 </a:moveTo>
@@ -326,23 +337,25 @@
             </a:pathLst>
           </a:custGeom>
           <a:noFill/>
-          <a:ln cap="flat" cmpd="sng" w="9525">
+          <a:ln w="9525" cap="flat" cmpd="sng">
             <a:solidFill>
               <a:srgbClr val="000000"/>
             </a:solidFill>
             <a:prstDash val="solid"/>
             <a:round/>
-            <a:headEnd len="sm" w="sm" type="none"/>
-            <a:tailEnd len="sm" w="sm" type="none"/>
+            <a:headEnd type="none" w="sm" len="sm"/>
+            <a:tailEnd type="none" w="sm" len="sm"/>
           </a:ln>
         </p:spPr>
       </p:sp>
       <p:sp>
         <p:nvSpPr>
           <p:cNvPr id="4" name="Google Shape;4;n"/>
-          <p:cNvSpPr txBox="1"/>
+          <p:cNvSpPr txBox="1">
+            <a:spLocks noGrp="1"/>
+          </p:cNvSpPr>
           <p:nvPr>
-            <p:ph idx="1" type="body"/>
+            <p:ph type="body" idx="1"/>
           </p:nvPr>
         </p:nvSpPr>
         <p:spPr>
@@ -359,11 +372,11 @@
           </a:ln>
         </p:spPr>
         <p:txBody>
-          <a:bodyPr anchorCtr="0" anchor="t" bIns="91425" lIns="91425" spcFirstLastPara="1" rIns="91425" wrap="square" tIns="91425">
+          <a:bodyPr spcFirstLastPara="1" wrap="square" lIns="91425" tIns="91425" rIns="91425" bIns="91425" anchor="t" anchorCtr="0">
             <a:noAutofit/>
           </a:bodyPr>
           <a:lstStyle>
-            <a:lvl1pPr indent="-298450" lvl="0" marL="457200">
+            <a:lvl1pPr marL="457200" lvl="0" indent="-298450">
               <a:spcBef>
                 <a:spcPts val="0"/>
               </a:spcBef>
@@ -374,7 +387,7 @@
               <a:buChar char="●"/>
               <a:defRPr sz="1100"/>
             </a:lvl1pPr>
-            <a:lvl2pPr indent="-298450" lvl="1" marL="914400">
+            <a:lvl2pPr marL="914400" lvl="1" indent="-298450">
               <a:spcBef>
                 <a:spcPts val="0"/>
               </a:spcBef>
@@ -385,7 +398,7 @@
               <a:buChar char="○"/>
               <a:defRPr sz="1100"/>
             </a:lvl2pPr>
-            <a:lvl3pPr indent="-298450" lvl="2" marL="1371600">
+            <a:lvl3pPr marL="1371600" lvl="2" indent="-298450">
               <a:spcBef>
                 <a:spcPts val="0"/>
               </a:spcBef>
@@ -396,7 +409,7 @@
               <a:buChar char="■"/>
               <a:defRPr sz="1100"/>
             </a:lvl3pPr>
-            <a:lvl4pPr indent="-298450" lvl="3" marL="1828800">
+            <a:lvl4pPr marL="1828800" lvl="3" indent="-298450">
               <a:spcBef>
                 <a:spcPts val="0"/>
               </a:spcBef>
@@ -407,7 +420,7 @@
               <a:buChar char="●"/>
               <a:defRPr sz="1100"/>
             </a:lvl4pPr>
-            <a:lvl5pPr indent="-298450" lvl="4" marL="2286000">
+            <a:lvl5pPr marL="2286000" lvl="4" indent="-298450">
               <a:spcBef>
                 <a:spcPts val="0"/>
               </a:spcBef>
@@ -418,7 +431,7 @@
               <a:buChar char="○"/>
               <a:defRPr sz="1100"/>
             </a:lvl5pPr>
-            <a:lvl6pPr indent="-298450" lvl="5" marL="2743200">
+            <a:lvl6pPr marL="2743200" lvl="5" indent="-298450">
               <a:spcBef>
                 <a:spcPts val="0"/>
               </a:spcBef>
@@ -429,7 +442,7 @@
               <a:buChar char="■"/>
               <a:defRPr sz="1100"/>
             </a:lvl6pPr>
-            <a:lvl7pPr indent="-298450" lvl="6" marL="3200400">
+            <a:lvl7pPr marL="3200400" lvl="6" indent="-298450">
               <a:spcBef>
                 <a:spcPts val="0"/>
               </a:spcBef>
@@ -440,7 +453,7 @@
               <a:buChar char="●"/>
               <a:defRPr sz="1100"/>
             </a:lvl7pPr>
-            <a:lvl8pPr indent="-298450" lvl="7" marL="3657600">
+            <a:lvl8pPr marL="3657600" lvl="7" indent="-298450">
               <a:spcBef>
                 <a:spcPts val="0"/>
               </a:spcBef>
@@ -451,7 +464,7 @@
               <a:buChar char="○"/>
               <a:defRPr sz="1100"/>
             </a:lvl8pPr>
-            <a:lvl9pPr indent="-298450" lvl="8" marL="4114800">
+            <a:lvl9pPr marL="4114800" lvl="8" indent="-298450">
               <a:spcBef>
                 <a:spcPts val="0"/>
               </a:spcBef>
@@ -463,14 +476,16 @@
               <a:defRPr sz="1100"/>
             </a:lvl9pPr>
           </a:lstStyle>
-          <a:p/>
+          <a:p>
+            <a:endParaRPr/>
+          </a:p>
         </p:txBody>
       </p:sp>
     </p:spTree>
   </p:cSld>
-  <p:clrMap accent1="accent1" accent2="accent2" accent3="accent3" accent4="accent4" accent5="accent5" accent6="accent6" bg1="lt1" bg2="dk2" tx1="dk1" tx2="lt2" folHlink="folHlink" hlink="hlink"/>
+  <p:clrMap bg1="lt1" tx1="dk1" bg2="dk2" tx2="lt2" accent1="accent1" accent2="accent2" accent3="accent3" accent4="accent4" accent5="accent5" accent6="accent6" hlink="hlink" folHlink="folHlink"/>
   <p:notesStyle>
-    <a:defPPr lvl="0" marR="0" rtl="0" algn="l">
+    <a:defPPr marR="0" lvl="0" algn="l" rtl="0">
       <a:lnSpc>
         <a:spcPct val="100000"/>
       </a:lnSpc>
@@ -481,7 +496,7 @@
         <a:spcPts val="0"/>
       </a:spcAft>
     </a:defPPr>
-    <a:lvl1pPr lvl="0" marR="0" rtl="0" algn="l">
+    <a:lvl1pPr marR="0" lvl="0" algn="l" rtl="0">
       <a:lnSpc>
         <a:spcPct val="100000"/>
       </a:lnSpc>
@@ -495,7 +510,7 @@
         <a:srgbClr val="000000"/>
       </a:buClr>
       <a:buFont typeface="Arial"/>
-      <a:defRPr b="0" i="0" sz="1400" u="none" cap="none" strike="noStrike">
+      <a:defRPr sz="1400" b="0" i="0" u="none" strike="noStrike" cap="none">
         <a:solidFill>
           <a:srgbClr val="000000"/>
         </a:solidFill>
@@ -505,7 +520,7 @@
         <a:sym typeface="Arial"/>
       </a:defRPr>
     </a:lvl1pPr>
-    <a:lvl2pPr lvl="1" marR="0" rtl="0" algn="l">
+    <a:lvl2pPr marR="0" lvl="1" algn="l" rtl="0">
       <a:lnSpc>
         <a:spcPct val="100000"/>
       </a:lnSpc>
@@ -519,7 +534,7 @@
         <a:srgbClr val="000000"/>
       </a:buClr>
       <a:buFont typeface="Arial"/>
-      <a:defRPr b="0" i="0" sz="1400" u="none" cap="none" strike="noStrike">
+      <a:defRPr sz="1400" b="0" i="0" u="none" strike="noStrike" cap="none">
         <a:solidFill>
           <a:srgbClr val="000000"/>
         </a:solidFill>
@@ -529,7 +544,7 @@
         <a:sym typeface="Arial"/>
       </a:defRPr>
     </a:lvl2pPr>
-    <a:lvl3pPr lvl="2" marR="0" rtl="0" algn="l">
+    <a:lvl3pPr marR="0" lvl="2" algn="l" rtl="0">
       <a:lnSpc>
         <a:spcPct val="100000"/>
       </a:lnSpc>
@@ -543,7 +558,7 @@
         <a:srgbClr val="000000"/>
       </a:buClr>
       <a:buFont typeface="Arial"/>
-      <a:defRPr b="0" i="0" sz="1400" u="none" cap="none" strike="noStrike">
+      <a:defRPr sz="1400" b="0" i="0" u="none" strike="noStrike" cap="none">
         <a:solidFill>
           <a:srgbClr val="000000"/>
         </a:solidFill>
@@ -553,7 +568,7 @@
         <a:sym typeface="Arial"/>
       </a:defRPr>
     </a:lvl3pPr>
-    <a:lvl4pPr lvl="3" marR="0" rtl="0" algn="l">
+    <a:lvl4pPr marR="0" lvl="3" algn="l" rtl="0">
       <a:lnSpc>
         <a:spcPct val="100000"/>
       </a:lnSpc>
@@ -567,7 +582,7 @@
         <a:srgbClr val="000000"/>
       </a:buClr>
       <a:buFont typeface="Arial"/>
-      <a:defRPr b="0" i="0" sz="1400" u="none" cap="none" strike="noStrike">
+      <a:defRPr sz="1400" b="0" i="0" u="none" strike="noStrike" cap="none">
         <a:solidFill>
           <a:srgbClr val="000000"/>
         </a:solidFill>
@@ -577,7 +592,7 @@
         <a:sym typeface="Arial"/>
       </a:defRPr>
     </a:lvl4pPr>
-    <a:lvl5pPr lvl="4" marR="0" rtl="0" algn="l">
+    <a:lvl5pPr marR="0" lvl="4" algn="l" rtl="0">
       <a:lnSpc>
         <a:spcPct val="100000"/>
       </a:lnSpc>
@@ -591,7 +606,7 @@
         <a:srgbClr val="000000"/>
       </a:buClr>
       <a:buFont typeface="Arial"/>
-      <a:defRPr b="0" i="0" sz="1400" u="none" cap="none" strike="noStrike">
+      <a:defRPr sz="1400" b="0" i="0" u="none" strike="noStrike" cap="none">
         <a:solidFill>
           <a:srgbClr val="000000"/>
         </a:solidFill>
@@ -601,7 +616,7 @@
         <a:sym typeface="Arial"/>
       </a:defRPr>
     </a:lvl5pPr>
-    <a:lvl6pPr lvl="5" marR="0" rtl="0" algn="l">
+    <a:lvl6pPr marR="0" lvl="5" algn="l" rtl="0">
       <a:lnSpc>
         <a:spcPct val="100000"/>
       </a:lnSpc>
@@ -615,7 +630,7 @@
         <a:srgbClr val="000000"/>
       </a:buClr>
       <a:buFont typeface="Arial"/>
-      <a:defRPr b="0" i="0" sz="1400" u="none" cap="none" strike="noStrike">
+      <a:defRPr sz="1400" b="0" i="0" u="none" strike="noStrike" cap="none">
         <a:solidFill>
           <a:srgbClr val="000000"/>
         </a:solidFill>
@@ -625,7 +640,7 @@
         <a:sym typeface="Arial"/>
       </a:defRPr>
     </a:lvl6pPr>
-    <a:lvl7pPr lvl="6" marR="0" rtl="0" algn="l">
+    <a:lvl7pPr marR="0" lvl="6" algn="l" rtl="0">
       <a:lnSpc>
         <a:spcPct val="100000"/>
       </a:lnSpc>
@@ -639,7 +654,7 @@
         <a:srgbClr val="000000"/>
       </a:buClr>
       <a:buFont typeface="Arial"/>
-      <a:defRPr b="0" i="0" sz="1400" u="none" cap="none" strike="noStrike">
+      <a:defRPr sz="1400" b="0" i="0" u="none" strike="noStrike" cap="none">
         <a:solidFill>
           <a:srgbClr val="000000"/>
         </a:solidFill>
@@ -649,7 +664,7 @@
         <a:sym typeface="Arial"/>
       </a:defRPr>
     </a:lvl7pPr>
-    <a:lvl8pPr lvl="7" marR="0" rtl="0" algn="l">
+    <a:lvl8pPr marR="0" lvl="7" algn="l" rtl="0">
       <a:lnSpc>
         <a:spcPct val="100000"/>
       </a:lnSpc>
@@ -663,7 +678,7 @@
         <a:srgbClr val="000000"/>
       </a:buClr>
       <a:buFont typeface="Arial"/>
-      <a:defRPr b="0" i="0" sz="1400" u="none" cap="none" strike="noStrike">
+      <a:defRPr sz="1400" b="0" i="0" u="none" strike="noStrike" cap="none">
         <a:solidFill>
           <a:srgbClr val="000000"/>
         </a:solidFill>
@@ -673,7 +688,7 @@
         <a:sym typeface="Arial"/>
       </a:defRPr>
     </a:lvl8pPr>
-    <a:lvl9pPr lvl="8" marR="0" rtl="0" algn="l">
+    <a:lvl9pPr marR="0" lvl="8" algn="l" rtl="0">
       <a:lnSpc>
         <a:spcPct val="100000"/>
       </a:lnSpc>
@@ -687,7 +702,7 @@
         <a:srgbClr val="000000"/>
       </a:buClr>
       <a:buFont typeface="Arial"/>
-      <a:defRPr b="0" i="0" sz="1400" u="none" cap="none" strike="noStrike">
+      <a:defRPr sz="1400" b="0" i="0" u="none" strike="noStrike" cap="none">
         <a:solidFill>
           <a:srgbClr val="000000"/>
         </a:solidFill>
@@ -702,11 +717,11 @@
 </file>
 
 <file path=ppt/notesSlides/notesSlide1.xml><?xml version="1.0" encoding="utf-8"?>
-<p:notes xmlns:a="http://schemas.openxmlformats.org/drawingml/2006/main" xmlns:r="http://schemas.openxmlformats.org/officeDocument/2006/relationships" xmlns:mc="http://schemas.openxmlformats.org/markup-compatibility/2006" xmlns:mv="urn:schemas-microsoft-com:mac:vml" xmlns:p="http://schemas.openxmlformats.org/presentationml/2006/main" xmlns:c="http://schemas.openxmlformats.org/drawingml/2006/chart" xmlns:dgm="http://schemas.openxmlformats.org/drawingml/2006/diagram" xmlns:o="urn:schemas-microsoft-com:office:office" xmlns:v="urn:schemas-microsoft-com:vml" xmlns:pvml="urn:schemas-microsoft-com:office:powerpoint" xmlns:com="http://schemas.openxmlformats.org/drawingml/2006/compatibility" xmlns:p14="http://schemas.microsoft.com/office/powerpoint/2010/main" xmlns:p15="http://schemas.microsoft.com/office/powerpoint/2012/main" xmlns:ahyp="http://schemas.microsoft.com/office/drawing/2018/hyperlinkcolor" showMasterPhAnim="0" showMasterSp="0">
+<p:notes xmlns:a="http://schemas.openxmlformats.org/drawingml/2006/main" xmlns:r="http://schemas.openxmlformats.org/officeDocument/2006/relationships" xmlns:p="http://schemas.openxmlformats.org/presentationml/2006/main" showMasterSp="0" showMasterPhAnim="0">
   <p:cSld>
     <p:spTree>
       <p:nvGrpSpPr>
-        <p:cNvPr id="70" name="Shape 70"/>
+        <p:cNvPr id="1" name="Shape 70"/>
         <p:cNvGrpSpPr/>
         <p:nvPr/>
       </p:nvGrpSpPr>
@@ -721,9 +736,11 @@
       <p:sp>
         <p:nvSpPr>
           <p:cNvPr id="71" name="Google Shape;71;g2e7d6fa6c26_1_77:notes"/>
-          <p:cNvSpPr txBox="1"/>
+          <p:cNvSpPr txBox="1">
+            <a:spLocks noGrp="1"/>
+          </p:cNvSpPr>
           <p:nvPr>
-            <p:ph idx="1" type="body"/>
+            <p:ph type="body" idx="1"/>
           </p:nvPr>
         </p:nvSpPr>
         <p:spPr>
@@ -736,12 +753,12 @@
           </a:prstGeom>
         </p:spPr>
         <p:txBody>
-          <a:bodyPr anchorCtr="0" anchor="t" bIns="91425" lIns="91425" spcFirstLastPara="1" rIns="91425" wrap="square" tIns="91425">
+          <a:bodyPr spcFirstLastPara="1" wrap="square" lIns="91425" tIns="91425" rIns="91425" bIns="91425" anchor="t" anchorCtr="0">
             <a:noAutofit/>
           </a:bodyPr>
           <a:lstStyle/>
           <a:p>
-            <a:pPr indent="0" lvl="0" marL="0" rtl="0" algn="l">
+            <a:pPr marL="0" lvl="0" indent="0" algn="l" rtl="0">
               <a:spcBef>
                 <a:spcPts val="0"/>
               </a:spcBef>
@@ -750,9 +767,6 @@
               </a:spcAft>
               <a:buNone/>
             </a:pPr>
-            <a:r>
-              <a:t/>
-            </a:r>
             <a:endParaRPr/>
           </a:p>
         </p:txBody>
@@ -760,20 +774,26 @@
       <p:sp>
         <p:nvSpPr>
           <p:cNvPr id="72" name="Google Shape;72;g2e7d6fa6c26_1_77:notes"/>
-          <p:cNvSpPr/>
+          <p:cNvSpPr>
+            <a:spLocks noGrp="1" noRot="1" noChangeAspect="1"/>
+          </p:cNvSpPr>
           <p:nvPr>
-            <p:ph idx="2" type="sldImg"/>
+            <p:ph type="sldImg" idx="2"/>
           </p:nvPr>
         </p:nvSpPr>
         <p:spPr>
           <a:xfrm>
-            <a:off x="1143225" y="685800"/>
-            <a:ext cx="4572225" cy="3429000"/>
+            <a:off x="381000" y="685800"/>
+            <a:ext cx="6096000" cy="3429000"/>
           </a:xfrm>
           <a:custGeom>
-            <a:rect b="b" l="l" r="r" t="t"/>
+            <a:avLst/>
+            <a:gdLst/>
+            <a:ahLst/>
+            <a:cxnLst/>
+            <a:rect l="l" t="t" r="r" b="b"/>
             <a:pathLst>
-              <a:path extrusionOk="0" h="120000" w="120000">
+              <a:path w="120000" h="120000" extrusionOk="0">
                 <a:moveTo>
                   <a:pt x="0" y="0"/>
                 </a:moveTo>
@@ -801,11 +821,11 @@
 </file>
 
 <file path=ppt/notesSlides/notesSlide2.xml><?xml version="1.0" encoding="utf-8"?>
-<p:notes xmlns:a="http://schemas.openxmlformats.org/drawingml/2006/main" xmlns:r="http://schemas.openxmlformats.org/officeDocument/2006/relationships" xmlns:mc="http://schemas.openxmlformats.org/markup-compatibility/2006" xmlns:mv="urn:schemas-microsoft-com:mac:vml" xmlns:p="http://schemas.openxmlformats.org/presentationml/2006/main" xmlns:c="http://schemas.openxmlformats.org/drawingml/2006/chart" xmlns:dgm="http://schemas.openxmlformats.org/drawingml/2006/diagram" xmlns:o="urn:schemas-microsoft-com:office:office" xmlns:v="urn:schemas-microsoft-com:vml" xmlns:pvml="urn:schemas-microsoft-com:office:powerpoint" xmlns:com="http://schemas.openxmlformats.org/drawingml/2006/compatibility" xmlns:p14="http://schemas.microsoft.com/office/powerpoint/2010/main" xmlns:p15="http://schemas.microsoft.com/office/powerpoint/2012/main" xmlns:ahyp="http://schemas.microsoft.com/office/drawing/2018/hyperlinkcolor" showMasterPhAnim="0" showMasterSp="0">
+<p:notes xmlns:a="http://schemas.openxmlformats.org/drawingml/2006/main" xmlns:r="http://schemas.openxmlformats.org/officeDocument/2006/relationships" xmlns:p="http://schemas.openxmlformats.org/presentationml/2006/main" showMasterSp="0" showMasterPhAnim="0">
   <p:cSld>
     <p:spTree>
       <p:nvGrpSpPr>
-        <p:cNvPr id="77" name="Shape 77"/>
+        <p:cNvPr id="1" name="Shape 77"/>
         <p:cNvGrpSpPr/>
         <p:nvPr/>
       </p:nvGrpSpPr>
@@ -820,9 +840,11 @@
       <p:sp>
         <p:nvSpPr>
           <p:cNvPr id="78" name="Google Shape;78;g2e7d6fa6c26_1_83:notes"/>
-          <p:cNvSpPr txBox="1"/>
+          <p:cNvSpPr txBox="1">
+            <a:spLocks noGrp="1"/>
+          </p:cNvSpPr>
           <p:nvPr>
-            <p:ph idx="1" type="body"/>
+            <p:ph type="body" idx="1"/>
           </p:nvPr>
         </p:nvSpPr>
         <p:spPr>
@@ -835,12 +857,12 @@
           </a:prstGeom>
         </p:spPr>
         <p:txBody>
-          <a:bodyPr anchorCtr="0" anchor="t" bIns="91425" lIns="91425" spcFirstLastPara="1" rIns="91425" wrap="square" tIns="91425">
+          <a:bodyPr spcFirstLastPara="1" wrap="square" lIns="91425" tIns="91425" rIns="91425" bIns="91425" anchor="t" anchorCtr="0">
             <a:noAutofit/>
           </a:bodyPr>
           <a:lstStyle/>
           <a:p>
-            <a:pPr indent="0" lvl="0" marL="0" rtl="0" algn="l">
+            <a:pPr marL="0" lvl="0" indent="0" algn="l" rtl="0">
               <a:spcBef>
                 <a:spcPts val="0"/>
               </a:spcBef>
@@ -849,9 +871,6 @@
               </a:spcAft>
               <a:buNone/>
             </a:pPr>
-            <a:r>
-              <a:t/>
-            </a:r>
             <a:endParaRPr/>
           </a:p>
         </p:txBody>
@@ -859,9 +878,11 @@
       <p:sp>
         <p:nvSpPr>
           <p:cNvPr id="79" name="Google Shape;79;g2e7d6fa6c26_1_83:notes"/>
-          <p:cNvSpPr/>
+          <p:cNvSpPr>
+            <a:spLocks noGrp="1" noRot="1" noChangeAspect="1"/>
+          </p:cNvSpPr>
           <p:nvPr>
-            <p:ph idx="2" type="sldImg"/>
+            <p:ph type="sldImg" idx="2"/>
           </p:nvPr>
         </p:nvSpPr>
         <p:spPr>
@@ -870,9 +891,13 @@
             <a:ext cx="4572300" cy="3429000"/>
           </a:xfrm>
           <a:custGeom>
-            <a:rect b="b" l="l" r="r" t="t"/>
+            <a:avLst/>
+            <a:gdLst/>
+            <a:ahLst/>
+            <a:cxnLst/>
+            <a:rect l="l" t="t" r="r" b="b"/>
             <a:pathLst>
-              <a:path extrusionOk="0" h="120000" w="120000">
+              <a:path w="120000" h="120000" extrusionOk="0">
                 <a:moveTo>
                   <a:pt x="0" y="0"/>
                 </a:moveTo>
@@ -900,18 +925,19 @@
 </file>
 
 <file path=ppt/slideLayouts/slideLayout1.xml><?xml version="1.0" encoding="utf-8"?>
-<p:sldLayout xmlns:a="http://schemas.openxmlformats.org/drawingml/2006/main" xmlns:r="http://schemas.openxmlformats.org/officeDocument/2006/relationships" xmlns:mc="http://schemas.openxmlformats.org/markup-compatibility/2006" xmlns:mv="urn:schemas-microsoft-com:mac:vml" xmlns:p="http://schemas.openxmlformats.org/presentationml/2006/main" xmlns:c="http://schemas.openxmlformats.org/drawingml/2006/chart" xmlns:dgm="http://schemas.openxmlformats.org/drawingml/2006/diagram" xmlns:o="urn:schemas-microsoft-com:office:office" xmlns:v="urn:schemas-microsoft-com:vml" xmlns:pvml="urn:schemas-microsoft-com:office:powerpoint" xmlns:com="http://schemas.openxmlformats.org/drawingml/2006/compatibility" xmlns:p14="http://schemas.microsoft.com/office/powerpoint/2010/main" xmlns:p15="http://schemas.microsoft.com/office/powerpoint/2012/main" xmlns:ahyp="http://schemas.microsoft.com/office/drawing/2018/hyperlinkcolor" matchingName="Title slide" type="title">
+<p:sldLayout xmlns:a="http://schemas.openxmlformats.org/drawingml/2006/main" xmlns:r="http://schemas.openxmlformats.org/officeDocument/2006/relationships" xmlns:p="http://schemas.openxmlformats.org/presentationml/2006/main" matchingName="Title slide" type="title">
   <p:cSld name="TITLE">
     <p:bg>
       <p:bgPr>
         <a:solidFill>
           <a:schemeClr val="dk1"/>
         </a:solidFill>
+        <a:effectLst/>
       </p:bgPr>
     </p:bg>
     <p:spTree>
       <p:nvGrpSpPr>
-        <p:cNvPr id="9" name="Shape 9"/>
+        <p:cNvPr id="1" name="Shape 9"/>
         <p:cNvGrpSpPr/>
         <p:nvPr/>
       </p:nvGrpSpPr>
@@ -945,12 +971,12 @@
           </a:ln>
         </p:spPr>
         <p:txBody>
-          <a:bodyPr anchorCtr="0" anchor="ctr" bIns="91425" lIns="91425" spcFirstLastPara="1" rIns="91425" wrap="square" tIns="91425">
+          <a:bodyPr spcFirstLastPara="1" wrap="square" lIns="91425" tIns="91425" rIns="91425" bIns="91425" anchor="ctr" anchorCtr="0">
             <a:noAutofit/>
           </a:bodyPr>
           <a:lstStyle/>
           <a:p>
-            <a:pPr indent="0" lvl="0" marL="0" rtl="0" algn="l">
+            <a:pPr marL="0" lvl="0" indent="0" algn="l" rtl="0">
               <a:spcBef>
                 <a:spcPts val="0"/>
               </a:spcBef>
@@ -959,9 +985,6 @@
               </a:spcAft>
               <a:buNone/>
             </a:pPr>
-            <a:r>
-              <a:t/>
-            </a:r>
             <a:endParaRPr/>
           </a:p>
         </p:txBody>
@@ -969,7 +992,9 @@
       <p:sp>
         <p:nvSpPr>
           <p:cNvPr id="11" name="Google Shape;11;p2"/>
-          <p:cNvSpPr txBox="1"/>
+          <p:cNvSpPr txBox="1">
+            <a:spLocks noGrp="1"/>
+          </p:cNvSpPr>
           <p:nvPr>
             <p:ph type="ctrTitle"/>
           </p:nvPr>
@@ -984,7 +1009,7 @@
           </a:prstGeom>
         </p:spPr>
         <p:txBody>
-          <a:bodyPr anchorCtr="0" anchor="ctr" bIns="91425" lIns="91425" spcFirstLastPara="1" rIns="91425" wrap="square" tIns="91425">
+          <a:bodyPr spcFirstLastPara="1" wrap="square" lIns="91425" tIns="91425" rIns="91425" bIns="91425" anchor="ctr" anchorCtr="0">
             <a:normAutofit/>
           </a:bodyPr>
           <a:lstStyle>
@@ -1088,15 +1113,19 @@
               <a:defRPr sz="8000"/>
             </a:lvl9pPr>
           </a:lstStyle>
-          <a:p/>
+          <a:p>
+            <a:endParaRPr/>
+          </a:p>
         </p:txBody>
       </p:sp>
       <p:sp>
         <p:nvSpPr>
           <p:cNvPr id="12" name="Google Shape;12;p2"/>
-          <p:cNvSpPr txBox="1"/>
+          <p:cNvSpPr txBox="1">
+            <a:spLocks noGrp="1"/>
+          </p:cNvSpPr>
           <p:nvPr>
-            <p:ph idx="1" type="subTitle"/>
+            <p:ph type="subTitle" idx="1"/>
           </p:nvPr>
         </p:nvSpPr>
         <p:spPr>
@@ -1109,7 +1138,7 @@
           </a:prstGeom>
         </p:spPr>
         <p:txBody>
-          <a:bodyPr anchorCtr="0" anchor="ctr" bIns="91425" lIns="91425" spcFirstLastPara="1" rIns="91425" wrap="square" tIns="91425">
+          <a:bodyPr spcFirstLastPara="1" wrap="square" lIns="91425" tIns="91425" rIns="91425" bIns="91425" anchor="ctr" anchorCtr="0">
             <a:normAutofit/>
           </a:bodyPr>
           <a:lstStyle>
@@ -1128,7 +1157,7 @@
               </a:buClr>
               <a:buSzPts val="2100"/>
               <a:buNone/>
-              <a:defRPr b="1" sz="2100">
+              <a:defRPr sz="2100" b="1">
                 <a:solidFill>
                   <a:schemeClr val="accent1"/>
                 </a:solidFill>
@@ -1149,7 +1178,7 @@
               </a:buClr>
               <a:buSzPts val="2100"/>
               <a:buNone/>
-              <a:defRPr b="1" sz="2100">
+              <a:defRPr sz="2100" b="1">
                 <a:solidFill>
                   <a:schemeClr val="accent1"/>
                 </a:solidFill>
@@ -1170,7 +1199,7 @@
               </a:buClr>
               <a:buSzPts val="2100"/>
               <a:buNone/>
-              <a:defRPr b="1" sz="2100">
+              <a:defRPr sz="2100" b="1">
                 <a:solidFill>
                   <a:schemeClr val="accent1"/>
                 </a:solidFill>
@@ -1191,7 +1220,7 @@
               </a:buClr>
               <a:buSzPts val="2100"/>
               <a:buNone/>
-              <a:defRPr b="1" sz="2100">
+              <a:defRPr sz="2100" b="1">
                 <a:solidFill>
                   <a:schemeClr val="accent1"/>
                 </a:solidFill>
@@ -1212,7 +1241,7 @@
               </a:buClr>
               <a:buSzPts val="2100"/>
               <a:buNone/>
-              <a:defRPr b="1" sz="2100">
+              <a:defRPr sz="2100" b="1">
                 <a:solidFill>
                   <a:schemeClr val="accent1"/>
                 </a:solidFill>
@@ -1233,7 +1262,7 @@
               </a:buClr>
               <a:buSzPts val="2100"/>
               <a:buNone/>
-              <a:defRPr b="1" sz="2100">
+              <a:defRPr sz="2100" b="1">
                 <a:solidFill>
                   <a:schemeClr val="accent1"/>
                 </a:solidFill>
@@ -1254,7 +1283,7 @@
               </a:buClr>
               <a:buSzPts val="2100"/>
               <a:buNone/>
-              <a:defRPr b="1" sz="2100">
+              <a:defRPr sz="2100" b="1">
                 <a:solidFill>
                   <a:schemeClr val="accent1"/>
                 </a:solidFill>
@@ -1275,7 +1304,7 @@
               </a:buClr>
               <a:buSzPts val="2100"/>
               <a:buNone/>
-              <a:defRPr b="1" sz="2100">
+              <a:defRPr sz="2100" b="1">
                 <a:solidFill>
                   <a:schemeClr val="accent1"/>
                 </a:solidFill>
@@ -1296,22 +1325,26 @@
               </a:buClr>
               <a:buSzPts val="2100"/>
               <a:buNone/>
-              <a:defRPr b="1" sz="2100">
+              <a:defRPr sz="2100" b="1">
                 <a:solidFill>
                   <a:schemeClr val="accent1"/>
                 </a:solidFill>
               </a:defRPr>
             </a:lvl9pPr>
           </a:lstStyle>
-          <a:p/>
+          <a:p>
+            <a:endParaRPr/>
+          </a:p>
         </p:txBody>
       </p:sp>
       <p:sp>
         <p:nvSpPr>
           <p:cNvPr id="13" name="Google Shape;13;p2"/>
-          <p:cNvSpPr txBox="1"/>
+          <p:cNvSpPr txBox="1">
+            <a:spLocks noGrp="1"/>
+          </p:cNvSpPr>
           <p:nvPr>
-            <p:ph idx="12" type="sldNum"/>
+            <p:ph type="sldNum" idx="12"/>
           </p:nvPr>
         </p:nvSpPr>
         <p:spPr>
@@ -1324,7 +1357,7 @@
           </a:prstGeom>
         </p:spPr>
         <p:txBody>
-          <a:bodyPr anchorCtr="0" anchor="ctr" bIns="91425" lIns="91425" spcFirstLastPara="1" rIns="91425" wrap="square" tIns="91425">
+          <a:bodyPr spcFirstLastPara="1" wrap="square" lIns="91425" tIns="91425" rIns="91425" bIns="91425" anchor="ctr" anchorCtr="0">
             <a:normAutofit/>
           </a:bodyPr>
           <a:lstStyle>
@@ -1366,7 +1399,7 @@
             </a:lvl9pPr>
           </a:lstStyle>
           <a:p>
-            <a:pPr indent="0" lvl="0" marL="0" rtl="0" algn="r">
+            <a:pPr marL="0" lvl="0" indent="0" algn="r" rtl="0">
               <a:spcBef>
                 <a:spcPts val="0"/>
               </a:spcBef>
@@ -1392,11 +1425,11 @@
 </file>
 
 <file path=ppt/slideLayouts/slideLayout10.xml><?xml version="1.0" encoding="utf-8"?>
-<p:sldLayout xmlns:a="http://schemas.openxmlformats.org/drawingml/2006/main" xmlns:r="http://schemas.openxmlformats.org/officeDocument/2006/relationships" xmlns:mc="http://schemas.openxmlformats.org/markup-compatibility/2006" xmlns:mv="urn:schemas-microsoft-com:mac:vml" xmlns:p="http://schemas.openxmlformats.org/presentationml/2006/main" xmlns:c="http://schemas.openxmlformats.org/drawingml/2006/chart" xmlns:dgm="http://schemas.openxmlformats.org/drawingml/2006/diagram" xmlns:o="urn:schemas-microsoft-com:office:office" xmlns:v="urn:schemas-microsoft-com:vml" xmlns:pvml="urn:schemas-microsoft-com:office:powerpoint" xmlns:com="http://schemas.openxmlformats.org/drawingml/2006/compatibility" xmlns:p14="http://schemas.microsoft.com/office/powerpoint/2010/main" xmlns:p15="http://schemas.microsoft.com/office/powerpoint/2012/main" xmlns:ahyp="http://schemas.microsoft.com/office/drawing/2018/hyperlinkcolor" matchingName="Big number">
+<p:sldLayout xmlns:a="http://schemas.openxmlformats.org/drawingml/2006/main" xmlns:r="http://schemas.openxmlformats.org/officeDocument/2006/relationships" xmlns:p="http://schemas.openxmlformats.org/presentationml/2006/main" matchingName="Big number">
   <p:cSld name="BIG_NUMBER">
     <p:spTree>
       <p:nvGrpSpPr>
-        <p:cNvPr id="46" name="Shape 46"/>
+        <p:cNvPr id="1" name="Shape 46"/>
         <p:cNvGrpSpPr/>
         <p:nvPr/>
       </p:nvGrpSpPr>
@@ -1411,9 +1444,11 @@
       <p:sp>
         <p:nvSpPr>
           <p:cNvPr id="47" name="Google Shape;47;p11"/>
-          <p:cNvSpPr txBox="1"/>
+          <p:cNvSpPr txBox="1">
+            <a:spLocks noGrp="1"/>
+          </p:cNvSpPr>
           <p:nvPr>
-            <p:ph hasCustomPrompt="1" type="title"/>
+            <p:ph type="title" hasCustomPrompt="1"/>
           </p:nvPr>
         </p:nvSpPr>
         <p:spPr>
@@ -1426,7 +1461,7 @@
           </a:prstGeom>
         </p:spPr>
         <p:txBody>
-          <a:bodyPr anchorCtr="0" anchor="b" bIns="91425" lIns="91425" spcFirstLastPara="1" rIns="91425" wrap="square" tIns="91425">
+          <a:bodyPr spcFirstLastPara="1" wrap="square" lIns="91425" tIns="91425" rIns="91425" bIns="91425" anchor="b" anchorCtr="0">
             <a:normAutofit/>
           </a:bodyPr>
           <a:lstStyle>
@@ -1630,9 +1665,11 @@
       <p:sp>
         <p:nvSpPr>
           <p:cNvPr id="48" name="Google Shape;48;p11"/>
-          <p:cNvSpPr txBox="1"/>
+          <p:cNvSpPr txBox="1">
+            <a:spLocks noGrp="1"/>
+          </p:cNvSpPr>
           <p:nvPr>
-            <p:ph idx="1" type="body"/>
+            <p:ph type="body" idx="1"/>
           </p:nvPr>
         </p:nvSpPr>
         <p:spPr>
@@ -1645,11 +1682,11 @@
           </a:prstGeom>
         </p:spPr>
         <p:txBody>
-          <a:bodyPr anchorCtr="0" anchor="t" bIns="91425" lIns="91425" spcFirstLastPara="1" rIns="91425" wrap="square" tIns="91425">
+          <a:bodyPr spcFirstLastPara="1" wrap="square" lIns="91425" tIns="91425" rIns="91425" bIns="91425" anchor="t" anchorCtr="0">
             <a:normAutofit/>
           </a:bodyPr>
           <a:lstStyle>
-            <a:lvl1pPr indent="-342900" lvl="0" marL="457200" algn="ctr">
+            <a:lvl1pPr marL="457200" lvl="0" indent="-342900" algn="ctr">
               <a:spcBef>
                 <a:spcPts val="0"/>
               </a:spcBef>
@@ -1670,7 +1707,7 @@
                 </a:highlight>
               </a:defRPr>
             </a:lvl1pPr>
-            <a:lvl2pPr indent="-317500" lvl="1" marL="914400" algn="ctr">
+            <a:lvl2pPr marL="914400" lvl="1" indent="-317500" algn="ctr">
               <a:spcBef>
                 <a:spcPts val="0"/>
               </a:spcBef>
@@ -1691,7 +1728,7 @@
                 </a:highlight>
               </a:defRPr>
             </a:lvl2pPr>
-            <a:lvl3pPr indent="-317500" lvl="2" marL="1371600" algn="ctr">
+            <a:lvl3pPr marL="1371600" lvl="2" indent="-317500" algn="ctr">
               <a:spcBef>
                 <a:spcPts val="0"/>
               </a:spcBef>
@@ -1712,7 +1749,7 @@
                 </a:highlight>
               </a:defRPr>
             </a:lvl3pPr>
-            <a:lvl4pPr indent="-317500" lvl="3" marL="1828800" algn="ctr">
+            <a:lvl4pPr marL="1828800" lvl="3" indent="-317500" algn="ctr">
               <a:spcBef>
                 <a:spcPts val="0"/>
               </a:spcBef>
@@ -1733,7 +1770,7 @@
                 </a:highlight>
               </a:defRPr>
             </a:lvl4pPr>
-            <a:lvl5pPr indent="-317500" lvl="4" marL="2286000" algn="ctr">
+            <a:lvl5pPr marL="2286000" lvl="4" indent="-317500" algn="ctr">
               <a:spcBef>
                 <a:spcPts val="0"/>
               </a:spcBef>
@@ -1754,7 +1791,7 @@
                 </a:highlight>
               </a:defRPr>
             </a:lvl5pPr>
-            <a:lvl6pPr indent="-317500" lvl="5" marL="2743200" algn="ctr">
+            <a:lvl6pPr marL="2743200" lvl="5" indent="-317500" algn="ctr">
               <a:spcBef>
                 <a:spcPts val="0"/>
               </a:spcBef>
@@ -1775,7 +1812,7 @@
                 </a:highlight>
               </a:defRPr>
             </a:lvl6pPr>
-            <a:lvl7pPr indent="-317500" lvl="6" marL="3200400" algn="ctr">
+            <a:lvl7pPr marL="3200400" lvl="6" indent="-317500" algn="ctr">
               <a:spcBef>
                 <a:spcPts val="0"/>
               </a:spcBef>
@@ -1796,7 +1833,7 @@
                 </a:highlight>
               </a:defRPr>
             </a:lvl7pPr>
-            <a:lvl8pPr indent="-317500" lvl="7" marL="3657600" algn="ctr">
+            <a:lvl8pPr marL="3657600" lvl="7" indent="-317500" algn="ctr">
               <a:spcBef>
                 <a:spcPts val="0"/>
               </a:spcBef>
@@ -1817,7 +1854,7 @@
                 </a:highlight>
               </a:defRPr>
             </a:lvl8pPr>
-            <a:lvl9pPr indent="-317500" lvl="8" marL="4114800" algn="ctr">
+            <a:lvl9pPr marL="4114800" lvl="8" indent="-317500" algn="ctr">
               <a:spcBef>
                 <a:spcPts val="0"/>
               </a:spcBef>
@@ -1839,15 +1876,19 @@
               </a:defRPr>
             </a:lvl9pPr>
           </a:lstStyle>
-          <a:p/>
+          <a:p>
+            <a:endParaRPr/>
+          </a:p>
         </p:txBody>
       </p:sp>
       <p:sp>
         <p:nvSpPr>
           <p:cNvPr id="49" name="Google Shape;49;p11"/>
-          <p:cNvSpPr txBox="1"/>
+          <p:cNvSpPr txBox="1">
+            <a:spLocks noGrp="1"/>
+          </p:cNvSpPr>
           <p:nvPr>
-            <p:ph idx="12" type="sldNum"/>
+            <p:ph type="sldNum" idx="12"/>
           </p:nvPr>
         </p:nvSpPr>
         <p:spPr>
@@ -1860,7 +1901,7 @@
           </a:prstGeom>
         </p:spPr>
         <p:txBody>
-          <a:bodyPr anchorCtr="0" anchor="ctr" bIns="91425" lIns="91425" spcFirstLastPara="1" rIns="91425" wrap="square" tIns="91425">
+          <a:bodyPr spcFirstLastPara="1" wrap="square" lIns="91425" tIns="91425" rIns="91425" bIns="91425" anchor="ctr" anchorCtr="0">
             <a:normAutofit/>
           </a:bodyPr>
           <a:lstStyle>
@@ -1902,7 +1943,7 @@
             </a:lvl9pPr>
           </a:lstStyle>
           <a:p>
-            <a:pPr indent="0" lvl="0" marL="0" rtl="0" algn="r">
+            <a:pPr marL="0" lvl="0" indent="0" algn="r" rtl="0">
               <a:spcBef>
                 <a:spcPts val="0"/>
               </a:spcBef>
@@ -1928,11 +1969,11 @@
 </file>
 
 <file path=ppt/slideLayouts/slideLayout11.xml><?xml version="1.0" encoding="utf-8"?>
-<p:sldLayout xmlns:a="http://schemas.openxmlformats.org/drawingml/2006/main" xmlns:r="http://schemas.openxmlformats.org/officeDocument/2006/relationships" xmlns:mc="http://schemas.openxmlformats.org/markup-compatibility/2006" xmlns:mv="urn:schemas-microsoft-com:mac:vml" xmlns:p="http://schemas.openxmlformats.org/presentationml/2006/main" xmlns:c="http://schemas.openxmlformats.org/drawingml/2006/chart" xmlns:dgm="http://schemas.openxmlformats.org/drawingml/2006/diagram" xmlns:o="urn:schemas-microsoft-com:office:office" xmlns:v="urn:schemas-microsoft-com:vml" xmlns:pvml="urn:schemas-microsoft-com:office:powerpoint" xmlns:com="http://schemas.openxmlformats.org/drawingml/2006/compatibility" xmlns:p14="http://schemas.microsoft.com/office/powerpoint/2010/main" xmlns:p15="http://schemas.microsoft.com/office/powerpoint/2012/main" xmlns:ahyp="http://schemas.microsoft.com/office/drawing/2018/hyperlinkcolor" matchingName="Blank" type="blank">
+<p:sldLayout xmlns:a="http://schemas.openxmlformats.org/drawingml/2006/main" xmlns:r="http://schemas.openxmlformats.org/officeDocument/2006/relationships" xmlns:p="http://schemas.openxmlformats.org/presentationml/2006/main" matchingName="Blank" type="blank">
   <p:cSld name="BLANK">
     <p:spTree>
       <p:nvGrpSpPr>
-        <p:cNvPr id="50" name="Shape 50"/>
+        <p:cNvPr id="1" name="Shape 50"/>
         <p:cNvGrpSpPr/>
         <p:nvPr/>
       </p:nvGrpSpPr>
@@ -1947,9 +1988,11 @@
       <p:sp>
         <p:nvSpPr>
           <p:cNvPr id="51" name="Google Shape;51;p12"/>
-          <p:cNvSpPr txBox="1"/>
+          <p:cNvSpPr txBox="1">
+            <a:spLocks noGrp="1"/>
+          </p:cNvSpPr>
           <p:nvPr>
-            <p:ph idx="12" type="sldNum"/>
+            <p:ph type="sldNum" idx="12"/>
           </p:nvPr>
         </p:nvSpPr>
         <p:spPr>
@@ -1962,7 +2005,7 @@
           </a:prstGeom>
         </p:spPr>
         <p:txBody>
-          <a:bodyPr anchorCtr="0" anchor="ctr" bIns="91425" lIns="91425" spcFirstLastPara="1" rIns="91425" wrap="square" tIns="91425">
+          <a:bodyPr spcFirstLastPara="1" wrap="square" lIns="91425" tIns="91425" rIns="91425" bIns="91425" anchor="ctr" anchorCtr="0">
             <a:normAutofit/>
           </a:bodyPr>
           <a:lstStyle>
@@ -2004,7 +2047,7 @@
             </a:lvl9pPr>
           </a:lstStyle>
           <a:p>
-            <a:pPr indent="0" lvl="0" marL="0" rtl="0" algn="r">
+            <a:pPr marL="0" lvl="0" indent="0" algn="r" rtl="0">
               <a:spcBef>
                 <a:spcPts val="0"/>
               </a:spcBef>
@@ -2030,11 +2073,11 @@
 </file>
 
 <file path=ppt/slideLayouts/slideLayout12.xml><?xml version="1.0" encoding="utf-8"?>
-<p:sldLayout xmlns:a="http://schemas.openxmlformats.org/drawingml/2006/main" xmlns:r="http://schemas.openxmlformats.org/officeDocument/2006/relationships" xmlns:mc="http://schemas.openxmlformats.org/markup-compatibility/2006" xmlns:mv="urn:schemas-microsoft-com:mac:vml" xmlns:p="http://schemas.openxmlformats.org/presentationml/2006/main" xmlns:c="http://schemas.openxmlformats.org/drawingml/2006/chart" xmlns:dgm="http://schemas.openxmlformats.org/drawingml/2006/diagram" xmlns:o="urn:schemas-microsoft-com:office:office" xmlns:v="urn:schemas-microsoft-com:vml" xmlns:pvml="urn:schemas-microsoft-com:office:powerpoint" xmlns:com="http://schemas.openxmlformats.org/drawingml/2006/compatibility" xmlns:p14="http://schemas.microsoft.com/office/powerpoint/2010/main" xmlns:p15="http://schemas.microsoft.com/office/powerpoint/2012/main" xmlns:ahyp="http://schemas.microsoft.com/office/drawing/2018/hyperlinkcolor" matchingName="Title and Content" type="obj">
+<p:sldLayout xmlns:a="http://schemas.openxmlformats.org/drawingml/2006/main" xmlns:r="http://schemas.openxmlformats.org/officeDocument/2006/relationships" xmlns:p="http://schemas.openxmlformats.org/presentationml/2006/main" matchingName="Title and Content" type="obj">
   <p:cSld name="OBJECT">
     <p:spTree>
       <p:nvGrpSpPr>
-        <p:cNvPr id="52" name="Shape 52"/>
+        <p:cNvPr id="1" name="Shape 52"/>
         <p:cNvGrpSpPr/>
         <p:nvPr/>
       </p:nvGrpSpPr>
@@ -2049,7 +2092,9 @@
       <p:sp>
         <p:nvSpPr>
           <p:cNvPr id="53" name="Google Shape;53;p13"/>
-          <p:cNvSpPr txBox="1"/>
+          <p:cNvSpPr txBox="1">
+            <a:spLocks noGrp="1"/>
+          </p:cNvSpPr>
           <p:nvPr>
             <p:ph type="title"/>
           </p:nvPr>
@@ -2068,11 +2113,11 @@
           </a:ln>
         </p:spPr>
         <p:txBody>
-          <a:bodyPr anchorCtr="0" anchor="ctr" bIns="34275" lIns="68575" spcFirstLastPara="1" rIns="68575" wrap="square" tIns="34275">
+          <a:bodyPr spcFirstLastPara="1" wrap="square" lIns="68575" tIns="34275" rIns="68575" bIns="34275" anchor="ctr" anchorCtr="0">
             <a:normAutofit/>
           </a:bodyPr>
           <a:lstStyle>
-            <a:lvl1pPr lvl="0" rtl="0" algn="l">
+            <a:lvl1pPr lvl="0" algn="l" rtl="0">
               <a:lnSpc>
                 <a:spcPct val="90000"/>
               </a:lnSpc>
@@ -2178,15 +2223,19 @@
               <a:defRPr/>
             </a:lvl9pPr>
           </a:lstStyle>
-          <a:p/>
+          <a:p>
+            <a:endParaRPr/>
+          </a:p>
         </p:txBody>
       </p:sp>
       <p:sp>
         <p:nvSpPr>
           <p:cNvPr id="54" name="Google Shape;54;p13"/>
-          <p:cNvSpPr txBox="1"/>
+          <p:cNvSpPr txBox="1">
+            <a:spLocks noGrp="1"/>
+          </p:cNvSpPr>
           <p:nvPr>
-            <p:ph idx="1" type="body"/>
+            <p:ph type="body" idx="1"/>
           </p:nvPr>
         </p:nvSpPr>
         <p:spPr>
@@ -2203,11 +2252,11 @@
           </a:ln>
         </p:spPr>
         <p:txBody>
-          <a:bodyPr anchorCtr="0" anchor="t" bIns="34275" lIns="68575" spcFirstLastPara="1" rIns="68575" wrap="square" tIns="34275">
+          <a:bodyPr spcFirstLastPara="1" wrap="square" lIns="68575" tIns="34275" rIns="68575" bIns="34275" anchor="t" anchorCtr="0">
             <a:normAutofit/>
           </a:bodyPr>
           <a:lstStyle>
-            <a:lvl1pPr indent="-317500" lvl="0" marL="457200" rtl="0" algn="l">
+            <a:lvl1pPr marL="457200" lvl="0" indent="-317500" algn="l" rtl="0">
               <a:lnSpc>
                 <a:spcPct val="90000"/>
               </a:lnSpc>
@@ -2224,7 +2273,7 @@
               <a:buChar char="●"/>
               <a:defRPr/>
             </a:lvl1pPr>
-            <a:lvl2pPr indent="-317500" lvl="1" marL="914400" rtl="0" algn="l">
+            <a:lvl2pPr marL="914400" lvl="1" indent="-317500" algn="l" rtl="0">
               <a:lnSpc>
                 <a:spcPct val="90000"/>
               </a:lnSpc>
@@ -2241,7 +2290,7 @@
               <a:buChar char="○"/>
               <a:defRPr/>
             </a:lvl2pPr>
-            <a:lvl3pPr indent="-317500" lvl="2" marL="1371600" rtl="0" algn="l">
+            <a:lvl3pPr marL="1371600" lvl="2" indent="-317500" algn="l" rtl="0">
               <a:lnSpc>
                 <a:spcPct val="90000"/>
               </a:lnSpc>
@@ -2258,7 +2307,7 @@
               <a:buChar char="■"/>
               <a:defRPr/>
             </a:lvl3pPr>
-            <a:lvl4pPr indent="-317500" lvl="3" marL="1828800" rtl="0" algn="l">
+            <a:lvl4pPr marL="1828800" lvl="3" indent="-317500" algn="l" rtl="0">
               <a:lnSpc>
                 <a:spcPct val="90000"/>
               </a:lnSpc>
@@ -2275,7 +2324,7 @@
               <a:buChar char="●"/>
               <a:defRPr/>
             </a:lvl4pPr>
-            <a:lvl5pPr indent="-317500" lvl="4" marL="2286000" rtl="0" algn="l">
+            <a:lvl5pPr marL="2286000" lvl="4" indent="-317500" algn="l" rtl="0">
               <a:lnSpc>
                 <a:spcPct val="90000"/>
               </a:lnSpc>
@@ -2292,7 +2341,7 @@
               <a:buChar char="○"/>
               <a:defRPr/>
             </a:lvl5pPr>
-            <a:lvl6pPr indent="-317500" lvl="5" marL="2743200" rtl="0" algn="l">
+            <a:lvl6pPr marL="2743200" lvl="5" indent="-317500" algn="l" rtl="0">
               <a:lnSpc>
                 <a:spcPct val="90000"/>
               </a:lnSpc>
@@ -2309,7 +2358,7 @@
               <a:buChar char="■"/>
               <a:defRPr/>
             </a:lvl6pPr>
-            <a:lvl7pPr indent="-317500" lvl="6" marL="3200400" rtl="0" algn="l">
+            <a:lvl7pPr marL="3200400" lvl="6" indent="-317500" algn="l" rtl="0">
               <a:lnSpc>
                 <a:spcPct val="90000"/>
               </a:lnSpc>
@@ -2326,7 +2375,7 @@
               <a:buChar char="●"/>
               <a:defRPr/>
             </a:lvl7pPr>
-            <a:lvl8pPr indent="-317500" lvl="7" marL="3657600" rtl="0" algn="l">
+            <a:lvl8pPr marL="3657600" lvl="7" indent="-317500" algn="l" rtl="0">
               <a:lnSpc>
                 <a:spcPct val="90000"/>
               </a:lnSpc>
@@ -2343,7 +2392,7 @@
               <a:buChar char="○"/>
               <a:defRPr/>
             </a:lvl8pPr>
-            <a:lvl9pPr indent="-317500" lvl="8" marL="4114800" rtl="0" algn="l">
+            <a:lvl9pPr marL="4114800" lvl="8" indent="-317500" algn="l" rtl="0">
               <a:lnSpc>
                 <a:spcPct val="90000"/>
               </a:lnSpc>
@@ -2361,15 +2410,19 @@
               <a:defRPr/>
             </a:lvl9pPr>
           </a:lstStyle>
-          <a:p/>
+          <a:p>
+            <a:endParaRPr/>
+          </a:p>
         </p:txBody>
       </p:sp>
       <p:sp>
         <p:nvSpPr>
           <p:cNvPr id="55" name="Google Shape;55;p13"/>
-          <p:cNvSpPr txBox="1"/>
+          <p:cNvSpPr txBox="1">
+            <a:spLocks noGrp="1"/>
+          </p:cNvSpPr>
           <p:nvPr>
-            <p:ph idx="10" type="dt"/>
+            <p:ph type="dt" idx="10"/>
           </p:nvPr>
         </p:nvSpPr>
         <p:spPr>
@@ -2386,11 +2439,11 @@
           </a:ln>
         </p:spPr>
         <p:txBody>
-          <a:bodyPr anchorCtr="0" anchor="ctr" bIns="34275" lIns="68575" spcFirstLastPara="1" rIns="68575" wrap="square" tIns="34275">
+          <a:bodyPr spcFirstLastPara="1" wrap="square" lIns="68575" tIns="34275" rIns="68575" bIns="34275" anchor="ctr" anchorCtr="0">
             <a:noAutofit/>
           </a:bodyPr>
           <a:lstStyle>
-            <a:lvl1pPr lvl="0" rtl="0" algn="l">
+            <a:lvl1pPr lvl="0" algn="l" rtl="0">
               <a:spcBef>
                 <a:spcPts val="0"/>
               </a:spcBef>
@@ -2401,7 +2454,7 @@
               <a:buNone/>
               <a:defRPr/>
             </a:lvl1pPr>
-            <a:lvl2pPr lvl="1" rtl="0" algn="l">
+            <a:lvl2pPr lvl="1" algn="l" rtl="0">
               <a:spcBef>
                 <a:spcPts val="0"/>
               </a:spcBef>
@@ -2412,7 +2465,7 @@
               <a:buNone/>
               <a:defRPr/>
             </a:lvl2pPr>
-            <a:lvl3pPr lvl="2" rtl="0" algn="l">
+            <a:lvl3pPr lvl="2" algn="l" rtl="0">
               <a:spcBef>
                 <a:spcPts val="0"/>
               </a:spcBef>
@@ -2423,7 +2476,7 @@
               <a:buNone/>
               <a:defRPr/>
             </a:lvl3pPr>
-            <a:lvl4pPr lvl="3" rtl="0" algn="l">
+            <a:lvl4pPr lvl="3" algn="l" rtl="0">
               <a:spcBef>
                 <a:spcPts val="0"/>
               </a:spcBef>
@@ -2434,7 +2487,7 @@
               <a:buNone/>
               <a:defRPr/>
             </a:lvl4pPr>
-            <a:lvl5pPr lvl="4" rtl="0" algn="l">
+            <a:lvl5pPr lvl="4" algn="l" rtl="0">
               <a:spcBef>
                 <a:spcPts val="0"/>
               </a:spcBef>
@@ -2445,7 +2498,7 @@
               <a:buNone/>
               <a:defRPr/>
             </a:lvl5pPr>
-            <a:lvl6pPr lvl="5" rtl="0" algn="l">
+            <a:lvl6pPr lvl="5" algn="l" rtl="0">
               <a:spcBef>
                 <a:spcPts val="0"/>
               </a:spcBef>
@@ -2456,7 +2509,7 @@
               <a:buNone/>
               <a:defRPr/>
             </a:lvl6pPr>
-            <a:lvl7pPr lvl="6" rtl="0" algn="l">
+            <a:lvl7pPr lvl="6" algn="l" rtl="0">
               <a:spcBef>
                 <a:spcPts val="0"/>
               </a:spcBef>
@@ -2467,7 +2520,7 @@
               <a:buNone/>
               <a:defRPr/>
             </a:lvl7pPr>
-            <a:lvl8pPr lvl="7" rtl="0" algn="l">
+            <a:lvl8pPr lvl="7" algn="l" rtl="0">
               <a:spcBef>
                 <a:spcPts val="0"/>
               </a:spcBef>
@@ -2478,7 +2531,7 @@
               <a:buNone/>
               <a:defRPr/>
             </a:lvl8pPr>
-            <a:lvl9pPr lvl="8" rtl="0" algn="l">
+            <a:lvl9pPr lvl="8" algn="l" rtl="0">
               <a:spcBef>
                 <a:spcPts val="0"/>
               </a:spcBef>
@@ -2490,15 +2543,19 @@
               <a:defRPr/>
             </a:lvl9pPr>
           </a:lstStyle>
-          <a:p/>
+          <a:p>
+            <a:endParaRPr/>
+          </a:p>
         </p:txBody>
       </p:sp>
       <p:sp>
         <p:nvSpPr>
           <p:cNvPr id="56" name="Google Shape;56;p13"/>
-          <p:cNvSpPr txBox="1"/>
+          <p:cNvSpPr txBox="1">
+            <a:spLocks noGrp="1"/>
+          </p:cNvSpPr>
           <p:nvPr>
-            <p:ph idx="11" type="ftr"/>
+            <p:ph type="ftr" idx="11"/>
           </p:nvPr>
         </p:nvSpPr>
         <p:spPr>
@@ -2515,11 +2572,11 @@
           </a:ln>
         </p:spPr>
         <p:txBody>
-          <a:bodyPr anchorCtr="0" anchor="ctr" bIns="34275" lIns="68575" spcFirstLastPara="1" rIns="68575" wrap="square" tIns="34275">
+          <a:bodyPr spcFirstLastPara="1" wrap="square" lIns="68575" tIns="34275" rIns="68575" bIns="34275" anchor="ctr" anchorCtr="0">
             <a:noAutofit/>
           </a:bodyPr>
           <a:lstStyle>
-            <a:lvl1pPr lvl="0" rtl="0" algn="ctr">
+            <a:lvl1pPr lvl="0" algn="ctr" rtl="0">
               <a:spcBef>
                 <a:spcPts val="0"/>
               </a:spcBef>
@@ -2530,7 +2587,7 @@
               <a:buNone/>
               <a:defRPr/>
             </a:lvl1pPr>
-            <a:lvl2pPr lvl="1" rtl="0" algn="l">
+            <a:lvl2pPr lvl="1" algn="l" rtl="0">
               <a:spcBef>
                 <a:spcPts val="0"/>
               </a:spcBef>
@@ -2541,7 +2598,7 @@
               <a:buNone/>
               <a:defRPr/>
             </a:lvl2pPr>
-            <a:lvl3pPr lvl="2" rtl="0" algn="l">
+            <a:lvl3pPr lvl="2" algn="l" rtl="0">
               <a:spcBef>
                 <a:spcPts val="0"/>
               </a:spcBef>
@@ -2552,7 +2609,7 @@
               <a:buNone/>
               <a:defRPr/>
             </a:lvl3pPr>
-            <a:lvl4pPr lvl="3" rtl="0" algn="l">
+            <a:lvl4pPr lvl="3" algn="l" rtl="0">
               <a:spcBef>
                 <a:spcPts val="0"/>
               </a:spcBef>
@@ -2563,7 +2620,7 @@
               <a:buNone/>
               <a:defRPr/>
             </a:lvl4pPr>
-            <a:lvl5pPr lvl="4" rtl="0" algn="l">
+            <a:lvl5pPr lvl="4" algn="l" rtl="0">
               <a:spcBef>
                 <a:spcPts val="0"/>
               </a:spcBef>
@@ -2574,7 +2631,7 @@
               <a:buNone/>
               <a:defRPr/>
             </a:lvl5pPr>
-            <a:lvl6pPr lvl="5" rtl="0" algn="l">
+            <a:lvl6pPr lvl="5" algn="l" rtl="0">
               <a:spcBef>
                 <a:spcPts val="0"/>
               </a:spcBef>
@@ -2585,7 +2642,7 @@
               <a:buNone/>
               <a:defRPr/>
             </a:lvl6pPr>
-            <a:lvl7pPr lvl="6" rtl="0" algn="l">
+            <a:lvl7pPr lvl="6" algn="l" rtl="0">
               <a:spcBef>
                 <a:spcPts val="0"/>
               </a:spcBef>
@@ -2596,7 +2653,7 @@
               <a:buNone/>
               <a:defRPr/>
             </a:lvl7pPr>
-            <a:lvl8pPr lvl="7" rtl="0" algn="l">
+            <a:lvl8pPr lvl="7" algn="l" rtl="0">
               <a:spcBef>
                 <a:spcPts val="0"/>
               </a:spcBef>
@@ -2607,7 +2664,7 @@
               <a:buNone/>
               <a:defRPr/>
             </a:lvl8pPr>
-            <a:lvl9pPr lvl="8" rtl="0" algn="l">
+            <a:lvl9pPr lvl="8" algn="l" rtl="0">
               <a:spcBef>
                 <a:spcPts val="0"/>
               </a:spcBef>
@@ -2619,15 +2676,19 @@
               <a:defRPr/>
             </a:lvl9pPr>
           </a:lstStyle>
-          <a:p/>
+          <a:p>
+            <a:endParaRPr/>
+          </a:p>
         </p:txBody>
       </p:sp>
       <p:sp>
         <p:nvSpPr>
           <p:cNvPr id="57" name="Google Shape;57;p13"/>
-          <p:cNvSpPr txBox="1"/>
+          <p:cNvSpPr txBox="1">
+            <a:spLocks noGrp="1"/>
+          </p:cNvSpPr>
           <p:nvPr>
-            <p:ph idx="12" type="sldNum"/>
+            <p:ph type="sldNum" idx="12"/>
           </p:nvPr>
         </p:nvSpPr>
         <p:spPr>
@@ -2644,67 +2705,67 @@
           </a:ln>
         </p:spPr>
         <p:txBody>
-          <a:bodyPr anchorCtr="0" anchor="ctr" bIns="34275" lIns="68575" spcFirstLastPara="1" rIns="68575" wrap="square" tIns="34275">
+          <a:bodyPr spcFirstLastPara="1" wrap="square" lIns="68575" tIns="34275" rIns="68575" bIns="34275" anchor="ctr" anchorCtr="0">
             <a:normAutofit/>
           </a:bodyPr>
           <a:lstStyle>
-            <a:lvl1pPr indent="0" lvl="0" marL="0" rtl="0" algn="r">
+            <a:lvl1pPr marL="0" lvl="0" indent="0" algn="r" rtl="0">
               <a:spcBef>
                 <a:spcPts val="0"/>
               </a:spcBef>
               <a:buNone/>
               <a:defRPr/>
             </a:lvl1pPr>
-            <a:lvl2pPr indent="0" lvl="1" marL="0" rtl="0" algn="r">
+            <a:lvl2pPr marL="0" lvl="1" indent="0" algn="r" rtl="0">
               <a:spcBef>
                 <a:spcPts val="0"/>
               </a:spcBef>
               <a:buNone/>
               <a:defRPr/>
             </a:lvl2pPr>
-            <a:lvl3pPr indent="0" lvl="2" marL="0" rtl="0" algn="r">
+            <a:lvl3pPr marL="0" lvl="2" indent="0" algn="r" rtl="0">
               <a:spcBef>
                 <a:spcPts val="0"/>
               </a:spcBef>
               <a:buNone/>
               <a:defRPr/>
             </a:lvl3pPr>
-            <a:lvl4pPr indent="0" lvl="3" marL="0" rtl="0" algn="r">
+            <a:lvl4pPr marL="0" lvl="3" indent="0" algn="r" rtl="0">
               <a:spcBef>
                 <a:spcPts val="0"/>
               </a:spcBef>
               <a:buNone/>
               <a:defRPr/>
             </a:lvl4pPr>
-            <a:lvl5pPr indent="0" lvl="4" marL="0" rtl="0" algn="r">
+            <a:lvl5pPr marL="0" lvl="4" indent="0" algn="r" rtl="0">
               <a:spcBef>
                 <a:spcPts val="0"/>
               </a:spcBef>
               <a:buNone/>
               <a:defRPr/>
             </a:lvl5pPr>
-            <a:lvl6pPr indent="0" lvl="5" marL="0" rtl="0" algn="r">
+            <a:lvl6pPr marL="0" lvl="5" indent="0" algn="r" rtl="0">
               <a:spcBef>
                 <a:spcPts val="0"/>
               </a:spcBef>
               <a:buNone/>
               <a:defRPr/>
             </a:lvl6pPr>
-            <a:lvl7pPr indent="0" lvl="6" marL="0" rtl="0" algn="r">
+            <a:lvl7pPr marL="0" lvl="6" indent="0" algn="r" rtl="0">
               <a:spcBef>
                 <a:spcPts val="0"/>
               </a:spcBef>
               <a:buNone/>
               <a:defRPr/>
             </a:lvl7pPr>
-            <a:lvl8pPr indent="0" lvl="7" marL="0" rtl="0" algn="r">
+            <a:lvl8pPr marL="0" lvl="7" indent="0" algn="r" rtl="0">
               <a:spcBef>
                 <a:spcPts val="0"/>
               </a:spcBef>
               <a:buNone/>
               <a:defRPr/>
             </a:lvl8pPr>
-            <a:lvl9pPr indent="0" lvl="8" marL="0" rtl="0" algn="r">
+            <a:lvl9pPr marL="0" lvl="8" indent="0" algn="r" rtl="0">
               <a:spcBef>
                 <a:spcPts val="0"/>
               </a:spcBef>
@@ -2713,7 +2774,7 @@
             </a:lvl9pPr>
           </a:lstStyle>
           <a:p>
-            <a:pPr indent="0" lvl="0" marL="0" rtl="0" algn="r">
+            <a:pPr marL="0" lvl="0" indent="0" algn="r" rtl="0">
               <a:spcBef>
                 <a:spcPts val="0"/>
               </a:spcBef>
@@ -2750,12 +2811,12 @@
           </a:ln>
         </p:spPr>
         <p:txBody>
-          <a:bodyPr anchorCtr="0" anchor="ctr" bIns="34275" lIns="68575" spcFirstLastPara="1" rIns="68575" wrap="square" tIns="34275">
+          <a:bodyPr spcFirstLastPara="1" wrap="square" lIns="68575" tIns="34275" rIns="68575" bIns="34275" anchor="ctr" anchorCtr="0">
             <a:noAutofit/>
           </a:bodyPr>
           <a:lstStyle/>
           <a:p>
-            <a:pPr indent="0" lvl="0" marL="0" marR="0" rtl="0" algn="ctr">
+            <a:pPr marL="0" marR="0" lvl="0" indent="0" algn="ctr" rtl="0">
               <a:spcBef>
                 <a:spcPts val="0"/>
               </a:spcBef>
@@ -2765,7 +2826,7 @@
               <a:buNone/>
             </a:pPr>
             <a:r>
-              <a:rPr b="0" i="0" lang="en-GB" sz="900" u="none" cap="none" strike="noStrike">
+              <a:rPr lang="en-GB" sz="900" b="0" i="0" u="none" strike="noStrike" cap="none">
                 <a:solidFill>
                   <a:srgbClr val="888888"/>
                 </a:solidFill>
@@ -2776,7 +2837,7 @@
               </a:rPr>
               <a:t>SOLELY FOR PURPOSES OF FORAGE WORK EXPERIENCE</a:t>
             </a:r>
-            <a:endParaRPr b="0" i="0" sz="900" u="none" cap="none" strike="noStrike">
+            <a:endParaRPr sz="900" b="0" i="0" u="none" strike="noStrike" cap="none">
               <a:solidFill>
                 <a:srgbClr val="888888"/>
               </a:solidFill>
@@ -2797,18 +2858,19 @@
 </file>
 
 <file path=ppt/slideLayouts/slideLayout13.xml><?xml version="1.0" encoding="utf-8"?>
-<p:sldLayout xmlns:a="http://schemas.openxmlformats.org/drawingml/2006/main" xmlns:r="http://schemas.openxmlformats.org/officeDocument/2006/relationships" xmlns:mc="http://schemas.openxmlformats.org/markup-compatibility/2006" xmlns:mv="urn:schemas-microsoft-com:mac:vml" xmlns:p="http://schemas.openxmlformats.org/presentationml/2006/main" xmlns:c="http://schemas.openxmlformats.org/drawingml/2006/chart" xmlns:dgm="http://schemas.openxmlformats.org/drawingml/2006/diagram" xmlns:o="urn:schemas-microsoft-com:office:office" xmlns:v="urn:schemas-microsoft-com:vml" xmlns:pvml="urn:schemas-microsoft-com:office:powerpoint" xmlns:com="http://schemas.openxmlformats.org/drawingml/2006/compatibility" xmlns:p14="http://schemas.microsoft.com/office/powerpoint/2010/main" xmlns:p15="http://schemas.microsoft.com/office/powerpoint/2012/main" xmlns:ahyp="http://schemas.microsoft.com/office/drawing/2018/hyperlinkcolor" matchingName="Title Slide (ABBA Confident Blue)">
+<p:sldLayout xmlns:a="http://schemas.openxmlformats.org/drawingml/2006/main" xmlns:r="http://schemas.openxmlformats.org/officeDocument/2006/relationships" xmlns:p="http://schemas.openxmlformats.org/presentationml/2006/main" matchingName="Title Slide (ABBA Confident Blue)">
   <p:cSld name="Title Slide (ABBA Confident Blue)">
     <p:bg>
       <p:bgPr>
         <a:solidFill>
           <a:srgbClr val="0B5574"/>
         </a:solidFill>
+        <a:effectLst/>
       </p:bgPr>
     </p:bg>
     <p:spTree>
       <p:nvGrpSpPr>
-        <p:cNvPr id="59" name="Shape 59"/>
+        <p:cNvPr id="1" name="Shape 59"/>
         <p:cNvGrpSpPr/>
         <p:nvPr/>
       </p:nvGrpSpPr>
@@ -2854,12 +2916,12 @@
           </a:ln>
         </p:spPr>
         <p:txBody>
-          <a:bodyPr anchorCtr="0" anchor="ctr" bIns="34275" lIns="68575" spcFirstLastPara="1" rIns="68575" wrap="square" tIns="34275">
+          <a:bodyPr spcFirstLastPara="1" wrap="square" lIns="68575" tIns="34275" rIns="68575" bIns="34275" anchor="ctr" anchorCtr="0">
             <a:noAutofit/>
           </a:bodyPr>
           <a:lstStyle/>
           <a:p>
-            <a:pPr indent="0" lvl="0" marL="0" marR="0" rtl="0" algn="ctr">
+            <a:pPr marL="0" marR="0" lvl="0" indent="0" algn="ctr" rtl="0">
               <a:spcBef>
                 <a:spcPts val="0"/>
               </a:spcBef>
@@ -2868,10 +2930,7 @@
               </a:spcAft>
               <a:buNone/>
             </a:pPr>
-            <a:r>
-              <a:t/>
-            </a:r>
-            <a:endParaRPr b="0" i="0" sz="1400" u="none" cap="none" strike="noStrike">
+            <a:endParaRPr sz="1400" b="0" i="0" u="none" strike="noStrike" cap="none">
               <a:solidFill>
                 <a:schemeClr val="lt1"/>
               </a:solidFill>
@@ -2886,7 +2945,9 @@
       <p:sp>
         <p:nvSpPr>
           <p:cNvPr id="61" name="Google Shape;61;p14"/>
-          <p:cNvSpPr txBox="1"/>
+          <p:cNvSpPr txBox="1">
+            <a:spLocks noGrp="1"/>
+          </p:cNvSpPr>
           <p:nvPr>
             <p:ph type="ctrTitle"/>
           </p:nvPr>
@@ -2905,11 +2966,11 @@
           </a:ln>
         </p:spPr>
         <p:txBody>
-          <a:bodyPr anchorCtr="0" anchor="ctr" bIns="34275" lIns="68575" spcFirstLastPara="1" rIns="68575" wrap="square" tIns="34275">
+          <a:bodyPr spcFirstLastPara="1" wrap="square" lIns="68575" tIns="34275" rIns="68575" bIns="34275" anchor="ctr" anchorCtr="0">
             <a:normAutofit/>
           </a:bodyPr>
           <a:lstStyle>
-            <a:lvl1pPr lvl="0" marR="0" rtl="0" algn="ctr">
+            <a:lvl1pPr marR="0" lvl="0" algn="ctr" rtl="0">
               <a:lnSpc>
                 <a:spcPct val="90000"/>
               </a:lnSpc>
@@ -2922,7 +2983,7 @@
               <a:buSzPts val="3600"/>
               <a:buFont typeface="Arial"/>
               <a:buNone/>
-              <a:defRPr b="1" i="0" sz="3600" u="none" cap="none" strike="noStrike">
+              <a:defRPr sz="3600" b="1" i="0" u="none" strike="noStrike" cap="none">
                 <a:latin typeface="Arial"/>
                 <a:ea typeface="Arial"/>
                 <a:cs typeface="Arial"/>
@@ -3018,15 +3079,19 @@
               <a:defRPr sz="1400"/>
             </a:lvl9pPr>
           </a:lstStyle>
-          <a:p/>
+          <a:p>
+            <a:endParaRPr/>
+          </a:p>
         </p:txBody>
       </p:sp>
       <p:sp>
         <p:nvSpPr>
           <p:cNvPr id="62" name="Google Shape;62;p14"/>
-          <p:cNvSpPr txBox="1"/>
+          <p:cNvSpPr txBox="1">
+            <a:spLocks noGrp="1"/>
+          </p:cNvSpPr>
           <p:nvPr>
-            <p:ph idx="1" type="subTitle"/>
+            <p:ph type="subTitle" idx="1"/>
           </p:nvPr>
         </p:nvSpPr>
         <p:spPr>
@@ -3043,11 +3108,11 @@
           </a:ln>
         </p:spPr>
         <p:txBody>
-          <a:bodyPr anchorCtr="0" anchor="ctr" bIns="34275" lIns="68575" spcFirstLastPara="1" rIns="68575" wrap="square" tIns="34275">
+          <a:bodyPr spcFirstLastPara="1" wrap="square" lIns="68575" tIns="34275" rIns="68575" bIns="34275" anchor="ctr" anchorCtr="0">
             <a:normAutofit/>
           </a:bodyPr>
           <a:lstStyle>
-            <a:lvl1pPr lvl="0" marR="0" rtl="0" algn="ctr">
+            <a:lvl1pPr marR="0" lvl="0" algn="ctr" rtl="0">
               <a:lnSpc>
                 <a:spcPct val="150000"/>
               </a:lnSpc>
@@ -3063,7 +3128,7 @@
               <a:buSzPts val="1200"/>
               <a:buFont typeface="Arial"/>
               <a:buNone/>
-              <a:defRPr b="0" i="0" sz="1200" u="none" cap="none" strike="noStrike">
+              <a:defRPr sz="1200" b="0" i="0" u="none" strike="noStrike" cap="none">
                 <a:solidFill>
                   <a:schemeClr val="lt1"/>
                 </a:solidFill>
@@ -3073,7 +3138,7 @@
                 <a:sym typeface="Arial"/>
               </a:defRPr>
             </a:lvl1pPr>
-            <a:lvl2pPr lvl="1" marR="0" rtl="0" algn="ctr">
+            <a:lvl2pPr marR="0" lvl="1" algn="ctr" rtl="0">
               <a:lnSpc>
                 <a:spcPct val="150000"/>
               </a:lnSpc>
@@ -3089,7 +3154,7 @@
               <a:buSzPts val="1500"/>
               <a:buFont typeface="Arial"/>
               <a:buNone/>
-              <a:defRPr b="0" i="0" sz="1500" u="none" cap="none" strike="noStrike">
+              <a:defRPr sz="1500" b="0" i="0" u="none" strike="noStrike" cap="none">
                 <a:solidFill>
                   <a:schemeClr val="dk1"/>
                 </a:solidFill>
@@ -3099,7 +3164,7 @@
                 <a:sym typeface="Arial"/>
               </a:defRPr>
             </a:lvl2pPr>
-            <a:lvl3pPr lvl="2" marR="0" rtl="0" algn="ctr">
+            <a:lvl3pPr marR="0" lvl="2" algn="ctr" rtl="0">
               <a:lnSpc>
                 <a:spcPct val="150000"/>
               </a:lnSpc>
@@ -3115,7 +3180,7 @@
               <a:buSzPts val="1400"/>
               <a:buFont typeface="Arial"/>
               <a:buNone/>
-              <a:defRPr b="0" i="0" sz="1400" u="none" cap="none" strike="noStrike">
+              <a:defRPr sz="1400" b="0" i="0" u="none" strike="noStrike" cap="none">
                 <a:solidFill>
                   <a:schemeClr val="dk1"/>
                 </a:solidFill>
@@ -3125,7 +3190,7 @@
                 <a:sym typeface="Arial"/>
               </a:defRPr>
             </a:lvl3pPr>
-            <a:lvl4pPr lvl="3" marR="0" rtl="0" algn="ctr">
+            <a:lvl4pPr marR="0" lvl="3" algn="ctr" rtl="0">
               <a:lnSpc>
                 <a:spcPct val="150000"/>
               </a:lnSpc>
@@ -3141,7 +3206,7 @@
               <a:buSzPts val="1200"/>
               <a:buFont typeface="Arial"/>
               <a:buNone/>
-              <a:defRPr b="0" i="0" sz="1200" u="none" cap="none" strike="noStrike">
+              <a:defRPr sz="1200" b="0" i="0" u="none" strike="noStrike" cap="none">
                 <a:solidFill>
                   <a:schemeClr val="dk1"/>
                 </a:solidFill>
@@ -3151,7 +3216,7 @@
                 <a:sym typeface="Arial"/>
               </a:defRPr>
             </a:lvl4pPr>
-            <a:lvl5pPr lvl="4" marR="0" rtl="0" algn="ctr">
+            <a:lvl5pPr marR="0" lvl="4" algn="ctr" rtl="0">
               <a:lnSpc>
                 <a:spcPct val="150000"/>
               </a:lnSpc>
@@ -3167,7 +3232,7 @@
               <a:buSzPts val="1200"/>
               <a:buFont typeface="Arial"/>
               <a:buNone/>
-              <a:defRPr b="0" i="0" sz="1200" u="none" cap="none" strike="noStrike">
+              <a:defRPr sz="1200" b="0" i="0" u="none" strike="noStrike" cap="none">
                 <a:solidFill>
                   <a:schemeClr val="dk1"/>
                 </a:solidFill>
@@ -3177,7 +3242,7 @@
                 <a:sym typeface="Arial"/>
               </a:defRPr>
             </a:lvl5pPr>
-            <a:lvl6pPr lvl="5" marR="0" rtl="0" algn="ctr">
+            <a:lvl6pPr marR="0" lvl="5" algn="ctr" rtl="0">
               <a:lnSpc>
                 <a:spcPct val="90000"/>
               </a:lnSpc>
@@ -3193,7 +3258,7 @@
               <a:buSzPts val="1200"/>
               <a:buFont typeface="Arial"/>
               <a:buNone/>
-              <a:defRPr b="0" i="0" sz="1200" u="none" cap="none" strike="noStrike">
+              <a:defRPr sz="1200" b="0" i="0" u="none" strike="noStrike" cap="none">
                 <a:solidFill>
                   <a:schemeClr val="lt1"/>
                 </a:solidFill>
@@ -3203,7 +3268,7 @@
                 <a:sym typeface="Calibri"/>
               </a:defRPr>
             </a:lvl6pPr>
-            <a:lvl7pPr lvl="6" marR="0" rtl="0" algn="ctr">
+            <a:lvl7pPr marR="0" lvl="6" algn="ctr" rtl="0">
               <a:lnSpc>
                 <a:spcPct val="90000"/>
               </a:lnSpc>
@@ -3219,7 +3284,7 @@
               <a:buSzPts val="1200"/>
               <a:buFont typeface="Arial"/>
               <a:buNone/>
-              <a:defRPr b="0" i="0" sz="1200" u="none" cap="none" strike="noStrike">
+              <a:defRPr sz="1200" b="0" i="0" u="none" strike="noStrike" cap="none">
                 <a:solidFill>
                   <a:schemeClr val="lt1"/>
                 </a:solidFill>
@@ -3229,7 +3294,7 @@
                 <a:sym typeface="Calibri"/>
               </a:defRPr>
             </a:lvl7pPr>
-            <a:lvl8pPr lvl="7" marR="0" rtl="0" algn="ctr">
+            <a:lvl8pPr marR="0" lvl="7" algn="ctr" rtl="0">
               <a:lnSpc>
                 <a:spcPct val="90000"/>
               </a:lnSpc>
@@ -3245,7 +3310,7 @@
               <a:buSzPts val="1200"/>
               <a:buFont typeface="Arial"/>
               <a:buNone/>
-              <a:defRPr b="0" i="0" sz="1200" u="none" cap="none" strike="noStrike">
+              <a:defRPr sz="1200" b="0" i="0" u="none" strike="noStrike" cap="none">
                 <a:solidFill>
                   <a:schemeClr val="lt1"/>
                 </a:solidFill>
@@ -3255,7 +3320,7 @@
                 <a:sym typeface="Calibri"/>
               </a:defRPr>
             </a:lvl8pPr>
-            <a:lvl9pPr lvl="8" marR="0" rtl="0" algn="ctr">
+            <a:lvl9pPr marR="0" lvl="8" algn="ctr" rtl="0">
               <a:lnSpc>
                 <a:spcPct val="90000"/>
               </a:lnSpc>
@@ -3271,7 +3336,7 @@
               <a:buSzPts val="1200"/>
               <a:buFont typeface="Arial"/>
               <a:buNone/>
-              <a:defRPr b="0" i="0" sz="1200" u="none" cap="none" strike="noStrike">
+              <a:defRPr sz="1200" b="0" i="0" u="none" strike="noStrike" cap="none">
                 <a:solidFill>
                   <a:schemeClr val="lt1"/>
                 </a:solidFill>
@@ -3282,12 +3347,14 @@
               </a:defRPr>
             </a:lvl9pPr>
           </a:lstStyle>
-          <a:p/>
+          <a:p>
+            <a:endParaRPr/>
+          </a:p>
         </p:txBody>
       </p:sp>
       <p:pic>
         <p:nvPicPr>
-          <p:cNvPr descr="Shape, rectangle&#10;&#10;Description automatically generated" id="63" name="Google Shape;63;p14"/>
+          <p:cNvPr id="63" name="Google Shape;63;p14" descr="Shape, rectangle&#10;&#10;Description automatically generated"/>
           <p:cNvPicPr preferRelativeResize="0"/>
           <p:nvPr/>
         </p:nvPicPr>
@@ -3295,7 +3362,7 @@
           <a:blip r:embed="rId2">
             <a:alphaModFix/>
           </a:blip>
-          <a:srcRect b="0" l="0" r="0" t="0"/>
+          <a:srcRect/>
           <a:stretch/>
         </p:blipFill>
         <p:spPr>
@@ -3315,9 +3382,11 @@
       <p:sp>
         <p:nvSpPr>
           <p:cNvPr id="64" name="Google Shape;64;p14"/>
-          <p:cNvSpPr txBox="1"/>
+          <p:cNvSpPr txBox="1">
+            <a:spLocks noGrp="1"/>
+          </p:cNvSpPr>
           <p:nvPr>
-            <p:ph idx="2" type="body"/>
+            <p:ph type="body" idx="2"/>
           </p:nvPr>
         </p:nvSpPr>
         <p:spPr>
@@ -3334,11 +3403,11 @@
           </a:ln>
         </p:spPr>
         <p:txBody>
-          <a:bodyPr anchorCtr="0" anchor="ctr" bIns="34275" lIns="68575" spcFirstLastPara="1" rIns="68575" wrap="square" tIns="34275">
+          <a:bodyPr spcFirstLastPara="1" wrap="square" lIns="68575" tIns="34275" rIns="68575" bIns="34275" anchor="ctr" anchorCtr="0">
             <a:spAutoFit/>
           </a:bodyPr>
           <a:lstStyle>
-            <a:lvl1pPr indent="-228600" lvl="0" marL="457200" marR="0" rtl="0" algn="ctr">
+            <a:lvl1pPr marL="457200" marR="0" lvl="0" indent="-228600" algn="ctr" rtl="0">
               <a:lnSpc>
                 <a:spcPct val="150000"/>
               </a:lnSpc>
@@ -3354,7 +3423,7 @@
               <a:buSzPts val="700"/>
               <a:buFont typeface="Arial"/>
               <a:buNone/>
-              <a:defRPr b="0" i="0" sz="700" u="none" cap="none" strike="noStrike">
+              <a:defRPr sz="700" b="0" i="0" u="none" strike="noStrike" cap="none">
                 <a:solidFill>
                   <a:schemeClr val="lt1"/>
                 </a:solidFill>
@@ -3364,7 +3433,7 @@
                 <a:sym typeface="Arial"/>
               </a:defRPr>
             </a:lvl1pPr>
-            <a:lvl2pPr indent="-342900" lvl="1" marL="914400" marR="0" rtl="0" algn="l">
+            <a:lvl2pPr marL="914400" marR="0" lvl="1" indent="-342900" algn="l" rtl="0">
               <a:lnSpc>
                 <a:spcPct val="150000"/>
               </a:lnSpc>
@@ -3380,7 +3449,7 @@
               <a:buSzPts val="1800"/>
               <a:buFont typeface="Arial"/>
               <a:buChar char="•"/>
-              <a:defRPr b="0" i="0" sz="1800" u="none" cap="none" strike="noStrike">
+              <a:defRPr sz="1800" b="0" i="0" u="none" strike="noStrike" cap="none">
                 <a:solidFill>
                   <a:schemeClr val="dk1"/>
                 </a:solidFill>
@@ -3390,7 +3459,7 @@
                 <a:sym typeface="Arial"/>
               </a:defRPr>
             </a:lvl2pPr>
-            <a:lvl3pPr indent="-323850" lvl="2" marL="1371600" marR="0" rtl="0" algn="l">
+            <a:lvl3pPr marL="1371600" marR="0" lvl="2" indent="-323850" algn="l" rtl="0">
               <a:lnSpc>
                 <a:spcPct val="150000"/>
               </a:lnSpc>
@@ -3406,7 +3475,7 @@
               <a:buSzPts val="1500"/>
               <a:buFont typeface="Arial"/>
               <a:buChar char="•"/>
-              <a:defRPr b="0" i="0" sz="1500" u="none" cap="none" strike="noStrike">
+              <a:defRPr sz="1500" b="0" i="0" u="none" strike="noStrike" cap="none">
                 <a:solidFill>
                   <a:schemeClr val="dk1"/>
                 </a:solidFill>
@@ -3416,7 +3485,7 @@
                 <a:sym typeface="Arial"/>
               </a:defRPr>
             </a:lvl3pPr>
-            <a:lvl4pPr indent="-317500" lvl="3" marL="1828800" marR="0" rtl="0" algn="l">
+            <a:lvl4pPr marL="1828800" marR="0" lvl="3" indent="-317500" algn="l" rtl="0">
               <a:lnSpc>
                 <a:spcPct val="150000"/>
               </a:lnSpc>
@@ -3432,7 +3501,7 @@
               <a:buSzPts val="1400"/>
               <a:buFont typeface="Arial"/>
               <a:buChar char="•"/>
-              <a:defRPr b="0" i="0" sz="1400" u="none" cap="none" strike="noStrike">
+              <a:defRPr sz="1400" b="0" i="0" u="none" strike="noStrike" cap="none">
                 <a:solidFill>
                   <a:schemeClr val="dk1"/>
                 </a:solidFill>
@@ -3442,7 +3511,7 @@
                 <a:sym typeface="Arial"/>
               </a:defRPr>
             </a:lvl4pPr>
-            <a:lvl5pPr indent="-317500" lvl="4" marL="2286000" marR="0" rtl="0" algn="l">
+            <a:lvl5pPr marL="2286000" marR="0" lvl="4" indent="-317500" algn="l" rtl="0">
               <a:lnSpc>
                 <a:spcPct val="150000"/>
               </a:lnSpc>
@@ -3458,7 +3527,7 @@
               <a:buSzPts val="1400"/>
               <a:buFont typeface="Arial"/>
               <a:buChar char="•"/>
-              <a:defRPr b="0" i="0" sz="1400" u="none" cap="none" strike="noStrike">
+              <a:defRPr sz="1400" b="0" i="0" u="none" strike="noStrike" cap="none">
                 <a:solidFill>
                   <a:schemeClr val="dk1"/>
                 </a:solidFill>
@@ -3468,7 +3537,7 @@
                 <a:sym typeface="Arial"/>
               </a:defRPr>
             </a:lvl5pPr>
-            <a:lvl6pPr indent="-317500" lvl="5" marL="2743200" marR="0" rtl="0" algn="l">
+            <a:lvl6pPr marL="2743200" marR="0" lvl="5" indent="-317500" algn="l" rtl="0">
               <a:lnSpc>
                 <a:spcPct val="90000"/>
               </a:lnSpc>
@@ -3484,7 +3553,7 @@
               <a:buSzPts val="1400"/>
               <a:buFont typeface="Arial"/>
               <a:buChar char="•"/>
-              <a:defRPr b="0" i="0" sz="1400" u="none" cap="none" strike="noStrike">
+              <a:defRPr sz="1400" b="0" i="0" u="none" strike="noStrike" cap="none">
                 <a:solidFill>
                   <a:schemeClr val="lt1"/>
                 </a:solidFill>
@@ -3494,7 +3563,7 @@
                 <a:sym typeface="Calibri"/>
               </a:defRPr>
             </a:lvl6pPr>
-            <a:lvl7pPr indent="-317500" lvl="6" marL="3200400" marR="0" rtl="0" algn="l">
+            <a:lvl7pPr marL="3200400" marR="0" lvl="6" indent="-317500" algn="l" rtl="0">
               <a:lnSpc>
                 <a:spcPct val="90000"/>
               </a:lnSpc>
@@ -3510,7 +3579,7 @@
               <a:buSzPts val="1400"/>
               <a:buFont typeface="Arial"/>
               <a:buChar char="•"/>
-              <a:defRPr b="0" i="0" sz="1400" u="none" cap="none" strike="noStrike">
+              <a:defRPr sz="1400" b="0" i="0" u="none" strike="noStrike" cap="none">
                 <a:solidFill>
                   <a:schemeClr val="lt1"/>
                 </a:solidFill>
@@ -3520,7 +3589,7 @@
                 <a:sym typeface="Calibri"/>
               </a:defRPr>
             </a:lvl7pPr>
-            <a:lvl8pPr indent="-317500" lvl="7" marL="3657600" marR="0" rtl="0" algn="l">
+            <a:lvl8pPr marL="3657600" marR="0" lvl="7" indent="-317500" algn="l" rtl="0">
               <a:lnSpc>
                 <a:spcPct val="90000"/>
               </a:lnSpc>
@@ -3536,7 +3605,7 @@
               <a:buSzPts val="1400"/>
               <a:buFont typeface="Arial"/>
               <a:buChar char="•"/>
-              <a:defRPr b="0" i="0" sz="1400" u="none" cap="none" strike="noStrike">
+              <a:defRPr sz="1400" b="0" i="0" u="none" strike="noStrike" cap="none">
                 <a:solidFill>
                   <a:schemeClr val="lt1"/>
                 </a:solidFill>
@@ -3546,7 +3615,7 @@
                 <a:sym typeface="Calibri"/>
               </a:defRPr>
             </a:lvl8pPr>
-            <a:lvl9pPr indent="-317500" lvl="8" marL="4114800" marR="0" rtl="0" algn="l">
+            <a:lvl9pPr marL="4114800" marR="0" lvl="8" indent="-317500" algn="l" rtl="0">
               <a:lnSpc>
                 <a:spcPct val="90000"/>
               </a:lnSpc>
@@ -3562,7 +3631,7 @@
               <a:buSzPts val="1400"/>
               <a:buFont typeface="Arial"/>
               <a:buChar char="•"/>
-              <a:defRPr b="0" i="0" sz="1400" u="none" cap="none" strike="noStrike">
+              <a:defRPr sz="1400" b="0" i="0" u="none" strike="noStrike" cap="none">
                 <a:solidFill>
                   <a:schemeClr val="lt1"/>
                 </a:solidFill>
@@ -3573,15 +3642,19 @@
               </a:defRPr>
             </a:lvl9pPr>
           </a:lstStyle>
-          <a:p/>
+          <a:p>
+            <a:endParaRPr/>
+          </a:p>
         </p:txBody>
       </p:sp>
       <p:sp>
         <p:nvSpPr>
           <p:cNvPr id="65" name="Google Shape;65;p14"/>
-          <p:cNvSpPr txBox="1"/>
+          <p:cNvSpPr txBox="1">
+            <a:spLocks noGrp="1"/>
+          </p:cNvSpPr>
           <p:nvPr>
-            <p:ph idx="3" type="body"/>
+            <p:ph type="body" idx="3"/>
           </p:nvPr>
         </p:nvSpPr>
         <p:spPr>
@@ -3598,11 +3671,11 @@
           </a:ln>
         </p:spPr>
         <p:txBody>
-          <a:bodyPr anchorCtr="0" anchor="ctr" bIns="34275" lIns="68575" spcFirstLastPara="1" rIns="68575" wrap="square" tIns="34275">
+          <a:bodyPr spcFirstLastPara="1" wrap="square" lIns="68575" tIns="34275" rIns="68575" bIns="34275" anchor="ctr" anchorCtr="0">
             <a:spAutoFit/>
           </a:bodyPr>
           <a:lstStyle>
-            <a:lvl1pPr indent="-228600" lvl="0" marL="457200" marR="0" rtl="0" algn="ctr">
+            <a:lvl1pPr marL="457200" marR="0" lvl="0" indent="-228600" algn="ctr" rtl="0">
               <a:lnSpc>
                 <a:spcPct val="150000"/>
               </a:lnSpc>
@@ -3618,7 +3691,7 @@
               <a:buSzPts val="800"/>
               <a:buFont typeface="Arial"/>
               <a:buNone/>
-              <a:defRPr b="0" i="0" sz="800" u="none" cap="none" strike="noStrike">
+              <a:defRPr sz="800" b="0" i="0" u="none" strike="noStrike" cap="none">
                 <a:solidFill>
                   <a:schemeClr val="lt1"/>
                 </a:solidFill>
@@ -3628,7 +3701,7 @@
                 <a:sym typeface="Arial"/>
               </a:defRPr>
             </a:lvl1pPr>
-            <a:lvl2pPr indent="-342900" lvl="1" marL="914400" marR="0" rtl="0" algn="l">
+            <a:lvl2pPr marL="914400" marR="0" lvl="1" indent="-342900" algn="l" rtl="0">
               <a:lnSpc>
                 <a:spcPct val="150000"/>
               </a:lnSpc>
@@ -3644,7 +3717,7 @@
               <a:buSzPts val="1800"/>
               <a:buFont typeface="Arial"/>
               <a:buChar char="•"/>
-              <a:defRPr b="0" i="0" sz="1800" u="none" cap="none" strike="noStrike">
+              <a:defRPr sz="1800" b="0" i="0" u="none" strike="noStrike" cap="none">
                 <a:solidFill>
                   <a:schemeClr val="dk1"/>
                 </a:solidFill>
@@ -3654,7 +3727,7 @@
                 <a:sym typeface="Arial"/>
               </a:defRPr>
             </a:lvl2pPr>
-            <a:lvl3pPr indent="-323850" lvl="2" marL="1371600" marR="0" rtl="0" algn="l">
+            <a:lvl3pPr marL="1371600" marR="0" lvl="2" indent="-323850" algn="l" rtl="0">
               <a:lnSpc>
                 <a:spcPct val="150000"/>
               </a:lnSpc>
@@ -3670,7 +3743,7 @@
               <a:buSzPts val="1500"/>
               <a:buFont typeface="Arial"/>
               <a:buChar char="•"/>
-              <a:defRPr b="0" i="0" sz="1500" u="none" cap="none" strike="noStrike">
+              <a:defRPr sz="1500" b="0" i="0" u="none" strike="noStrike" cap="none">
                 <a:solidFill>
                   <a:schemeClr val="dk1"/>
                 </a:solidFill>
@@ -3680,7 +3753,7 @@
                 <a:sym typeface="Arial"/>
               </a:defRPr>
             </a:lvl3pPr>
-            <a:lvl4pPr indent="-317500" lvl="3" marL="1828800" marR="0" rtl="0" algn="l">
+            <a:lvl4pPr marL="1828800" marR="0" lvl="3" indent="-317500" algn="l" rtl="0">
               <a:lnSpc>
                 <a:spcPct val="150000"/>
               </a:lnSpc>
@@ -3696,7 +3769,7 @@
               <a:buSzPts val="1400"/>
               <a:buFont typeface="Arial"/>
               <a:buChar char="•"/>
-              <a:defRPr b="0" i="0" sz="1400" u="none" cap="none" strike="noStrike">
+              <a:defRPr sz="1400" b="0" i="0" u="none" strike="noStrike" cap="none">
                 <a:solidFill>
                   <a:schemeClr val="dk1"/>
                 </a:solidFill>
@@ -3706,7 +3779,7 @@
                 <a:sym typeface="Arial"/>
               </a:defRPr>
             </a:lvl4pPr>
-            <a:lvl5pPr indent="-317500" lvl="4" marL="2286000" marR="0" rtl="0" algn="l">
+            <a:lvl5pPr marL="2286000" marR="0" lvl="4" indent="-317500" algn="l" rtl="0">
               <a:lnSpc>
                 <a:spcPct val="150000"/>
               </a:lnSpc>
@@ -3722,7 +3795,7 @@
               <a:buSzPts val="1400"/>
               <a:buFont typeface="Arial"/>
               <a:buChar char="•"/>
-              <a:defRPr b="0" i="0" sz="1400" u="none" cap="none" strike="noStrike">
+              <a:defRPr sz="1400" b="0" i="0" u="none" strike="noStrike" cap="none">
                 <a:solidFill>
                   <a:schemeClr val="dk1"/>
                 </a:solidFill>
@@ -3732,7 +3805,7 @@
                 <a:sym typeface="Arial"/>
               </a:defRPr>
             </a:lvl5pPr>
-            <a:lvl6pPr indent="-317500" lvl="5" marL="2743200" marR="0" rtl="0" algn="l">
+            <a:lvl6pPr marL="2743200" marR="0" lvl="5" indent="-317500" algn="l" rtl="0">
               <a:lnSpc>
                 <a:spcPct val="90000"/>
               </a:lnSpc>
@@ -3748,7 +3821,7 @@
               <a:buSzPts val="1400"/>
               <a:buFont typeface="Arial"/>
               <a:buChar char="•"/>
-              <a:defRPr b="0" i="0" sz="1400" u="none" cap="none" strike="noStrike">
+              <a:defRPr sz="1400" b="0" i="0" u="none" strike="noStrike" cap="none">
                 <a:solidFill>
                   <a:schemeClr val="lt1"/>
                 </a:solidFill>
@@ -3758,7 +3831,7 @@
                 <a:sym typeface="Calibri"/>
               </a:defRPr>
             </a:lvl6pPr>
-            <a:lvl7pPr indent="-317500" lvl="6" marL="3200400" marR="0" rtl="0" algn="l">
+            <a:lvl7pPr marL="3200400" marR="0" lvl="6" indent="-317500" algn="l" rtl="0">
               <a:lnSpc>
                 <a:spcPct val="90000"/>
               </a:lnSpc>
@@ -3774,7 +3847,7 @@
               <a:buSzPts val="1400"/>
               <a:buFont typeface="Arial"/>
               <a:buChar char="•"/>
-              <a:defRPr b="0" i="0" sz="1400" u="none" cap="none" strike="noStrike">
+              <a:defRPr sz="1400" b="0" i="0" u="none" strike="noStrike" cap="none">
                 <a:solidFill>
                   <a:schemeClr val="lt1"/>
                 </a:solidFill>
@@ -3784,7 +3857,7 @@
                 <a:sym typeface="Calibri"/>
               </a:defRPr>
             </a:lvl7pPr>
-            <a:lvl8pPr indent="-317500" lvl="7" marL="3657600" marR="0" rtl="0" algn="l">
+            <a:lvl8pPr marL="3657600" marR="0" lvl="7" indent="-317500" algn="l" rtl="0">
               <a:lnSpc>
                 <a:spcPct val="90000"/>
               </a:lnSpc>
@@ -3800,7 +3873,7 @@
               <a:buSzPts val="1400"/>
               <a:buFont typeface="Arial"/>
               <a:buChar char="•"/>
-              <a:defRPr b="0" i="0" sz="1400" u="none" cap="none" strike="noStrike">
+              <a:defRPr sz="1400" b="0" i="0" u="none" strike="noStrike" cap="none">
                 <a:solidFill>
                   <a:schemeClr val="lt1"/>
                 </a:solidFill>
@@ -3810,7 +3883,7 @@
                 <a:sym typeface="Calibri"/>
               </a:defRPr>
             </a:lvl8pPr>
-            <a:lvl9pPr indent="-317500" lvl="8" marL="4114800" marR="0" rtl="0" algn="l">
+            <a:lvl9pPr marL="4114800" marR="0" lvl="8" indent="-317500" algn="l" rtl="0">
               <a:lnSpc>
                 <a:spcPct val="90000"/>
               </a:lnSpc>
@@ -3826,7 +3899,7 @@
               <a:buSzPts val="1400"/>
               <a:buFont typeface="Arial"/>
               <a:buChar char="•"/>
-              <a:defRPr b="0" i="0" sz="1400" u="none" cap="none" strike="noStrike">
+              <a:defRPr sz="1400" b="0" i="0" u="none" strike="noStrike" cap="none">
                 <a:solidFill>
                   <a:schemeClr val="lt1"/>
                 </a:solidFill>
@@ -3837,7 +3910,9 @@
               </a:defRPr>
             </a:lvl9pPr>
           </a:lstStyle>
-          <a:p/>
+          <a:p>
+            <a:endParaRPr/>
+          </a:p>
         </p:txBody>
       </p:sp>
     </p:spTree>
@@ -3849,11 +3924,11 @@
 </file>
 
 <file path=ppt/slideLayouts/slideLayout14.xml><?xml version="1.0" encoding="utf-8"?>
-<p:sldLayout xmlns:a="http://schemas.openxmlformats.org/drawingml/2006/main" xmlns:r="http://schemas.openxmlformats.org/officeDocument/2006/relationships" xmlns:mc="http://schemas.openxmlformats.org/markup-compatibility/2006" xmlns:mv="urn:schemas-microsoft-com:mac:vml" xmlns:p="http://schemas.openxmlformats.org/presentationml/2006/main" xmlns:c="http://schemas.openxmlformats.org/drawingml/2006/chart" xmlns:dgm="http://schemas.openxmlformats.org/drawingml/2006/diagram" xmlns:o="urn:schemas-microsoft-com:office:office" xmlns:v="urn:schemas-microsoft-com:vml" xmlns:pvml="urn:schemas-microsoft-com:office:powerpoint" xmlns:com="http://schemas.openxmlformats.org/drawingml/2006/compatibility" xmlns:p14="http://schemas.microsoft.com/office/powerpoint/2010/main" xmlns:p15="http://schemas.microsoft.com/office/powerpoint/2012/main" xmlns:ahyp="http://schemas.microsoft.com/office/drawing/2018/hyperlinkcolor" matchingName="Title and Content 1">
+<p:sldLayout xmlns:a="http://schemas.openxmlformats.org/drawingml/2006/main" xmlns:r="http://schemas.openxmlformats.org/officeDocument/2006/relationships" xmlns:p="http://schemas.openxmlformats.org/presentationml/2006/main" matchingName="Title and Content 1">
   <p:cSld name="Title and Content">
     <p:spTree>
       <p:nvGrpSpPr>
-        <p:cNvPr id="66" name="Shape 66"/>
+        <p:cNvPr id="1" name="Shape 66"/>
         <p:cNvGrpSpPr/>
         <p:nvPr/>
       </p:nvGrpSpPr>
@@ -3868,7 +3943,9 @@
       <p:sp>
         <p:nvSpPr>
           <p:cNvPr id="67" name="Google Shape;67;p15"/>
-          <p:cNvSpPr txBox="1"/>
+          <p:cNvSpPr txBox="1">
+            <a:spLocks noGrp="1"/>
+          </p:cNvSpPr>
           <p:nvPr>
             <p:ph type="title"/>
           </p:nvPr>
@@ -3887,11 +3964,11 @@
           </a:ln>
         </p:spPr>
         <p:txBody>
-          <a:bodyPr anchorCtr="0" anchor="ctr" bIns="0" lIns="0" spcFirstLastPara="1" rIns="0" wrap="square" tIns="0">
+          <a:bodyPr spcFirstLastPara="1" wrap="square" lIns="0" tIns="0" rIns="0" bIns="0" anchor="ctr" anchorCtr="0">
             <a:noAutofit/>
           </a:bodyPr>
           <a:lstStyle>
-            <a:lvl1pPr lvl="0" rtl="0" algn="l">
+            <a:lvl1pPr lvl="0" algn="l" rtl="0">
               <a:lnSpc>
                 <a:spcPct val="90000"/>
               </a:lnSpc>
@@ -3997,15 +4074,19 @@
               <a:defRPr/>
             </a:lvl9pPr>
           </a:lstStyle>
-          <a:p/>
+          <a:p>
+            <a:endParaRPr/>
+          </a:p>
         </p:txBody>
       </p:sp>
       <p:sp>
         <p:nvSpPr>
           <p:cNvPr id="68" name="Google Shape;68;p15"/>
-          <p:cNvSpPr txBox="1"/>
+          <p:cNvSpPr txBox="1">
+            <a:spLocks noGrp="1"/>
+          </p:cNvSpPr>
           <p:nvPr>
-            <p:ph idx="10" type="dt"/>
+            <p:ph type="dt" idx="10"/>
           </p:nvPr>
         </p:nvSpPr>
         <p:spPr>
@@ -4022,11 +4103,11 @@
           </a:ln>
         </p:spPr>
         <p:txBody>
-          <a:bodyPr anchorCtr="0" anchor="ctr" bIns="0" lIns="0" spcFirstLastPara="1" rIns="0" wrap="square" tIns="0">
+          <a:bodyPr spcFirstLastPara="1" wrap="square" lIns="0" tIns="0" rIns="0" bIns="0" anchor="ctr" anchorCtr="0">
             <a:spAutoFit/>
           </a:bodyPr>
           <a:lstStyle>
-            <a:lvl1pPr lvl="0" rtl="0" algn="r">
+            <a:lvl1pPr lvl="0" algn="r" rtl="0">
               <a:spcBef>
                 <a:spcPts val="0"/>
               </a:spcBef>
@@ -4037,7 +4118,7 @@
               <a:buNone/>
               <a:defRPr/>
             </a:lvl1pPr>
-            <a:lvl2pPr lvl="1" rtl="0" algn="l">
+            <a:lvl2pPr lvl="1" algn="l" rtl="0">
               <a:spcBef>
                 <a:spcPts val="0"/>
               </a:spcBef>
@@ -4048,7 +4129,7 @@
               <a:buNone/>
               <a:defRPr/>
             </a:lvl2pPr>
-            <a:lvl3pPr lvl="2" rtl="0" algn="l">
+            <a:lvl3pPr lvl="2" algn="l" rtl="0">
               <a:spcBef>
                 <a:spcPts val="0"/>
               </a:spcBef>
@@ -4059,7 +4140,7 @@
               <a:buNone/>
               <a:defRPr/>
             </a:lvl3pPr>
-            <a:lvl4pPr lvl="3" rtl="0" algn="l">
+            <a:lvl4pPr lvl="3" algn="l" rtl="0">
               <a:spcBef>
                 <a:spcPts val="0"/>
               </a:spcBef>
@@ -4070,7 +4151,7 @@
               <a:buNone/>
               <a:defRPr/>
             </a:lvl4pPr>
-            <a:lvl5pPr lvl="4" rtl="0" algn="l">
+            <a:lvl5pPr lvl="4" algn="l" rtl="0">
               <a:spcBef>
                 <a:spcPts val="0"/>
               </a:spcBef>
@@ -4081,7 +4162,7 @@
               <a:buNone/>
               <a:defRPr/>
             </a:lvl5pPr>
-            <a:lvl6pPr lvl="5" rtl="0" algn="l">
+            <a:lvl6pPr lvl="5" algn="l" rtl="0">
               <a:spcBef>
                 <a:spcPts val="0"/>
               </a:spcBef>
@@ -4092,7 +4173,7 @@
               <a:buNone/>
               <a:defRPr/>
             </a:lvl6pPr>
-            <a:lvl7pPr lvl="6" rtl="0" algn="l">
+            <a:lvl7pPr lvl="6" algn="l" rtl="0">
               <a:spcBef>
                 <a:spcPts val="0"/>
               </a:spcBef>
@@ -4103,7 +4184,7 @@
               <a:buNone/>
               <a:defRPr/>
             </a:lvl7pPr>
-            <a:lvl8pPr lvl="7" rtl="0" algn="l">
+            <a:lvl8pPr lvl="7" algn="l" rtl="0">
               <a:spcBef>
                 <a:spcPts val="0"/>
               </a:spcBef>
@@ -4114,7 +4195,7 @@
               <a:buNone/>
               <a:defRPr/>
             </a:lvl8pPr>
-            <a:lvl9pPr lvl="8" rtl="0" algn="l">
+            <a:lvl9pPr lvl="8" algn="l" rtl="0">
               <a:spcBef>
                 <a:spcPts val="0"/>
               </a:spcBef>
@@ -4126,15 +4207,19 @@
               <a:defRPr/>
             </a:lvl9pPr>
           </a:lstStyle>
-          <a:p/>
+          <a:p>
+            <a:endParaRPr/>
+          </a:p>
         </p:txBody>
       </p:sp>
       <p:sp>
         <p:nvSpPr>
           <p:cNvPr id="69" name="Google Shape;69;p15"/>
-          <p:cNvSpPr txBox="1"/>
+          <p:cNvSpPr txBox="1">
+            <a:spLocks noGrp="1"/>
+          </p:cNvSpPr>
           <p:nvPr>
-            <p:ph idx="1" type="body"/>
+            <p:ph type="body" idx="1"/>
           </p:nvPr>
         </p:nvSpPr>
         <p:spPr>
@@ -4151,11 +4236,11 @@
           </a:ln>
         </p:spPr>
         <p:txBody>
-          <a:bodyPr anchorCtr="0" anchor="t" bIns="34275" lIns="68575" spcFirstLastPara="1" rIns="68575" wrap="square" tIns="34275">
+          <a:bodyPr spcFirstLastPara="1" wrap="square" lIns="68575" tIns="34275" rIns="68575" bIns="34275" anchor="t" anchorCtr="0">
             <a:normAutofit/>
           </a:bodyPr>
           <a:lstStyle>
-            <a:lvl1pPr indent="-228600" lvl="0" marL="457200" marR="0" rtl="0" algn="l">
+            <a:lvl1pPr marL="457200" marR="0" lvl="0" indent="-228600" algn="l" rtl="0">
               <a:lnSpc>
                 <a:spcPct val="100000"/>
               </a:lnSpc>
@@ -4171,7 +4256,7 @@
               <a:buSzPts val="1200"/>
               <a:buFont typeface="Arial"/>
               <a:buNone/>
-              <a:defRPr b="1" i="0" sz="1200" u="none" cap="none" strike="noStrike">
+              <a:defRPr sz="1200" b="1" i="0" u="none" strike="noStrike" cap="none">
                 <a:solidFill>
                   <a:srgbClr val="0B5574"/>
                 </a:solidFill>
@@ -4181,7 +4266,7 @@
                 <a:sym typeface="Arial"/>
               </a:defRPr>
             </a:lvl1pPr>
-            <a:lvl2pPr indent="-228600" lvl="1" marL="914400" marR="0" rtl="0" algn="l">
+            <a:lvl2pPr marL="914400" marR="0" lvl="1" indent="-228600" algn="l" rtl="0">
               <a:lnSpc>
                 <a:spcPct val="150000"/>
               </a:lnSpc>
@@ -4197,7 +4282,7 @@
               <a:buSzPts val="1100"/>
               <a:buFont typeface="Arial"/>
               <a:buNone/>
-              <a:defRPr b="0" i="0" sz="1100" u="none" cap="none" strike="noStrike">
+              <a:defRPr sz="1100" b="0" i="0" u="none" strike="noStrike" cap="none">
                 <a:solidFill>
                   <a:srgbClr val="0B5574"/>
                 </a:solidFill>
@@ -4207,7 +4292,7 @@
                 <a:sym typeface="Arial"/>
               </a:defRPr>
             </a:lvl2pPr>
-            <a:lvl3pPr indent="-285750" lvl="2" marL="1371600" marR="0" rtl="0" algn="l">
+            <a:lvl3pPr marL="1371600" marR="0" lvl="2" indent="-285750" algn="l" rtl="0">
               <a:lnSpc>
                 <a:spcPct val="150000"/>
               </a:lnSpc>
@@ -4223,7 +4308,7 @@
               <a:buSzPts val="900"/>
               <a:buFont typeface="Arial"/>
               <a:buChar char="•"/>
-              <a:defRPr b="0" i="0" sz="900" u="none" cap="none" strike="noStrike">
+              <a:defRPr sz="900" b="0" i="0" u="none" strike="noStrike" cap="none">
                 <a:solidFill>
                   <a:srgbClr val="0B5574"/>
                 </a:solidFill>
@@ -4233,7 +4318,7 @@
                 <a:sym typeface="Arial"/>
               </a:defRPr>
             </a:lvl3pPr>
-            <a:lvl4pPr indent="-279400" lvl="3" marL="1828800" marR="0" rtl="0" algn="l">
+            <a:lvl4pPr marL="1828800" marR="0" lvl="3" indent="-279400" algn="l" rtl="0">
               <a:lnSpc>
                 <a:spcPct val="150000"/>
               </a:lnSpc>
@@ -4249,7 +4334,7 @@
               <a:buSzPts val="800"/>
               <a:buFont typeface="Arial"/>
               <a:buChar char="•"/>
-              <a:defRPr b="0" i="0" sz="800" u="none" cap="none" strike="noStrike">
+              <a:defRPr sz="800" b="0" i="0" u="none" strike="noStrike" cap="none">
                 <a:solidFill>
                   <a:srgbClr val="0B5574"/>
                 </a:solidFill>
@@ -4259,7 +4344,7 @@
                 <a:sym typeface="Arial"/>
               </a:defRPr>
             </a:lvl4pPr>
-            <a:lvl5pPr indent="-279400" lvl="4" marL="2286000" marR="0" rtl="0" algn="l">
+            <a:lvl5pPr marL="2286000" marR="0" lvl="4" indent="-279400" algn="l" rtl="0">
               <a:lnSpc>
                 <a:spcPct val="150000"/>
               </a:lnSpc>
@@ -4275,7 +4360,7 @@
               <a:buSzPts val="800"/>
               <a:buFont typeface="Arial"/>
               <a:buChar char="•"/>
-              <a:defRPr b="0" i="0" sz="800" u="none" cap="none" strike="noStrike">
+              <a:defRPr sz="800" b="0" i="0" u="none" strike="noStrike" cap="none">
                 <a:solidFill>
                   <a:srgbClr val="0B5574"/>
                 </a:solidFill>
@@ -4285,7 +4370,7 @@
                 <a:sym typeface="Arial"/>
               </a:defRPr>
             </a:lvl5pPr>
-            <a:lvl6pPr indent="-317500" lvl="5" marL="2743200" marR="0" rtl="0" algn="l">
+            <a:lvl6pPr marL="2743200" marR="0" lvl="5" indent="-317500" algn="l" rtl="0">
               <a:lnSpc>
                 <a:spcPct val="90000"/>
               </a:lnSpc>
@@ -4301,7 +4386,7 @@
               <a:buSzPts val="1400"/>
               <a:buFont typeface="Arial"/>
               <a:buChar char="•"/>
-              <a:defRPr b="0" i="0" sz="1400" u="none" cap="none" strike="noStrike">
+              <a:defRPr sz="1400" b="0" i="0" u="none" strike="noStrike" cap="none">
                 <a:solidFill>
                   <a:schemeClr val="dk1"/>
                 </a:solidFill>
@@ -4311,7 +4396,7 @@
                 <a:sym typeface="Calibri"/>
               </a:defRPr>
             </a:lvl6pPr>
-            <a:lvl7pPr indent="-317500" lvl="6" marL="3200400" marR="0" rtl="0" algn="l">
+            <a:lvl7pPr marL="3200400" marR="0" lvl="6" indent="-317500" algn="l" rtl="0">
               <a:lnSpc>
                 <a:spcPct val="90000"/>
               </a:lnSpc>
@@ -4327,7 +4412,7 @@
               <a:buSzPts val="1400"/>
               <a:buFont typeface="Arial"/>
               <a:buChar char="•"/>
-              <a:defRPr b="0" i="0" sz="1400" u="none" cap="none" strike="noStrike">
+              <a:defRPr sz="1400" b="0" i="0" u="none" strike="noStrike" cap="none">
                 <a:solidFill>
                   <a:schemeClr val="dk1"/>
                 </a:solidFill>
@@ -4337,7 +4422,7 @@
                 <a:sym typeface="Calibri"/>
               </a:defRPr>
             </a:lvl7pPr>
-            <a:lvl8pPr indent="-317500" lvl="7" marL="3657600" marR="0" rtl="0" algn="l">
+            <a:lvl8pPr marL="3657600" marR="0" lvl="7" indent="-317500" algn="l" rtl="0">
               <a:lnSpc>
                 <a:spcPct val="90000"/>
               </a:lnSpc>
@@ -4353,7 +4438,7 @@
               <a:buSzPts val="1400"/>
               <a:buFont typeface="Arial"/>
               <a:buChar char="•"/>
-              <a:defRPr b="0" i="0" sz="1400" u="none" cap="none" strike="noStrike">
+              <a:defRPr sz="1400" b="0" i="0" u="none" strike="noStrike" cap="none">
                 <a:solidFill>
                   <a:schemeClr val="dk1"/>
                 </a:solidFill>
@@ -4363,7 +4448,7 @@
                 <a:sym typeface="Calibri"/>
               </a:defRPr>
             </a:lvl8pPr>
-            <a:lvl9pPr indent="-317500" lvl="8" marL="4114800" marR="0" rtl="0" algn="l">
+            <a:lvl9pPr marL="4114800" marR="0" lvl="8" indent="-317500" algn="l" rtl="0">
               <a:lnSpc>
                 <a:spcPct val="90000"/>
               </a:lnSpc>
@@ -4379,7 +4464,7 @@
               <a:buSzPts val="1400"/>
               <a:buFont typeface="Arial"/>
               <a:buChar char="•"/>
-              <a:defRPr b="0" i="0" sz="1400" u="none" cap="none" strike="noStrike">
+              <a:defRPr sz="1400" b="0" i="0" u="none" strike="noStrike" cap="none">
                 <a:solidFill>
                   <a:schemeClr val="dk1"/>
                 </a:solidFill>
@@ -4390,7 +4475,9 @@
               </a:defRPr>
             </a:lvl9pPr>
           </a:lstStyle>
-          <a:p/>
+          <a:p>
+            <a:endParaRPr/>
+          </a:p>
         </p:txBody>
       </p:sp>
     </p:spTree>
@@ -4402,18 +4489,19 @@
 </file>
 
 <file path=ppt/slideLayouts/slideLayout2.xml><?xml version="1.0" encoding="utf-8"?>
-<p:sldLayout xmlns:a="http://schemas.openxmlformats.org/drawingml/2006/main" xmlns:r="http://schemas.openxmlformats.org/officeDocument/2006/relationships" xmlns:mc="http://schemas.openxmlformats.org/markup-compatibility/2006" xmlns:mv="urn:schemas-microsoft-com:mac:vml" xmlns:p="http://schemas.openxmlformats.org/presentationml/2006/main" xmlns:c="http://schemas.openxmlformats.org/drawingml/2006/chart" xmlns:dgm="http://schemas.openxmlformats.org/drawingml/2006/diagram" xmlns:o="urn:schemas-microsoft-com:office:office" xmlns:v="urn:schemas-microsoft-com:vml" xmlns:pvml="urn:schemas-microsoft-com:office:powerpoint" xmlns:com="http://schemas.openxmlformats.org/drawingml/2006/compatibility" xmlns:p14="http://schemas.microsoft.com/office/powerpoint/2010/main" xmlns:p15="http://schemas.microsoft.com/office/powerpoint/2012/main" xmlns:ahyp="http://schemas.microsoft.com/office/drawing/2018/hyperlinkcolor" matchingName="Section header" type="secHead">
+<p:sldLayout xmlns:a="http://schemas.openxmlformats.org/drawingml/2006/main" xmlns:r="http://schemas.openxmlformats.org/officeDocument/2006/relationships" xmlns:p="http://schemas.openxmlformats.org/presentationml/2006/main" matchingName="Section header" type="secHead">
   <p:cSld name="SECTION_HEADER">
     <p:bg>
       <p:bgPr>
         <a:solidFill>
           <a:schemeClr val="dk1"/>
         </a:solidFill>
+        <a:effectLst/>
       </p:bgPr>
     </p:bg>
     <p:spTree>
       <p:nvGrpSpPr>
-        <p:cNvPr id="14" name="Shape 14"/>
+        <p:cNvPr id="1" name="Shape 14"/>
         <p:cNvGrpSpPr/>
         <p:nvPr/>
       </p:nvGrpSpPr>
@@ -4428,7 +4516,9 @@
       <p:sp>
         <p:nvSpPr>
           <p:cNvPr id="15" name="Google Shape;15;p3"/>
-          <p:cNvSpPr txBox="1"/>
+          <p:cNvSpPr txBox="1">
+            <a:spLocks noGrp="1"/>
+          </p:cNvSpPr>
           <p:nvPr>
             <p:ph type="title"/>
           </p:nvPr>
@@ -4446,7 +4536,7 @@
           </a:solidFill>
         </p:spPr>
         <p:txBody>
-          <a:bodyPr anchorCtr="0" anchor="ctr" bIns="91425" lIns="91425" spcFirstLastPara="1" rIns="91425" wrap="square" tIns="91425">
+          <a:bodyPr spcFirstLastPara="1" wrap="square" lIns="91425" tIns="91425" rIns="91425" bIns="91425" anchor="ctr" anchorCtr="0">
             <a:normAutofit/>
           </a:bodyPr>
           <a:lstStyle>
@@ -4550,15 +4640,19 @@
               <a:defRPr sz="4800"/>
             </a:lvl9pPr>
           </a:lstStyle>
-          <a:p/>
+          <a:p>
+            <a:endParaRPr/>
+          </a:p>
         </p:txBody>
       </p:sp>
       <p:sp>
         <p:nvSpPr>
           <p:cNvPr id="16" name="Google Shape;16;p3"/>
-          <p:cNvSpPr txBox="1"/>
+          <p:cNvSpPr txBox="1">
+            <a:spLocks noGrp="1"/>
+          </p:cNvSpPr>
           <p:nvPr>
-            <p:ph idx="12" type="sldNum"/>
+            <p:ph type="sldNum" idx="12"/>
           </p:nvPr>
         </p:nvSpPr>
         <p:spPr>
@@ -4571,7 +4665,7 @@
           </a:prstGeom>
         </p:spPr>
         <p:txBody>
-          <a:bodyPr anchorCtr="0" anchor="ctr" bIns="91425" lIns="91425" spcFirstLastPara="1" rIns="91425" wrap="square" tIns="91425">
+          <a:bodyPr spcFirstLastPara="1" wrap="square" lIns="91425" tIns="91425" rIns="91425" bIns="91425" anchor="ctr" anchorCtr="0">
             <a:normAutofit/>
           </a:bodyPr>
           <a:lstStyle>
@@ -4613,7 +4707,7 @@
             </a:lvl9pPr>
           </a:lstStyle>
           <a:p>
-            <a:pPr indent="0" lvl="0" marL="0" rtl="0" algn="r">
+            <a:pPr marL="0" lvl="0" indent="0" algn="r" rtl="0">
               <a:spcBef>
                 <a:spcPts val="0"/>
               </a:spcBef>
@@ -4639,11 +4733,11 @@
 </file>
 
 <file path=ppt/slideLayouts/slideLayout3.xml><?xml version="1.0" encoding="utf-8"?>
-<p:sldLayout xmlns:a="http://schemas.openxmlformats.org/drawingml/2006/main" xmlns:r="http://schemas.openxmlformats.org/officeDocument/2006/relationships" xmlns:mc="http://schemas.openxmlformats.org/markup-compatibility/2006" xmlns:mv="urn:schemas-microsoft-com:mac:vml" xmlns:p="http://schemas.openxmlformats.org/presentationml/2006/main" xmlns:c="http://schemas.openxmlformats.org/drawingml/2006/chart" xmlns:dgm="http://schemas.openxmlformats.org/drawingml/2006/diagram" xmlns:o="urn:schemas-microsoft-com:office:office" xmlns:v="urn:schemas-microsoft-com:vml" xmlns:pvml="urn:schemas-microsoft-com:office:powerpoint" xmlns:com="http://schemas.openxmlformats.org/drawingml/2006/compatibility" xmlns:p14="http://schemas.microsoft.com/office/powerpoint/2010/main" xmlns:p15="http://schemas.microsoft.com/office/powerpoint/2012/main" xmlns:ahyp="http://schemas.microsoft.com/office/drawing/2018/hyperlinkcolor" matchingName="Title and body" type="tx">
+<p:sldLayout xmlns:a="http://schemas.openxmlformats.org/drawingml/2006/main" xmlns:r="http://schemas.openxmlformats.org/officeDocument/2006/relationships" xmlns:p="http://schemas.openxmlformats.org/presentationml/2006/main" matchingName="Title and body" type="tx">
   <p:cSld name="TITLE_AND_BODY">
     <p:spTree>
       <p:nvGrpSpPr>
-        <p:cNvPr id="17" name="Shape 17"/>
+        <p:cNvPr id="1" name="Shape 17"/>
         <p:cNvGrpSpPr/>
         <p:nvPr/>
       </p:nvGrpSpPr>
@@ -4658,7 +4752,9 @@
       <p:sp>
         <p:nvSpPr>
           <p:cNvPr id="18" name="Google Shape;18;p4"/>
-          <p:cNvSpPr txBox="1"/>
+          <p:cNvSpPr txBox="1">
+            <a:spLocks noGrp="1"/>
+          </p:cNvSpPr>
           <p:nvPr>
             <p:ph type="title"/>
           </p:nvPr>
@@ -4673,7 +4769,7 @@
           </a:prstGeom>
         </p:spPr>
         <p:txBody>
-          <a:bodyPr anchorCtr="0" anchor="t" bIns="91425" lIns="91425" spcFirstLastPara="1" rIns="91425" wrap="square" tIns="91425">
+          <a:bodyPr spcFirstLastPara="1" wrap="square" lIns="91425" tIns="91425" rIns="91425" bIns="91425" anchor="t" anchorCtr="0">
             <a:normAutofit/>
           </a:bodyPr>
           <a:lstStyle>
@@ -4777,15 +4873,19 @@
               <a:defRPr/>
             </a:lvl9pPr>
           </a:lstStyle>
-          <a:p/>
+          <a:p>
+            <a:endParaRPr/>
+          </a:p>
         </p:txBody>
       </p:sp>
       <p:sp>
         <p:nvSpPr>
           <p:cNvPr id="19" name="Google Shape;19;p4"/>
-          <p:cNvSpPr txBox="1"/>
+          <p:cNvSpPr txBox="1">
+            <a:spLocks noGrp="1"/>
+          </p:cNvSpPr>
           <p:nvPr>
-            <p:ph idx="1" type="body"/>
+            <p:ph type="body" idx="1"/>
           </p:nvPr>
         </p:nvSpPr>
         <p:spPr>
@@ -4798,11 +4898,11 @@
           </a:prstGeom>
         </p:spPr>
         <p:txBody>
-          <a:bodyPr anchorCtr="0" anchor="t" bIns="91425" lIns="91425" spcFirstLastPara="1" rIns="91425" wrap="square" tIns="91425">
+          <a:bodyPr spcFirstLastPara="1" wrap="square" lIns="91425" tIns="91425" rIns="91425" bIns="91425" anchor="t" anchorCtr="0">
             <a:normAutofit/>
           </a:bodyPr>
           <a:lstStyle>
-            <a:lvl1pPr indent="-342900" lvl="0" marL="457200">
+            <a:lvl1pPr marL="457200" lvl="0" indent="-342900">
               <a:spcBef>
                 <a:spcPts val="0"/>
               </a:spcBef>
@@ -4813,7 +4913,7 @@
               <a:buChar char="●"/>
               <a:defRPr/>
             </a:lvl1pPr>
-            <a:lvl2pPr indent="-317500" lvl="1" marL="914400">
+            <a:lvl2pPr marL="914400" lvl="1" indent="-317500">
               <a:spcBef>
                 <a:spcPts val="0"/>
               </a:spcBef>
@@ -4824,7 +4924,7 @@
               <a:buChar char="○"/>
               <a:defRPr/>
             </a:lvl2pPr>
-            <a:lvl3pPr indent="-317500" lvl="2" marL="1371600">
+            <a:lvl3pPr marL="1371600" lvl="2" indent="-317500">
               <a:spcBef>
                 <a:spcPts val="0"/>
               </a:spcBef>
@@ -4835,7 +4935,7 @@
               <a:buChar char="■"/>
               <a:defRPr/>
             </a:lvl3pPr>
-            <a:lvl4pPr indent="-317500" lvl="3" marL="1828800">
+            <a:lvl4pPr marL="1828800" lvl="3" indent="-317500">
               <a:spcBef>
                 <a:spcPts val="0"/>
               </a:spcBef>
@@ -4846,7 +4946,7 @@
               <a:buChar char="●"/>
               <a:defRPr/>
             </a:lvl4pPr>
-            <a:lvl5pPr indent="-317500" lvl="4" marL="2286000">
+            <a:lvl5pPr marL="2286000" lvl="4" indent="-317500">
               <a:spcBef>
                 <a:spcPts val="0"/>
               </a:spcBef>
@@ -4857,7 +4957,7 @@
               <a:buChar char="○"/>
               <a:defRPr/>
             </a:lvl5pPr>
-            <a:lvl6pPr indent="-317500" lvl="5" marL="2743200">
+            <a:lvl6pPr marL="2743200" lvl="5" indent="-317500">
               <a:spcBef>
                 <a:spcPts val="0"/>
               </a:spcBef>
@@ -4868,7 +4968,7 @@
               <a:buChar char="■"/>
               <a:defRPr/>
             </a:lvl6pPr>
-            <a:lvl7pPr indent="-317500" lvl="6" marL="3200400">
+            <a:lvl7pPr marL="3200400" lvl="6" indent="-317500">
               <a:spcBef>
                 <a:spcPts val="0"/>
               </a:spcBef>
@@ -4879,7 +4979,7 @@
               <a:buChar char="●"/>
               <a:defRPr/>
             </a:lvl7pPr>
-            <a:lvl8pPr indent="-317500" lvl="7" marL="3657600">
+            <a:lvl8pPr marL="3657600" lvl="7" indent="-317500">
               <a:spcBef>
                 <a:spcPts val="0"/>
               </a:spcBef>
@@ -4890,7 +4990,7 @@
               <a:buChar char="○"/>
               <a:defRPr/>
             </a:lvl8pPr>
-            <a:lvl9pPr indent="-317500" lvl="8" marL="4114800">
+            <a:lvl9pPr marL="4114800" lvl="8" indent="-317500">
               <a:spcBef>
                 <a:spcPts val="0"/>
               </a:spcBef>
@@ -4902,15 +5002,19 @@
               <a:defRPr/>
             </a:lvl9pPr>
           </a:lstStyle>
-          <a:p/>
+          <a:p>
+            <a:endParaRPr/>
+          </a:p>
         </p:txBody>
       </p:sp>
       <p:sp>
         <p:nvSpPr>
           <p:cNvPr id="20" name="Google Shape;20;p4"/>
-          <p:cNvSpPr txBox="1"/>
+          <p:cNvSpPr txBox="1">
+            <a:spLocks noGrp="1"/>
+          </p:cNvSpPr>
           <p:nvPr>
-            <p:ph idx="12" type="sldNum"/>
+            <p:ph type="sldNum" idx="12"/>
           </p:nvPr>
         </p:nvSpPr>
         <p:spPr>
@@ -4923,7 +5027,7 @@
           </a:prstGeom>
         </p:spPr>
         <p:txBody>
-          <a:bodyPr anchorCtr="0" anchor="ctr" bIns="91425" lIns="91425" spcFirstLastPara="1" rIns="91425" wrap="square" tIns="91425">
+          <a:bodyPr spcFirstLastPara="1" wrap="square" lIns="91425" tIns="91425" rIns="91425" bIns="91425" anchor="ctr" anchorCtr="0">
             <a:normAutofit/>
           </a:bodyPr>
           <a:lstStyle>
@@ -4965,7 +5069,7 @@
             </a:lvl9pPr>
           </a:lstStyle>
           <a:p>
-            <a:pPr indent="0" lvl="0" marL="0" rtl="0" algn="r">
+            <a:pPr marL="0" lvl="0" indent="0" algn="r" rtl="0">
               <a:spcBef>
                 <a:spcPts val="0"/>
               </a:spcBef>
@@ -4991,11 +5095,11 @@
 </file>
 
 <file path=ppt/slideLayouts/slideLayout4.xml><?xml version="1.0" encoding="utf-8"?>
-<p:sldLayout xmlns:a="http://schemas.openxmlformats.org/drawingml/2006/main" xmlns:r="http://schemas.openxmlformats.org/officeDocument/2006/relationships" xmlns:mc="http://schemas.openxmlformats.org/markup-compatibility/2006" xmlns:mv="urn:schemas-microsoft-com:mac:vml" xmlns:p="http://schemas.openxmlformats.org/presentationml/2006/main" xmlns:c="http://schemas.openxmlformats.org/drawingml/2006/chart" xmlns:dgm="http://schemas.openxmlformats.org/drawingml/2006/diagram" xmlns:o="urn:schemas-microsoft-com:office:office" xmlns:v="urn:schemas-microsoft-com:vml" xmlns:pvml="urn:schemas-microsoft-com:office:powerpoint" xmlns:com="http://schemas.openxmlformats.org/drawingml/2006/compatibility" xmlns:p14="http://schemas.microsoft.com/office/powerpoint/2010/main" xmlns:p15="http://schemas.microsoft.com/office/powerpoint/2012/main" xmlns:ahyp="http://schemas.microsoft.com/office/drawing/2018/hyperlinkcolor" matchingName="Title and two columns" type="twoColTx">
+<p:sldLayout xmlns:a="http://schemas.openxmlformats.org/drawingml/2006/main" xmlns:r="http://schemas.openxmlformats.org/officeDocument/2006/relationships" xmlns:p="http://schemas.openxmlformats.org/presentationml/2006/main" matchingName="Title and two columns" type="twoColTx">
   <p:cSld name="TITLE_AND_TWO_COLUMNS">
     <p:spTree>
       <p:nvGrpSpPr>
-        <p:cNvPr id="21" name="Shape 21"/>
+        <p:cNvPr id="1" name="Shape 21"/>
         <p:cNvGrpSpPr/>
         <p:nvPr/>
       </p:nvGrpSpPr>
@@ -5010,7 +5114,9 @@
       <p:sp>
         <p:nvSpPr>
           <p:cNvPr id="22" name="Google Shape;22;p5"/>
-          <p:cNvSpPr txBox="1"/>
+          <p:cNvSpPr txBox="1">
+            <a:spLocks noGrp="1"/>
+          </p:cNvSpPr>
           <p:nvPr>
             <p:ph type="title"/>
           </p:nvPr>
@@ -5025,7 +5131,7 @@
           </a:prstGeom>
         </p:spPr>
         <p:txBody>
-          <a:bodyPr anchorCtr="0" anchor="t" bIns="91425" lIns="91425" spcFirstLastPara="1" rIns="91425" wrap="square" tIns="91425">
+          <a:bodyPr spcFirstLastPara="1" wrap="square" lIns="91425" tIns="91425" rIns="91425" bIns="91425" anchor="t" anchorCtr="0">
             <a:normAutofit/>
           </a:bodyPr>
           <a:lstStyle>
@@ -5129,15 +5235,19 @@
               <a:defRPr/>
             </a:lvl9pPr>
           </a:lstStyle>
-          <a:p/>
+          <a:p>
+            <a:endParaRPr/>
+          </a:p>
         </p:txBody>
       </p:sp>
       <p:sp>
         <p:nvSpPr>
           <p:cNvPr id="23" name="Google Shape;23;p5"/>
-          <p:cNvSpPr txBox="1"/>
+          <p:cNvSpPr txBox="1">
+            <a:spLocks noGrp="1"/>
+          </p:cNvSpPr>
           <p:nvPr>
-            <p:ph idx="1" type="body"/>
+            <p:ph type="body" idx="1"/>
           </p:nvPr>
         </p:nvSpPr>
         <p:spPr>
@@ -5150,11 +5260,11 @@
           </a:prstGeom>
         </p:spPr>
         <p:txBody>
-          <a:bodyPr anchorCtr="0" anchor="t" bIns="91425" lIns="91425" spcFirstLastPara="1" rIns="91425" wrap="square" tIns="91425">
+          <a:bodyPr spcFirstLastPara="1" wrap="square" lIns="91425" tIns="91425" rIns="91425" bIns="91425" anchor="t" anchorCtr="0">
             <a:normAutofit/>
           </a:bodyPr>
           <a:lstStyle>
-            <a:lvl1pPr indent="-317500" lvl="0" marL="457200">
+            <a:lvl1pPr marL="457200" lvl="0" indent="-317500">
               <a:spcBef>
                 <a:spcPts val="0"/>
               </a:spcBef>
@@ -5165,7 +5275,7 @@
               <a:buChar char="●"/>
               <a:defRPr sz="1400"/>
             </a:lvl1pPr>
-            <a:lvl2pPr indent="-304800" lvl="1" marL="914400">
+            <a:lvl2pPr marL="914400" lvl="1" indent="-304800">
               <a:spcBef>
                 <a:spcPts val="0"/>
               </a:spcBef>
@@ -5176,7 +5286,7 @@
               <a:buChar char="○"/>
               <a:defRPr sz="1200"/>
             </a:lvl2pPr>
-            <a:lvl3pPr indent="-304800" lvl="2" marL="1371600">
+            <a:lvl3pPr marL="1371600" lvl="2" indent="-304800">
               <a:spcBef>
                 <a:spcPts val="0"/>
               </a:spcBef>
@@ -5187,7 +5297,7 @@
               <a:buChar char="■"/>
               <a:defRPr sz="1200"/>
             </a:lvl3pPr>
-            <a:lvl4pPr indent="-304800" lvl="3" marL="1828800">
+            <a:lvl4pPr marL="1828800" lvl="3" indent="-304800">
               <a:spcBef>
                 <a:spcPts val="0"/>
               </a:spcBef>
@@ -5198,7 +5308,7 @@
               <a:buChar char="●"/>
               <a:defRPr sz="1200"/>
             </a:lvl4pPr>
-            <a:lvl5pPr indent="-304800" lvl="4" marL="2286000">
+            <a:lvl5pPr marL="2286000" lvl="4" indent="-304800">
               <a:spcBef>
                 <a:spcPts val="0"/>
               </a:spcBef>
@@ -5209,7 +5319,7 @@
               <a:buChar char="○"/>
               <a:defRPr sz="1200"/>
             </a:lvl5pPr>
-            <a:lvl6pPr indent="-304800" lvl="5" marL="2743200">
+            <a:lvl6pPr marL="2743200" lvl="5" indent="-304800">
               <a:spcBef>
                 <a:spcPts val="0"/>
               </a:spcBef>
@@ -5220,7 +5330,7 @@
               <a:buChar char="■"/>
               <a:defRPr sz="1200"/>
             </a:lvl6pPr>
-            <a:lvl7pPr indent="-304800" lvl="6" marL="3200400">
+            <a:lvl7pPr marL="3200400" lvl="6" indent="-304800">
               <a:spcBef>
                 <a:spcPts val="0"/>
               </a:spcBef>
@@ -5231,7 +5341,7 @@
               <a:buChar char="●"/>
               <a:defRPr sz="1200"/>
             </a:lvl7pPr>
-            <a:lvl8pPr indent="-304800" lvl="7" marL="3657600">
+            <a:lvl8pPr marL="3657600" lvl="7" indent="-304800">
               <a:spcBef>
                 <a:spcPts val="0"/>
               </a:spcBef>
@@ -5242,7 +5352,7 @@
               <a:buChar char="○"/>
               <a:defRPr sz="1200"/>
             </a:lvl8pPr>
-            <a:lvl9pPr indent="-304800" lvl="8" marL="4114800">
+            <a:lvl9pPr marL="4114800" lvl="8" indent="-304800">
               <a:spcBef>
                 <a:spcPts val="0"/>
               </a:spcBef>
@@ -5254,15 +5364,19 @@
               <a:defRPr sz="1200"/>
             </a:lvl9pPr>
           </a:lstStyle>
-          <a:p/>
+          <a:p>
+            <a:endParaRPr/>
+          </a:p>
         </p:txBody>
       </p:sp>
       <p:sp>
         <p:nvSpPr>
           <p:cNvPr id="24" name="Google Shape;24;p5"/>
-          <p:cNvSpPr txBox="1"/>
+          <p:cNvSpPr txBox="1">
+            <a:spLocks noGrp="1"/>
+          </p:cNvSpPr>
           <p:nvPr>
-            <p:ph idx="2" type="body"/>
+            <p:ph type="body" idx="2"/>
           </p:nvPr>
         </p:nvSpPr>
         <p:spPr>
@@ -5275,11 +5389,11 @@
           </a:prstGeom>
         </p:spPr>
         <p:txBody>
-          <a:bodyPr anchorCtr="0" anchor="t" bIns="91425" lIns="91425" spcFirstLastPara="1" rIns="91425" wrap="square" tIns="91425">
+          <a:bodyPr spcFirstLastPara="1" wrap="square" lIns="91425" tIns="91425" rIns="91425" bIns="91425" anchor="t" anchorCtr="0">
             <a:normAutofit/>
           </a:bodyPr>
           <a:lstStyle>
-            <a:lvl1pPr indent="-317500" lvl="0" marL="457200">
+            <a:lvl1pPr marL="457200" lvl="0" indent="-317500">
               <a:spcBef>
                 <a:spcPts val="0"/>
               </a:spcBef>
@@ -5290,7 +5404,7 @@
               <a:buChar char="●"/>
               <a:defRPr sz="1400"/>
             </a:lvl1pPr>
-            <a:lvl2pPr indent="-304800" lvl="1" marL="914400">
+            <a:lvl2pPr marL="914400" lvl="1" indent="-304800">
               <a:spcBef>
                 <a:spcPts val="0"/>
               </a:spcBef>
@@ -5301,7 +5415,7 @@
               <a:buChar char="○"/>
               <a:defRPr sz="1200"/>
             </a:lvl2pPr>
-            <a:lvl3pPr indent="-304800" lvl="2" marL="1371600">
+            <a:lvl3pPr marL="1371600" lvl="2" indent="-304800">
               <a:spcBef>
                 <a:spcPts val="0"/>
               </a:spcBef>
@@ -5312,7 +5426,7 @@
               <a:buChar char="■"/>
               <a:defRPr sz="1200"/>
             </a:lvl3pPr>
-            <a:lvl4pPr indent="-304800" lvl="3" marL="1828800">
+            <a:lvl4pPr marL="1828800" lvl="3" indent="-304800">
               <a:spcBef>
                 <a:spcPts val="0"/>
               </a:spcBef>
@@ -5323,7 +5437,7 @@
               <a:buChar char="●"/>
               <a:defRPr sz="1200"/>
             </a:lvl4pPr>
-            <a:lvl5pPr indent="-304800" lvl="4" marL="2286000">
+            <a:lvl5pPr marL="2286000" lvl="4" indent="-304800">
               <a:spcBef>
                 <a:spcPts val="0"/>
               </a:spcBef>
@@ -5334,7 +5448,7 @@
               <a:buChar char="○"/>
               <a:defRPr sz="1200"/>
             </a:lvl5pPr>
-            <a:lvl6pPr indent="-304800" lvl="5" marL="2743200">
+            <a:lvl6pPr marL="2743200" lvl="5" indent="-304800">
               <a:spcBef>
                 <a:spcPts val="0"/>
               </a:spcBef>
@@ -5345,7 +5459,7 @@
               <a:buChar char="■"/>
               <a:defRPr sz="1200"/>
             </a:lvl6pPr>
-            <a:lvl7pPr indent="-304800" lvl="6" marL="3200400">
+            <a:lvl7pPr marL="3200400" lvl="6" indent="-304800">
               <a:spcBef>
                 <a:spcPts val="0"/>
               </a:spcBef>
@@ -5356,7 +5470,7 @@
               <a:buChar char="●"/>
               <a:defRPr sz="1200"/>
             </a:lvl7pPr>
-            <a:lvl8pPr indent="-304800" lvl="7" marL="3657600">
+            <a:lvl8pPr marL="3657600" lvl="7" indent="-304800">
               <a:spcBef>
                 <a:spcPts val="0"/>
               </a:spcBef>
@@ -5367,7 +5481,7 @@
               <a:buChar char="○"/>
               <a:defRPr sz="1200"/>
             </a:lvl8pPr>
-            <a:lvl9pPr indent="-304800" lvl="8" marL="4114800">
+            <a:lvl9pPr marL="4114800" lvl="8" indent="-304800">
               <a:spcBef>
                 <a:spcPts val="0"/>
               </a:spcBef>
@@ -5379,15 +5493,19 @@
               <a:defRPr sz="1200"/>
             </a:lvl9pPr>
           </a:lstStyle>
-          <a:p/>
+          <a:p>
+            <a:endParaRPr/>
+          </a:p>
         </p:txBody>
       </p:sp>
       <p:sp>
         <p:nvSpPr>
           <p:cNvPr id="25" name="Google Shape;25;p5"/>
-          <p:cNvSpPr txBox="1"/>
+          <p:cNvSpPr txBox="1">
+            <a:spLocks noGrp="1"/>
+          </p:cNvSpPr>
           <p:nvPr>
-            <p:ph idx="12" type="sldNum"/>
+            <p:ph type="sldNum" idx="12"/>
           </p:nvPr>
         </p:nvSpPr>
         <p:spPr>
@@ -5400,7 +5518,7 @@
           </a:prstGeom>
         </p:spPr>
         <p:txBody>
-          <a:bodyPr anchorCtr="0" anchor="ctr" bIns="91425" lIns="91425" spcFirstLastPara="1" rIns="91425" wrap="square" tIns="91425">
+          <a:bodyPr spcFirstLastPara="1" wrap="square" lIns="91425" tIns="91425" rIns="91425" bIns="91425" anchor="ctr" anchorCtr="0">
             <a:normAutofit/>
           </a:bodyPr>
           <a:lstStyle>
@@ -5442,7 +5560,7 @@
             </a:lvl9pPr>
           </a:lstStyle>
           <a:p>
-            <a:pPr indent="0" lvl="0" marL="0" rtl="0" algn="r">
+            <a:pPr marL="0" lvl="0" indent="0" algn="r" rtl="0">
               <a:spcBef>
                 <a:spcPts val="0"/>
               </a:spcBef>
@@ -5468,11 +5586,11 @@
 </file>
 
 <file path=ppt/slideLayouts/slideLayout5.xml><?xml version="1.0" encoding="utf-8"?>
-<p:sldLayout xmlns:a="http://schemas.openxmlformats.org/drawingml/2006/main" xmlns:r="http://schemas.openxmlformats.org/officeDocument/2006/relationships" xmlns:mc="http://schemas.openxmlformats.org/markup-compatibility/2006" xmlns:mv="urn:schemas-microsoft-com:mac:vml" xmlns:p="http://schemas.openxmlformats.org/presentationml/2006/main" xmlns:c="http://schemas.openxmlformats.org/drawingml/2006/chart" xmlns:dgm="http://schemas.openxmlformats.org/drawingml/2006/diagram" xmlns:o="urn:schemas-microsoft-com:office:office" xmlns:v="urn:schemas-microsoft-com:vml" xmlns:pvml="urn:schemas-microsoft-com:office:powerpoint" xmlns:com="http://schemas.openxmlformats.org/drawingml/2006/compatibility" xmlns:p14="http://schemas.microsoft.com/office/powerpoint/2010/main" xmlns:p15="http://schemas.microsoft.com/office/powerpoint/2012/main" xmlns:ahyp="http://schemas.microsoft.com/office/drawing/2018/hyperlinkcolor" matchingName="Title only" type="titleOnly">
+<p:sldLayout xmlns:a="http://schemas.openxmlformats.org/drawingml/2006/main" xmlns:r="http://schemas.openxmlformats.org/officeDocument/2006/relationships" xmlns:p="http://schemas.openxmlformats.org/presentationml/2006/main" matchingName="Title only" type="titleOnly">
   <p:cSld name="TITLE_ONLY">
     <p:spTree>
       <p:nvGrpSpPr>
-        <p:cNvPr id="26" name="Shape 26"/>
+        <p:cNvPr id="1" name="Shape 26"/>
         <p:cNvGrpSpPr/>
         <p:nvPr/>
       </p:nvGrpSpPr>
@@ -5487,7 +5605,9 @@
       <p:sp>
         <p:nvSpPr>
           <p:cNvPr id="27" name="Google Shape;27;p6"/>
-          <p:cNvSpPr txBox="1"/>
+          <p:cNvSpPr txBox="1">
+            <a:spLocks noGrp="1"/>
+          </p:cNvSpPr>
           <p:nvPr>
             <p:ph type="title"/>
           </p:nvPr>
@@ -5502,7 +5622,7 @@
           </a:prstGeom>
         </p:spPr>
         <p:txBody>
-          <a:bodyPr anchorCtr="0" anchor="t" bIns="91425" lIns="91425" spcFirstLastPara="1" rIns="91425" wrap="square" tIns="91425">
+          <a:bodyPr spcFirstLastPara="1" wrap="square" lIns="91425" tIns="91425" rIns="91425" bIns="91425" anchor="t" anchorCtr="0">
             <a:normAutofit/>
           </a:bodyPr>
           <a:lstStyle>
@@ -5606,15 +5726,19 @@
               <a:defRPr sz="4000"/>
             </a:lvl9pPr>
           </a:lstStyle>
-          <a:p/>
+          <a:p>
+            <a:endParaRPr/>
+          </a:p>
         </p:txBody>
       </p:sp>
       <p:sp>
         <p:nvSpPr>
           <p:cNvPr id="28" name="Google Shape;28;p6"/>
-          <p:cNvSpPr txBox="1"/>
+          <p:cNvSpPr txBox="1">
+            <a:spLocks noGrp="1"/>
+          </p:cNvSpPr>
           <p:nvPr>
-            <p:ph idx="12" type="sldNum"/>
+            <p:ph type="sldNum" idx="12"/>
           </p:nvPr>
         </p:nvSpPr>
         <p:spPr>
@@ -5627,7 +5751,7 @@
           </a:prstGeom>
         </p:spPr>
         <p:txBody>
-          <a:bodyPr anchorCtr="0" anchor="ctr" bIns="91425" lIns="91425" spcFirstLastPara="1" rIns="91425" wrap="square" tIns="91425">
+          <a:bodyPr spcFirstLastPara="1" wrap="square" lIns="91425" tIns="91425" rIns="91425" bIns="91425" anchor="ctr" anchorCtr="0">
             <a:normAutofit/>
           </a:bodyPr>
           <a:lstStyle>
@@ -5669,7 +5793,7 @@
             </a:lvl9pPr>
           </a:lstStyle>
           <a:p>
-            <a:pPr indent="0" lvl="0" marL="0" rtl="0" algn="r">
+            <a:pPr marL="0" lvl="0" indent="0" algn="r" rtl="0">
               <a:spcBef>
                 <a:spcPts val="0"/>
               </a:spcBef>
@@ -5695,11 +5819,11 @@
 </file>
 
 <file path=ppt/slideLayouts/slideLayout6.xml><?xml version="1.0" encoding="utf-8"?>
-<p:sldLayout xmlns:a="http://schemas.openxmlformats.org/drawingml/2006/main" xmlns:r="http://schemas.openxmlformats.org/officeDocument/2006/relationships" xmlns:mc="http://schemas.openxmlformats.org/markup-compatibility/2006" xmlns:mv="urn:schemas-microsoft-com:mac:vml" xmlns:p="http://schemas.openxmlformats.org/presentationml/2006/main" xmlns:c="http://schemas.openxmlformats.org/drawingml/2006/chart" xmlns:dgm="http://schemas.openxmlformats.org/drawingml/2006/diagram" xmlns:o="urn:schemas-microsoft-com:office:office" xmlns:v="urn:schemas-microsoft-com:vml" xmlns:pvml="urn:schemas-microsoft-com:office:powerpoint" xmlns:com="http://schemas.openxmlformats.org/drawingml/2006/compatibility" xmlns:p14="http://schemas.microsoft.com/office/powerpoint/2010/main" xmlns:p15="http://schemas.microsoft.com/office/powerpoint/2012/main" xmlns:ahyp="http://schemas.microsoft.com/office/drawing/2018/hyperlinkcolor" matchingName="One column text">
+<p:sldLayout xmlns:a="http://schemas.openxmlformats.org/drawingml/2006/main" xmlns:r="http://schemas.openxmlformats.org/officeDocument/2006/relationships" xmlns:p="http://schemas.openxmlformats.org/presentationml/2006/main" matchingName="One column text">
   <p:cSld name="ONE_COLUMN_TEXT">
     <p:spTree>
       <p:nvGrpSpPr>
-        <p:cNvPr id="29" name="Shape 29"/>
+        <p:cNvPr id="1" name="Shape 29"/>
         <p:cNvGrpSpPr/>
         <p:nvPr/>
       </p:nvGrpSpPr>
@@ -5714,7 +5838,9 @@
       <p:sp>
         <p:nvSpPr>
           <p:cNvPr id="30" name="Google Shape;30;p7"/>
-          <p:cNvSpPr txBox="1"/>
+          <p:cNvSpPr txBox="1">
+            <a:spLocks noGrp="1"/>
+          </p:cNvSpPr>
           <p:nvPr>
             <p:ph type="title"/>
           </p:nvPr>
@@ -5729,7 +5855,7 @@
           </a:prstGeom>
         </p:spPr>
         <p:txBody>
-          <a:bodyPr anchorCtr="0" anchor="b" bIns="91425" lIns="91425" spcFirstLastPara="1" rIns="91425" wrap="square" tIns="91425">
+          <a:bodyPr spcFirstLastPara="1" wrap="square" lIns="91425" tIns="91425" rIns="91425" bIns="91425" anchor="b" anchorCtr="0">
             <a:normAutofit/>
           </a:bodyPr>
           <a:lstStyle>
@@ -5869,15 +5995,19 @@
               </a:defRPr>
             </a:lvl9pPr>
           </a:lstStyle>
-          <a:p/>
+          <a:p>
+            <a:endParaRPr/>
+          </a:p>
         </p:txBody>
       </p:sp>
       <p:sp>
         <p:nvSpPr>
           <p:cNvPr id="31" name="Google Shape;31;p7"/>
-          <p:cNvSpPr txBox="1"/>
+          <p:cNvSpPr txBox="1">
+            <a:spLocks noGrp="1"/>
+          </p:cNvSpPr>
           <p:nvPr>
-            <p:ph idx="1" type="body"/>
+            <p:ph type="body" idx="1"/>
           </p:nvPr>
         </p:nvSpPr>
         <p:spPr>
@@ -5890,11 +6020,11 @@
           </a:prstGeom>
         </p:spPr>
         <p:txBody>
-          <a:bodyPr anchorCtr="0" anchor="t" bIns="91425" lIns="91425" spcFirstLastPara="1" rIns="91425" wrap="square" tIns="91425">
+          <a:bodyPr spcFirstLastPara="1" wrap="square" lIns="91425" tIns="91425" rIns="91425" bIns="91425" anchor="t" anchorCtr="0">
             <a:normAutofit/>
           </a:bodyPr>
           <a:lstStyle>
-            <a:lvl1pPr indent="-304800" lvl="0" marL="457200">
+            <a:lvl1pPr marL="457200" lvl="0" indent="-304800">
               <a:spcBef>
                 <a:spcPts val="0"/>
               </a:spcBef>
@@ -5905,7 +6035,7 @@
               <a:buChar char="●"/>
               <a:defRPr sz="1200"/>
             </a:lvl1pPr>
-            <a:lvl2pPr indent="-304800" lvl="1" marL="914400">
+            <a:lvl2pPr marL="914400" lvl="1" indent="-304800">
               <a:spcBef>
                 <a:spcPts val="0"/>
               </a:spcBef>
@@ -5916,7 +6046,7 @@
               <a:buChar char="○"/>
               <a:defRPr sz="1200"/>
             </a:lvl2pPr>
-            <a:lvl3pPr indent="-304800" lvl="2" marL="1371600">
+            <a:lvl3pPr marL="1371600" lvl="2" indent="-304800">
               <a:spcBef>
                 <a:spcPts val="0"/>
               </a:spcBef>
@@ -5927,7 +6057,7 @@
               <a:buChar char="■"/>
               <a:defRPr sz="1200"/>
             </a:lvl3pPr>
-            <a:lvl4pPr indent="-304800" lvl="3" marL="1828800">
+            <a:lvl4pPr marL="1828800" lvl="3" indent="-304800">
               <a:spcBef>
                 <a:spcPts val="0"/>
               </a:spcBef>
@@ -5938,7 +6068,7 @@
               <a:buChar char="●"/>
               <a:defRPr sz="1200"/>
             </a:lvl4pPr>
-            <a:lvl5pPr indent="-304800" lvl="4" marL="2286000">
+            <a:lvl5pPr marL="2286000" lvl="4" indent="-304800">
               <a:spcBef>
                 <a:spcPts val="0"/>
               </a:spcBef>
@@ -5949,7 +6079,7 @@
               <a:buChar char="○"/>
               <a:defRPr sz="1200"/>
             </a:lvl5pPr>
-            <a:lvl6pPr indent="-304800" lvl="5" marL="2743200">
+            <a:lvl6pPr marL="2743200" lvl="5" indent="-304800">
               <a:spcBef>
                 <a:spcPts val="0"/>
               </a:spcBef>
@@ -5960,7 +6090,7 @@
               <a:buChar char="■"/>
               <a:defRPr sz="1200"/>
             </a:lvl6pPr>
-            <a:lvl7pPr indent="-304800" lvl="6" marL="3200400">
+            <a:lvl7pPr marL="3200400" lvl="6" indent="-304800">
               <a:spcBef>
                 <a:spcPts val="0"/>
               </a:spcBef>
@@ -5971,7 +6101,7 @@
               <a:buChar char="●"/>
               <a:defRPr sz="1200"/>
             </a:lvl7pPr>
-            <a:lvl8pPr indent="-304800" lvl="7" marL="3657600">
+            <a:lvl8pPr marL="3657600" lvl="7" indent="-304800">
               <a:spcBef>
                 <a:spcPts val="0"/>
               </a:spcBef>
@@ -5982,7 +6112,7 @@
               <a:buChar char="○"/>
               <a:defRPr sz="1200"/>
             </a:lvl8pPr>
-            <a:lvl9pPr indent="-304800" lvl="8" marL="4114800">
+            <a:lvl9pPr marL="4114800" lvl="8" indent="-304800">
               <a:spcBef>
                 <a:spcPts val="0"/>
               </a:spcBef>
@@ -5994,15 +6124,19 @@
               <a:defRPr sz="1200"/>
             </a:lvl9pPr>
           </a:lstStyle>
-          <a:p/>
+          <a:p>
+            <a:endParaRPr/>
+          </a:p>
         </p:txBody>
       </p:sp>
       <p:sp>
         <p:nvSpPr>
           <p:cNvPr id="32" name="Google Shape;32;p7"/>
-          <p:cNvSpPr txBox="1"/>
+          <p:cNvSpPr txBox="1">
+            <a:spLocks noGrp="1"/>
+          </p:cNvSpPr>
           <p:nvPr>
-            <p:ph idx="12" type="sldNum"/>
+            <p:ph type="sldNum" idx="12"/>
           </p:nvPr>
         </p:nvSpPr>
         <p:spPr>
@@ -6015,7 +6149,7 @@
           </a:prstGeom>
         </p:spPr>
         <p:txBody>
-          <a:bodyPr anchorCtr="0" anchor="ctr" bIns="91425" lIns="91425" spcFirstLastPara="1" rIns="91425" wrap="square" tIns="91425">
+          <a:bodyPr spcFirstLastPara="1" wrap="square" lIns="91425" tIns="91425" rIns="91425" bIns="91425" anchor="ctr" anchorCtr="0">
             <a:normAutofit/>
           </a:bodyPr>
           <a:lstStyle>
@@ -6057,7 +6191,7 @@
             </a:lvl9pPr>
           </a:lstStyle>
           <a:p>
-            <a:pPr indent="0" lvl="0" marL="0" rtl="0" algn="r">
+            <a:pPr marL="0" lvl="0" indent="0" algn="r" rtl="0">
               <a:spcBef>
                 <a:spcPts val="0"/>
               </a:spcBef>
@@ -6083,18 +6217,19 @@
 </file>
 
 <file path=ppt/slideLayouts/slideLayout7.xml><?xml version="1.0" encoding="utf-8"?>
-<p:sldLayout xmlns:a="http://schemas.openxmlformats.org/drawingml/2006/main" xmlns:r="http://schemas.openxmlformats.org/officeDocument/2006/relationships" xmlns:mc="http://schemas.openxmlformats.org/markup-compatibility/2006" xmlns:mv="urn:schemas-microsoft-com:mac:vml" xmlns:p="http://schemas.openxmlformats.org/presentationml/2006/main" xmlns:c="http://schemas.openxmlformats.org/drawingml/2006/chart" xmlns:dgm="http://schemas.openxmlformats.org/drawingml/2006/diagram" xmlns:o="urn:schemas-microsoft-com:office:office" xmlns:v="urn:schemas-microsoft-com:vml" xmlns:pvml="urn:schemas-microsoft-com:office:powerpoint" xmlns:com="http://schemas.openxmlformats.org/drawingml/2006/compatibility" xmlns:p14="http://schemas.microsoft.com/office/powerpoint/2010/main" xmlns:p15="http://schemas.microsoft.com/office/powerpoint/2012/main" xmlns:ahyp="http://schemas.microsoft.com/office/drawing/2018/hyperlinkcolor" matchingName="Main point">
+<p:sldLayout xmlns:a="http://schemas.openxmlformats.org/drawingml/2006/main" xmlns:r="http://schemas.openxmlformats.org/officeDocument/2006/relationships" xmlns:p="http://schemas.openxmlformats.org/presentationml/2006/main" matchingName="Main point">
   <p:cSld name="MAIN_POINT">
     <p:bg>
       <p:bgPr>
         <a:solidFill>
           <a:schemeClr val="accent4"/>
         </a:solidFill>
+        <a:effectLst/>
       </p:bgPr>
     </p:bg>
     <p:spTree>
       <p:nvGrpSpPr>
-        <p:cNvPr id="33" name="Shape 33"/>
+        <p:cNvPr id="1" name="Shape 33"/>
         <p:cNvGrpSpPr/>
         <p:nvPr/>
       </p:nvGrpSpPr>
@@ -6109,7 +6244,9 @@
       <p:sp>
         <p:nvSpPr>
           <p:cNvPr id="34" name="Google Shape;34;p8"/>
-          <p:cNvSpPr txBox="1"/>
+          <p:cNvSpPr txBox="1">
+            <a:spLocks noGrp="1"/>
+          </p:cNvSpPr>
           <p:nvPr>
             <p:ph type="title"/>
           </p:nvPr>
@@ -6124,7 +6261,7 @@
           </a:prstGeom>
         </p:spPr>
         <p:txBody>
-          <a:bodyPr anchorCtr="0" anchor="ctr" bIns="91425" lIns="91425" spcFirstLastPara="1" rIns="91425" wrap="square" tIns="91425">
+          <a:bodyPr spcFirstLastPara="1" wrap="square" lIns="91425" tIns="91425" rIns="91425" bIns="91425" anchor="ctr" anchorCtr="0">
             <a:normAutofit/>
           </a:bodyPr>
           <a:lstStyle>
@@ -6291,15 +6428,19 @@
               </a:defRPr>
             </a:lvl9pPr>
           </a:lstStyle>
-          <a:p/>
+          <a:p>
+            <a:endParaRPr/>
+          </a:p>
         </p:txBody>
       </p:sp>
       <p:sp>
         <p:nvSpPr>
           <p:cNvPr id="35" name="Google Shape;35;p8"/>
-          <p:cNvSpPr txBox="1"/>
+          <p:cNvSpPr txBox="1">
+            <a:spLocks noGrp="1"/>
+          </p:cNvSpPr>
           <p:nvPr>
-            <p:ph idx="12" type="sldNum"/>
+            <p:ph type="sldNum" idx="12"/>
           </p:nvPr>
         </p:nvSpPr>
         <p:spPr>
@@ -6312,7 +6453,7 @@
           </a:prstGeom>
         </p:spPr>
         <p:txBody>
-          <a:bodyPr anchorCtr="0" anchor="ctr" bIns="91425" lIns="91425" spcFirstLastPara="1" rIns="91425" wrap="square" tIns="91425">
+          <a:bodyPr spcFirstLastPara="1" wrap="square" lIns="91425" tIns="91425" rIns="91425" bIns="91425" anchor="ctr" anchorCtr="0">
             <a:normAutofit/>
           </a:bodyPr>
           <a:lstStyle>
@@ -6390,7 +6531,7 @@
             </a:lvl9pPr>
           </a:lstStyle>
           <a:p>
-            <a:pPr indent="0" lvl="0" marL="0" rtl="0" algn="r">
+            <a:pPr marL="0" lvl="0" indent="0" algn="r" rtl="0">
               <a:spcBef>
                 <a:spcPts val="0"/>
               </a:spcBef>
@@ -6416,11 +6557,11 @@
 </file>
 
 <file path=ppt/slideLayouts/slideLayout8.xml><?xml version="1.0" encoding="utf-8"?>
-<p:sldLayout xmlns:a="http://schemas.openxmlformats.org/drawingml/2006/main" xmlns:r="http://schemas.openxmlformats.org/officeDocument/2006/relationships" xmlns:mc="http://schemas.openxmlformats.org/markup-compatibility/2006" xmlns:mv="urn:schemas-microsoft-com:mac:vml" xmlns:p="http://schemas.openxmlformats.org/presentationml/2006/main" xmlns:c="http://schemas.openxmlformats.org/drawingml/2006/chart" xmlns:dgm="http://schemas.openxmlformats.org/drawingml/2006/diagram" xmlns:o="urn:schemas-microsoft-com:office:office" xmlns:v="urn:schemas-microsoft-com:vml" xmlns:pvml="urn:schemas-microsoft-com:office:powerpoint" xmlns:com="http://schemas.openxmlformats.org/drawingml/2006/compatibility" xmlns:p14="http://schemas.microsoft.com/office/powerpoint/2010/main" xmlns:p15="http://schemas.microsoft.com/office/powerpoint/2012/main" xmlns:ahyp="http://schemas.microsoft.com/office/drawing/2018/hyperlinkcolor" matchingName="Section title and description">
+<p:sldLayout xmlns:a="http://schemas.openxmlformats.org/drawingml/2006/main" xmlns:r="http://schemas.openxmlformats.org/officeDocument/2006/relationships" xmlns:p="http://schemas.openxmlformats.org/presentationml/2006/main" matchingName="Section title and description">
   <p:cSld name="SECTION_TITLE_AND_DESCRIPTION">
     <p:spTree>
       <p:nvGrpSpPr>
-        <p:cNvPr id="36" name="Shape 36"/>
+        <p:cNvPr id="1" name="Shape 36"/>
         <p:cNvGrpSpPr/>
         <p:nvPr/>
       </p:nvGrpSpPr>
@@ -6454,12 +6595,12 @@
           </a:ln>
         </p:spPr>
         <p:txBody>
-          <a:bodyPr anchorCtr="0" anchor="ctr" bIns="91425" lIns="91425" spcFirstLastPara="1" rIns="91425" wrap="square" tIns="91425">
+          <a:bodyPr spcFirstLastPara="1" wrap="square" lIns="91425" tIns="91425" rIns="91425" bIns="91425" anchor="ctr" anchorCtr="0">
             <a:noAutofit/>
           </a:bodyPr>
           <a:lstStyle/>
           <a:p>
-            <a:pPr indent="0" lvl="0" marL="0" rtl="0" algn="l">
+            <a:pPr marL="0" lvl="0" indent="0" algn="l" rtl="0">
               <a:spcBef>
                 <a:spcPts val="0"/>
               </a:spcBef>
@@ -6468,9 +6609,6 @@
               </a:spcAft>
               <a:buNone/>
             </a:pPr>
-            <a:r>
-              <a:t/>
-            </a:r>
             <a:endParaRPr/>
           </a:p>
         </p:txBody>
@@ -6490,21 +6628,23 @@
             <a:avLst/>
           </a:prstGeom>
           <a:noFill/>
-          <a:ln cap="flat" cmpd="sng" w="28575">
+          <a:ln w="28575" cap="flat" cmpd="sng">
             <a:solidFill>
               <a:schemeClr val="lt1"/>
             </a:solidFill>
             <a:prstDash val="solid"/>
             <a:round/>
-            <a:headEnd len="sm" w="sm" type="none"/>
-            <a:tailEnd len="sm" w="sm" type="none"/>
+            <a:headEnd type="none" w="sm" len="sm"/>
+            <a:tailEnd type="none" w="sm" len="sm"/>
           </a:ln>
         </p:spPr>
       </p:cxnSp>
       <p:sp>
         <p:nvSpPr>
           <p:cNvPr id="39" name="Google Shape;39;p9"/>
-          <p:cNvSpPr txBox="1"/>
+          <p:cNvSpPr txBox="1">
+            <a:spLocks noGrp="1"/>
+          </p:cNvSpPr>
           <p:nvPr>
             <p:ph type="title"/>
           </p:nvPr>
@@ -6519,7 +6659,7 @@
           </a:prstGeom>
         </p:spPr>
         <p:txBody>
-          <a:bodyPr anchorCtr="0" anchor="b" bIns="91425" lIns="91425" spcFirstLastPara="1" rIns="91425" wrap="square" tIns="91425">
+          <a:bodyPr spcFirstLastPara="1" wrap="square" lIns="91425" tIns="91425" rIns="91425" bIns="91425" anchor="b" anchorCtr="0">
             <a:normAutofit/>
           </a:bodyPr>
           <a:lstStyle>
@@ -6623,15 +6763,19 @@
               <a:defRPr sz="5400"/>
             </a:lvl9pPr>
           </a:lstStyle>
-          <a:p/>
+          <a:p>
+            <a:endParaRPr/>
+          </a:p>
         </p:txBody>
       </p:sp>
       <p:sp>
         <p:nvSpPr>
           <p:cNvPr id="40" name="Google Shape;40;p9"/>
-          <p:cNvSpPr txBox="1"/>
+          <p:cNvSpPr txBox="1">
+            <a:spLocks noGrp="1"/>
+          </p:cNvSpPr>
           <p:nvPr>
-            <p:ph idx="1" type="subTitle"/>
+            <p:ph type="subTitle" idx="1"/>
           </p:nvPr>
         </p:nvSpPr>
         <p:spPr>
@@ -6644,7 +6788,7 @@
           </a:prstGeom>
         </p:spPr>
         <p:txBody>
-          <a:bodyPr anchorCtr="0" anchor="t" bIns="91425" lIns="91425" spcFirstLastPara="1" rIns="91425" wrap="square" tIns="91425">
+          <a:bodyPr spcFirstLastPara="1" wrap="square" lIns="91425" tIns="91425" rIns="91425" bIns="91425" anchor="t" anchorCtr="0">
             <a:normAutofit/>
           </a:bodyPr>
           <a:lstStyle>
@@ -6775,15 +6919,19 @@
               <a:defRPr sz="1800"/>
             </a:lvl9pPr>
           </a:lstStyle>
-          <a:p/>
+          <a:p>
+            <a:endParaRPr/>
+          </a:p>
         </p:txBody>
       </p:sp>
       <p:sp>
         <p:nvSpPr>
           <p:cNvPr id="41" name="Google Shape;41;p9"/>
-          <p:cNvSpPr txBox="1"/>
+          <p:cNvSpPr txBox="1">
+            <a:spLocks noGrp="1"/>
+          </p:cNvSpPr>
           <p:nvPr>
-            <p:ph idx="2" type="body"/>
+            <p:ph type="body" idx="2"/>
           </p:nvPr>
         </p:nvSpPr>
         <p:spPr>
@@ -6796,11 +6944,11 @@
           </a:prstGeom>
         </p:spPr>
         <p:txBody>
-          <a:bodyPr anchorCtr="0" anchor="ctr" bIns="91425" lIns="91425" spcFirstLastPara="1" rIns="91425" wrap="square" tIns="91425">
+          <a:bodyPr spcFirstLastPara="1" wrap="square" lIns="91425" tIns="91425" rIns="91425" bIns="91425" anchor="ctr" anchorCtr="0">
             <a:normAutofit/>
           </a:bodyPr>
           <a:lstStyle>
-            <a:lvl1pPr indent="-342900" lvl="0" marL="457200">
+            <a:lvl1pPr marL="457200" lvl="0" indent="-342900">
               <a:spcBef>
                 <a:spcPts val="0"/>
               </a:spcBef>
@@ -6821,7 +6969,7 @@
                 </a:highlight>
               </a:defRPr>
             </a:lvl1pPr>
-            <a:lvl2pPr indent="-317500" lvl="1" marL="914400">
+            <a:lvl2pPr marL="914400" lvl="1" indent="-317500">
               <a:spcBef>
                 <a:spcPts val="0"/>
               </a:spcBef>
@@ -6842,7 +6990,7 @@
                 </a:highlight>
               </a:defRPr>
             </a:lvl2pPr>
-            <a:lvl3pPr indent="-317500" lvl="2" marL="1371600">
+            <a:lvl3pPr marL="1371600" lvl="2" indent="-317500">
               <a:spcBef>
                 <a:spcPts val="0"/>
               </a:spcBef>
@@ -6863,7 +7011,7 @@
                 </a:highlight>
               </a:defRPr>
             </a:lvl3pPr>
-            <a:lvl4pPr indent="-317500" lvl="3" marL="1828800">
+            <a:lvl4pPr marL="1828800" lvl="3" indent="-317500">
               <a:spcBef>
                 <a:spcPts val="0"/>
               </a:spcBef>
@@ -6884,7 +7032,7 @@
                 </a:highlight>
               </a:defRPr>
             </a:lvl4pPr>
-            <a:lvl5pPr indent="-317500" lvl="4" marL="2286000">
+            <a:lvl5pPr marL="2286000" lvl="4" indent="-317500">
               <a:spcBef>
                 <a:spcPts val="0"/>
               </a:spcBef>
@@ -6905,7 +7053,7 @@
                 </a:highlight>
               </a:defRPr>
             </a:lvl5pPr>
-            <a:lvl6pPr indent="-317500" lvl="5" marL="2743200">
+            <a:lvl6pPr marL="2743200" lvl="5" indent="-317500">
               <a:spcBef>
                 <a:spcPts val="0"/>
               </a:spcBef>
@@ -6926,7 +7074,7 @@
                 </a:highlight>
               </a:defRPr>
             </a:lvl6pPr>
-            <a:lvl7pPr indent="-317500" lvl="6" marL="3200400">
+            <a:lvl7pPr marL="3200400" lvl="6" indent="-317500">
               <a:spcBef>
                 <a:spcPts val="0"/>
               </a:spcBef>
@@ -6947,7 +7095,7 @@
                 </a:highlight>
               </a:defRPr>
             </a:lvl7pPr>
-            <a:lvl8pPr indent="-317500" lvl="7" marL="3657600">
+            <a:lvl8pPr marL="3657600" lvl="7" indent="-317500">
               <a:spcBef>
                 <a:spcPts val="0"/>
               </a:spcBef>
@@ -6968,7 +7116,7 @@
                 </a:highlight>
               </a:defRPr>
             </a:lvl8pPr>
-            <a:lvl9pPr indent="-317500" lvl="8" marL="4114800">
+            <a:lvl9pPr marL="4114800" lvl="8" indent="-317500">
               <a:spcBef>
                 <a:spcPts val="0"/>
               </a:spcBef>
@@ -6990,15 +7138,19 @@
               </a:defRPr>
             </a:lvl9pPr>
           </a:lstStyle>
-          <a:p/>
+          <a:p>
+            <a:endParaRPr/>
+          </a:p>
         </p:txBody>
       </p:sp>
       <p:sp>
         <p:nvSpPr>
           <p:cNvPr id="42" name="Google Shape;42;p9"/>
-          <p:cNvSpPr txBox="1"/>
+          <p:cNvSpPr txBox="1">
+            <a:spLocks noGrp="1"/>
+          </p:cNvSpPr>
           <p:nvPr>
-            <p:ph idx="12" type="sldNum"/>
+            <p:ph type="sldNum" idx="12"/>
           </p:nvPr>
         </p:nvSpPr>
         <p:spPr>
@@ -7011,7 +7163,7 @@
           </a:prstGeom>
         </p:spPr>
         <p:txBody>
-          <a:bodyPr anchorCtr="0" anchor="ctr" bIns="91425" lIns="91425" spcFirstLastPara="1" rIns="91425" wrap="square" tIns="91425">
+          <a:bodyPr spcFirstLastPara="1" wrap="square" lIns="91425" tIns="91425" rIns="91425" bIns="91425" anchor="ctr" anchorCtr="0">
             <a:normAutofit/>
           </a:bodyPr>
           <a:lstStyle>
@@ -7053,7 +7205,7 @@
             </a:lvl9pPr>
           </a:lstStyle>
           <a:p>
-            <a:pPr indent="0" lvl="0" marL="0" rtl="0" algn="r">
+            <a:pPr marL="0" lvl="0" indent="0" algn="r" rtl="0">
               <a:spcBef>
                 <a:spcPts val="0"/>
               </a:spcBef>
@@ -7079,11 +7231,11 @@
 </file>
 
 <file path=ppt/slideLayouts/slideLayout9.xml><?xml version="1.0" encoding="utf-8"?>
-<p:sldLayout xmlns:a="http://schemas.openxmlformats.org/drawingml/2006/main" xmlns:r="http://schemas.openxmlformats.org/officeDocument/2006/relationships" xmlns:mc="http://schemas.openxmlformats.org/markup-compatibility/2006" xmlns:mv="urn:schemas-microsoft-com:mac:vml" xmlns:p="http://schemas.openxmlformats.org/presentationml/2006/main" xmlns:c="http://schemas.openxmlformats.org/drawingml/2006/chart" xmlns:dgm="http://schemas.openxmlformats.org/drawingml/2006/diagram" xmlns:o="urn:schemas-microsoft-com:office:office" xmlns:v="urn:schemas-microsoft-com:vml" xmlns:pvml="urn:schemas-microsoft-com:office:powerpoint" xmlns:com="http://schemas.openxmlformats.org/drawingml/2006/compatibility" xmlns:p14="http://schemas.microsoft.com/office/powerpoint/2010/main" xmlns:p15="http://schemas.microsoft.com/office/powerpoint/2012/main" xmlns:ahyp="http://schemas.microsoft.com/office/drawing/2018/hyperlinkcolor" matchingName="Caption">
+<p:sldLayout xmlns:a="http://schemas.openxmlformats.org/drawingml/2006/main" xmlns:r="http://schemas.openxmlformats.org/officeDocument/2006/relationships" xmlns:p="http://schemas.openxmlformats.org/presentationml/2006/main" matchingName="Caption">
   <p:cSld name="CAPTION_ONLY">
     <p:spTree>
       <p:nvGrpSpPr>
-        <p:cNvPr id="43" name="Shape 43"/>
+        <p:cNvPr id="1" name="Shape 43"/>
         <p:cNvGrpSpPr/>
         <p:nvPr/>
       </p:nvGrpSpPr>
@@ -7098,9 +7250,11 @@
       <p:sp>
         <p:nvSpPr>
           <p:cNvPr id="44" name="Google Shape;44;p10"/>
-          <p:cNvSpPr txBox="1"/>
+          <p:cNvSpPr txBox="1">
+            <a:spLocks noGrp="1"/>
+          </p:cNvSpPr>
           <p:nvPr>
-            <p:ph idx="1" type="body"/>
+            <p:ph type="body" idx="1"/>
           </p:nvPr>
         </p:nvSpPr>
         <p:spPr>
@@ -7113,11 +7267,11 @@
           </a:prstGeom>
         </p:spPr>
         <p:txBody>
-          <a:bodyPr anchorCtr="0" anchor="ctr" bIns="91425" lIns="91425" spcFirstLastPara="1" rIns="91425" wrap="square" tIns="91425">
+          <a:bodyPr spcFirstLastPara="1" wrap="square" lIns="91425" tIns="91425" rIns="91425" bIns="91425" anchor="ctr" anchorCtr="0">
             <a:normAutofit/>
           </a:bodyPr>
           <a:lstStyle>
-            <a:lvl1pPr indent="-228600" lvl="0" marL="457200">
+            <a:lvl1pPr marL="457200" lvl="0" indent="-228600">
               <a:lnSpc>
                 <a:spcPct val="100000"/>
               </a:lnSpc>
@@ -7133,7 +7287,7 @@
               <a:buSzPts val="2400"/>
               <a:buFont typeface="Amatic SC"/>
               <a:buNone/>
-              <a:defRPr b="1" sz="2400">
+              <a:defRPr sz="2400" b="1">
                 <a:solidFill>
                   <a:schemeClr val="accent1"/>
                 </a:solidFill>
@@ -7144,15 +7298,19 @@
               </a:defRPr>
             </a:lvl1pPr>
           </a:lstStyle>
-          <a:p/>
+          <a:p>
+            <a:endParaRPr/>
+          </a:p>
         </p:txBody>
       </p:sp>
       <p:sp>
         <p:nvSpPr>
           <p:cNvPr id="45" name="Google Shape;45;p10"/>
-          <p:cNvSpPr txBox="1"/>
+          <p:cNvSpPr txBox="1">
+            <a:spLocks noGrp="1"/>
+          </p:cNvSpPr>
           <p:nvPr>
-            <p:ph idx="12" type="sldNum"/>
+            <p:ph type="sldNum" idx="12"/>
           </p:nvPr>
         </p:nvSpPr>
         <p:spPr>
@@ -7165,7 +7323,7 @@
           </a:prstGeom>
         </p:spPr>
         <p:txBody>
-          <a:bodyPr anchorCtr="0" anchor="ctr" bIns="91425" lIns="91425" spcFirstLastPara="1" rIns="91425" wrap="square" tIns="91425">
+          <a:bodyPr spcFirstLastPara="1" wrap="square" lIns="91425" tIns="91425" rIns="91425" bIns="91425" anchor="ctr" anchorCtr="0">
             <a:normAutofit/>
           </a:bodyPr>
           <a:lstStyle>
@@ -7207,7 +7365,7 @@
             </a:lvl9pPr>
           </a:lstStyle>
           <a:p>
-            <a:pPr indent="0" lvl="0" marL="0" rtl="0" algn="r">
+            <a:pPr marL="0" lvl="0" indent="0" algn="r" rtl="0">
               <a:spcBef>
                 <a:spcPts val="0"/>
               </a:spcBef>
@@ -7233,18 +7391,19 @@
 </file>
 
 <file path=ppt/slideMasters/slideMaster1.xml><?xml version="1.0" encoding="utf-8"?>
-<p:sldMaster xmlns:a="http://schemas.openxmlformats.org/drawingml/2006/main" xmlns:r="http://schemas.openxmlformats.org/officeDocument/2006/relationships" xmlns:mc="http://schemas.openxmlformats.org/markup-compatibility/2006" xmlns:mv="urn:schemas-microsoft-com:mac:vml" xmlns:p="http://schemas.openxmlformats.org/presentationml/2006/main" xmlns:c="http://schemas.openxmlformats.org/drawingml/2006/chart" xmlns:dgm="http://schemas.openxmlformats.org/drawingml/2006/diagram" xmlns:o="urn:schemas-microsoft-com:office:office" xmlns:v="urn:schemas-microsoft-com:vml" xmlns:pvml="urn:schemas-microsoft-com:office:powerpoint" xmlns:com="http://schemas.openxmlformats.org/drawingml/2006/compatibility" xmlns:p14="http://schemas.microsoft.com/office/powerpoint/2010/main" xmlns:p15="http://schemas.microsoft.com/office/powerpoint/2012/main" xmlns:ahyp="http://schemas.microsoft.com/office/drawing/2018/hyperlinkcolor">
+<p:sldMaster xmlns:a="http://schemas.openxmlformats.org/drawingml/2006/main" xmlns:r="http://schemas.openxmlformats.org/officeDocument/2006/relationships" xmlns:p="http://schemas.openxmlformats.org/presentationml/2006/main">
   <p:cSld name="beach-day">
     <p:bg>
       <p:bgPr>
         <a:solidFill>
           <a:schemeClr val="lt1"/>
         </a:solidFill>
+        <a:effectLst/>
       </p:bgPr>
     </p:bg>
     <p:spTree>
       <p:nvGrpSpPr>
-        <p:cNvPr id="5" name="Shape 5"/>
+        <p:cNvPr id="1" name="Shape 5"/>
         <p:cNvGrpSpPr/>
         <p:nvPr/>
       </p:nvGrpSpPr>
@@ -7259,7 +7418,9 @@
       <p:sp>
         <p:nvSpPr>
           <p:cNvPr id="6" name="Google Shape;6;p1"/>
-          <p:cNvSpPr txBox="1"/>
+          <p:cNvSpPr txBox="1">
+            <a:spLocks noGrp="1"/>
+          </p:cNvSpPr>
           <p:nvPr>
             <p:ph type="title"/>
           </p:nvPr>
@@ -7278,7 +7439,7 @@
           </a:ln>
         </p:spPr>
         <p:txBody>
-          <a:bodyPr anchorCtr="0" anchor="t" bIns="91425" lIns="91425" spcFirstLastPara="1" rIns="91425" wrap="square" tIns="91425">
+          <a:bodyPr spcFirstLastPara="1" wrap="square" lIns="91425" tIns="91425" rIns="91425" bIns="91425" anchor="t" anchorCtr="0">
             <a:normAutofit/>
           </a:bodyPr>
           <a:lstStyle>
@@ -7295,7 +7456,7 @@
               <a:buSzPts val="4200"/>
               <a:buFont typeface="Amatic SC"/>
               <a:buNone/>
-              <a:defRPr b="1" sz="4200">
+              <a:defRPr sz="4200" b="1">
                 <a:solidFill>
                   <a:schemeClr val="accent1"/>
                 </a:solidFill>
@@ -7318,7 +7479,7 @@
               <a:buSzPts val="4200"/>
               <a:buFont typeface="Amatic SC"/>
               <a:buNone/>
-              <a:defRPr b="1" sz="4200">
+              <a:defRPr sz="4200" b="1">
                 <a:solidFill>
                   <a:schemeClr val="accent1"/>
                 </a:solidFill>
@@ -7341,7 +7502,7 @@
               <a:buSzPts val="4200"/>
               <a:buFont typeface="Amatic SC"/>
               <a:buNone/>
-              <a:defRPr b="1" sz="4200">
+              <a:defRPr sz="4200" b="1">
                 <a:solidFill>
                   <a:schemeClr val="accent1"/>
                 </a:solidFill>
@@ -7364,7 +7525,7 @@
               <a:buSzPts val="4200"/>
               <a:buFont typeface="Amatic SC"/>
               <a:buNone/>
-              <a:defRPr b="1" sz="4200">
+              <a:defRPr sz="4200" b="1">
                 <a:solidFill>
                   <a:schemeClr val="accent1"/>
                 </a:solidFill>
@@ -7387,7 +7548,7 @@
               <a:buSzPts val="4200"/>
               <a:buFont typeface="Amatic SC"/>
               <a:buNone/>
-              <a:defRPr b="1" sz="4200">
+              <a:defRPr sz="4200" b="1">
                 <a:solidFill>
                   <a:schemeClr val="accent1"/>
                 </a:solidFill>
@@ -7410,7 +7571,7 @@
               <a:buSzPts val="4200"/>
               <a:buFont typeface="Amatic SC"/>
               <a:buNone/>
-              <a:defRPr b="1" sz="4200">
+              <a:defRPr sz="4200" b="1">
                 <a:solidFill>
                   <a:schemeClr val="accent1"/>
                 </a:solidFill>
@@ -7433,7 +7594,7 @@
               <a:buSzPts val="4200"/>
               <a:buFont typeface="Amatic SC"/>
               <a:buNone/>
-              <a:defRPr b="1" sz="4200">
+              <a:defRPr sz="4200" b="1">
                 <a:solidFill>
                   <a:schemeClr val="accent1"/>
                 </a:solidFill>
@@ -7456,7 +7617,7 @@
               <a:buSzPts val="4200"/>
               <a:buFont typeface="Amatic SC"/>
               <a:buNone/>
-              <a:defRPr b="1" sz="4200">
+              <a:defRPr sz="4200" b="1">
                 <a:solidFill>
                   <a:schemeClr val="accent1"/>
                 </a:solidFill>
@@ -7479,7 +7640,7 @@
               <a:buSzPts val="4200"/>
               <a:buFont typeface="Amatic SC"/>
               <a:buNone/>
-              <a:defRPr b="1" sz="4200">
+              <a:defRPr sz="4200" b="1">
                 <a:solidFill>
                   <a:schemeClr val="accent1"/>
                 </a:solidFill>
@@ -7490,15 +7651,19 @@
               </a:defRPr>
             </a:lvl9pPr>
           </a:lstStyle>
-          <a:p/>
+          <a:p>
+            <a:endParaRPr/>
+          </a:p>
         </p:txBody>
       </p:sp>
       <p:sp>
         <p:nvSpPr>
           <p:cNvPr id="7" name="Google Shape;7;p1"/>
-          <p:cNvSpPr txBox="1"/>
+          <p:cNvSpPr txBox="1">
+            <a:spLocks noGrp="1"/>
+          </p:cNvSpPr>
           <p:nvPr>
-            <p:ph idx="1" type="body"/>
+            <p:ph type="body" idx="1"/>
           </p:nvPr>
         </p:nvSpPr>
         <p:spPr>
@@ -7515,11 +7680,11 @@
           </a:ln>
         </p:spPr>
         <p:txBody>
-          <a:bodyPr anchorCtr="0" anchor="t" bIns="91425" lIns="91425" spcFirstLastPara="1" rIns="91425" wrap="square" tIns="91425">
+          <a:bodyPr spcFirstLastPara="1" wrap="square" lIns="91425" tIns="91425" rIns="91425" bIns="91425" anchor="t" anchorCtr="0">
             <a:normAutofit/>
           </a:bodyPr>
           <a:lstStyle>
-            <a:lvl1pPr indent="-342900" lvl="0" marL="457200">
+            <a:lvl1pPr marL="457200" lvl="0" indent="-342900">
               <a:lnSpc>
                 <a:spcPct val="115000"/>
               </a:lnSpc>
@@ -7545,7 +7710,7 @@
                 <a:sym typeface="Source Code Pro"/>
               </a:defRPr>
             </a:lvl1pPr>
-            <a:lvl2pPr indent="-317500" lvl="1" marL="914400">
+            <a:lvl2pPr marL="914400" lvl="1" indent="-317500">
               <a:lnSpc>
                 <a:spcPct val="115000"/>
               </a:lnSpc>
@@ -7571,7 +7736,7 @@
                 <a:sym typeface="Source Code Pro"/>
               </a:defRPr>
             </a:lvl2pPr>
-            <a:lvl3pPr indent="-317500" lvl="2" marL="1371600">
+            <a:lvl3pPr marL="1371600" lvl="2" indent="-317500">
               <a:lnSpc>
                 <a:spcPct val="115000"/>
               </a:lnSpc>
@@ -7597,7 +7762,7 @@
                 <a:sym typeface="Source Code Pro"/>
               </a:defRPr>
             </a:lvl3pPr>
-            <a:lvl4pPr indent="-317500" lvl="3" marL="1828800">
+            <a:lvl4pPr marL="1828800" lvl="3" indent="-317500">
               <a:lnSpc>
                 <a:spcPct val="115000"/>
               </a:lnSpc>
@@ -7623,7 +7788,7 @@
                 <a:sym typeface="Source Code Pro"/>
               </a:defRPr>
             </a:lvl4pPr>
-            <a:lvl5pPr indent="-317500" lvl="4" marL="2286000">
+            <a:lvl5pPr marL="2286000" lvl="4" indent="-317500">
               <a:lnSpc>
                 <a:spcPct val="115000"/>
               </a:lnSpc>
@@ -7649,7 +7814,7 @@
                 <a:sym typeface="Source Code Pro"/>
               </a:defRPr>
             </a:lvl5pPr>
-            <a:lvl6pPr indent="-317500" lvl="5" marL="2743200">
+            <a:lvl6pPr marL="2743200" lvl="5" indent="-317500">
               <a:lnSpc>
                 <a:spcPct val="115000"/>
               </a:lnSpc>
@@ -7675,7 +7840,7 @@
                 <a:sym typeface="Source Code Pro"/>
               </a:defRPr>
             </a:lvl6pPr>
-            <a:lvl7pPr indent="-317500" lvl="6" marL="3200400">
+            <a:lvl7pPr marL="3200400" lvl="6" indent="-317500">
               <a:lnSpc>
                 <a:spcPct val="115000"/>
               </a:lnSpc>
@@ -7701,7 +7866,7 @@
                 <a:sym typeface="Source Code Pro"/>
               </a:defRPr>
             </a:lvl7pPr>
-            <a:lvl8pPr indent="-317500" lvl="7" marL="3657600">
+            <a:lvl8pPr marL="3657600" lvl="7" indent="-317500">
               <a:lnSpc>
                 <a:spcPct val="115000"/>
               </a:lnSpc>
@@ -7727,7 +7892,7 @@
                 <a:sym typeface="Source Code Pro"/>
               </a:defRPr>
             </a:lvl8pPr>
-            <a:lvl9pPr indent="-317500" lvl="8" marL="4114800">
+            <a:lvl9pPr marL="4114800" lvl="8" indent="-317500">
               <a:lnSpc>
                 <a:spcPct val="115000"/>
               </a:lnSpc>
@@ -7754,15 +7919,19 @@
               </a:defRPr>
             </a:lvl9pPr>
           </a:lstStyle>
-          <a:p/>
+          <a:p>
+            <a:endParaRPr/>
+          </a:p>
         </p:txBody>
       </p:sp>
       <p:sp>
         <p:nvSpPr>
           <p:cNvPr id="8" name="Google Shape;8;p1"/>
-          <p:cNvSpPr txBox="1"/>
+          <p:cNvSpPr txBox="1">
+            <a:spLocks noGrp="1"/>
+          </p:cNvSpPr>
           <p:nvPr>
-            <p:ph idx="12" type="sldNum"/>
+            <p:ph type="sldNum" idx="12"/>
           </p:nvPr>
         </p:nvSpPr>
         <p:spPr>
@@ -7779,7 +7948,7 @@
           </a:ln>
         </p:spPr>
         <p:txBody>
-          <a:bodyPr anchorCtr="0" anchor="ctr" bIns="91425" lIns="91425" spcFirstLastPara="1" rIns="91425" wrap="square" tIns="91425">
+          <a:bodyPr spcFirstLastPara="1" wrap="square" lIns="91425" tIns="91425" rIns="91425" bIns="91425" anchor="ctr" anchorCtr="0">
             <a:normAutofit/>
           </a:bodyPr>
           <a:lstStyle>
@@ -7893,7 +8062,7 @@
             </a:lvl9pPr>
           </a:lstStyle>
           <a:p>
-            <a:pPr indent="0" lvl="0" marL="0" rtl="0" algn="r">
+            <a:pPr marL="0" lvl="0" indent="0" algn="r" rtl="0">
               <a:spcBef>
                 <a:spcPts val="0"/>
               </a:spcBef>
@@ -7912,7 +8081,7 @@
       </p:sp>
     </p:spTree>
   </p:cSld>
-  <p:clrMap accent1="accent1" accent2="accent2" accent3="accent3" accent4="accent4" accent5="accent5" accent6="accent6" bg1="lt1" bg2="dk2" tx1="dk1" tx2="lt2" folHlink="folHlink" hlink="hlink"/>
+  <p:clrMap bg1="lt1" tx1="dk1" bg2="dk2" tx2="lt2" accent1="accent1" accent2="accent2" accent3="accent3" accent4="accent4" accent5="accent5" accent6="accent6" hlink="hlink" folHlink="folHlink"/>
   <p:sldLayoutIdLst>
     <p:sldLayoutId id="2147483648" r:id="rId1"/>
     <p:sldLayoutId id="2147483649" r:id="rId2"/>
@@ -7929,10 +8098,10 @@
     <p:sldLayoutId id="2147483660" r:id="rId13"/>
     <p:sldLayoutId id="2147483661" r:id="rId14"/>
   </p:sldLayoutIdLst>
-  <p:hf dt="0" ftr="0" hdr="0" sldNum="0"/>
+  <p:hf sldNum="0" hdr="0" ftr="0" dt="0"/>
   <p:txStyles>
     <p:titleStyle>
-      <a:defPPr lvl="0" marR="0" rtl="0" algn="l">
+      <a:defPPr marR="0" lvl="0" algn="l" rtl="0">
         <a:lnSpc>
           <a:spcPct val="100000"/>
         </a:lnSpc>
@@ -7943,7 +8112,7 @@
           <a:spcPts val="0"/>
         </a:spcAft>
       </a:defPPr>
-      <a:lvl1pPr lvl="0" marR="0" rtl="0" algn="l">
+      <a:lvl1pPr marR="0" lvl="0" algn="l" rtl="0">
         <a:lnSpc>
           <a:spcPct val="100000"/>
         </a:lnSpc>
@@ -7957,7 +8126,7 @@
           <a:srgbClr val="000000"/>
         </a:buClr>
         <a:buFont typeface="Arial"/>
-        <a:defRPr b="0" i="0" sz="1400" u="none" cap="none" strike="noStrike">
+        <a:defRPr sz="1400" b="0" i="0" u="none" strike="noStrike" cap="none">
           <a:solidFill>
             <a:srgbClr val="000000"/>
           </a:solidFill>
@@ -7967,7 +8136,7 @@
           <a:sym typeface="Arial"/>
         </a:defRPr>
       </a:lvl1pPr>
-      <a:lvl2pPr lvl="1" marR="0" rtl="0" algn="l">
+      <a:lvl2pPr marR="0" lvl="1" algn="l" rtl="0">
         <a:lnSpc>
           <a:spcPct val="100000"/>
         </a:lnSpc>
@@ -7981,7 +8150,7 @@
           <a:srgbClr val="000000"/>
         </a:buClr>
         <a:buFont typeface="Arial"/>
-        <a:defRPr b="0" i="0" sz="1400" u="none" cap="none" strike="noStrike">
+        <a:defRPr sz="1400" b="0" i="0" u="none" strike="noStrike" cap="none">
           <a:solidFill>
             <a:srgbClr val="000000"/>
           </a:solidFill>
@@ -7991,7 +8160,7 @@
           <a:sym typeface="Arial"/>
         </a:defRPr>
       </a:lvl2pPr>
-      <a:lvl3pPr lvl="2" marR="0" rtl="0" algn="l">
+      <a:lvl3pPr marR="0" lvl="2" algn="l" rtl="0">
         <a:lnSpc>
           <a:spcPct val="100000"/>
         </a:lnSpc>
@@ -8005,7 +8174,7 @@
           <a:srgbClr val="000000"/>
         </a:buClr>
         <a:buFont typeface="Arial"/>
-        <a:defRPr b="0" i="0" sz="1400" u="none" cap="none" strike="noStrike">
+        <a:defRPr sz="1400" b="0" i="0" u="none" strike="noStrike" cap="none">
           <a:solidFill>
             <a:srgbClr val="000000"/>
           </a:solidFill>
@@ -8015,7 +8184,7 @@
           <a:sym typeface="Arial"/>
         </a:defRPr>
       </a:lvl3pPr>
-      <a:lvl4pPr lvl="3" marR="0" rtl="0" algn="l">
+      <a:lvl4pPr marR="0" lvl="3" algn="l" rtl="0">
         <a:lnSpc>
           <a:spcPct val="100000"/>
         </a:lnSpc>
@@ -8029,7 +8198,7 @@
           <a:srgbClr val="000000"/>
         </a:buClr>
         <a:buFont typeface="Arial"/>
-        <a:defRPr b="0" i="0" sz="1400" u="none" cap="none" strike="noStrike">
+        <a:defRPr sz="1400" b="0" i="0" u="none" strike="noStrike" cap="none">
           <a:solidFill>
             <a:srgbClr val="000000"/>
           </a:solidFill>
@@ -8039,7 +8208,7 @@
           <a:sym typeface="Arial"/>
         </a:defRPr>
       </a:lvl4pPr>
-      <a:lvl5pPr lvl="4" marR="0" rtl="0" algn="l">
+      <a:lvl5pPr marR="0" lvl="4" algn="l" rtl="0">
         <a:lnSpc>
           <a:spcPct val="100000"/>
         </a:lnSpc>
@@ -8053,7 +8222,7 @@
           <a:srgbClr val="000000"/>
         </a:buClr>
         <a:buFont typeface="Arial"/>
-        <a:defRPr b="0" i="0" sz="1400" u="none" cap="none" strike="noStrike">
+        <a:defRPr sz="1400" b="0" i="0" u="none" strike="noStrike" cap="none">
           <a:solidFill>
             <a:srgbClr val="000000"/>
           </a:solidFill>
@@ -8063,7 +8232,7 @@
           <a:sym typeface="Arial"/>
         </a:defRPr>
       </a:lvl5pPr>
-      <a:lvl6pPr lvl="5" marR="0" rtl="0" algn="l">
+      <a:lvl6pPr marR="0" lvl="5" algn="l" rtl="0">
         <a:lnSpc>
           <a:spcPct val="100000"/>
         </a:lnSpc>
@@ -8077,7 +8246,7 @@
           <a:srgbClr val="000000"/>
         </a:buClr>
         <a:buFont typeface="Arial"/>
-        <a:defRPr b="0" i="0" sz="1400" u="none" cap="none" strike="noStrike">
+        <a:defRPr sz="1400" b="0" i="0" u="none" strike="noStrike" cap="none">
           <a:solidFill>
             <a:srgbClr val="000000"/>
           </a:solidFill>
@@ -8087,7 +8256,7 @@
           <a:sym typeface="Arial"/>
         </a:defRPr>
       </a:lvl6pPr>
-      <a:lvl7pPr lvl="6" marR="0" rtl="0" algn="l">
+      <a:lvl7pPr marR="0" lvl="6" algn="l" rtl="0">
         <a:lnSpc>
           <a:spcPct val="100000"/>
         </a:lnSpc>
@@ -8101,7 +8270,7 @@
           <a:srgbClr val="000000"/>
         </a:buClr>
         <a:buFont typeface="Arial"/>
-        <a:defRPr b="0" i="0" sz="1400" u="none" cap="none" strike="noStrike">
+        <a:defRPr sz="1400" b="0" i="0" u="none" strike="noStrike" cap="none">
           <a:solidFill>
             <a:srgbClr val="000000"/>
           </a:solidFill>
@@ -8111,7 +8280,7 @@
           <a:sym typeface="Arial"/>
         </a:defRPr>
       </a:lvl7pPr>
-      <a:lvl8pPr lvl="7" marR="0" rtl="0" algn="l">
+      <a:lvl8pPr marR="0" lvl="7" algn="l" rtl="0">
         <a:lnSpc>
           <a:spcPct val="100000"/>
         </a:lnSpc>
@@ -8125,7 +8294,7 @@
           <a:srgbClr val="000000"/>
         </a:buClr>
         <a:buFont typeface="Arial"/>
-        <a:defRPr b="0" i="0" sz="1400" u="none" cap="none" strike="noStrike">
+        <a:defRPr sz="1400" b="0" i="0" u="none" strike="noStrike" cap="none">
           <a:solidFill>
             <a:srgbClr val="000000"/>
           </a:solidFill>
@@ -8135,7 +8304,7 @@
           <a:sym typeface="Arial"/>
         </a:defRPr>
       </a:lvl8pPr>
-      <a:lvl9pPr lvl="8" marR="0" rtl="0" algn="l">
+      <a:lvl9pPr marR="0" lvl="8" algn="l" rtl="0">
         <a:lnSpc>
           <a:spcPct val="100000"/>
         </a:lnSpc>
@@ -8149,7 +8318,7 @@
           <a:srgbClr val="000000"/>
         </a:buClr>
         <a:buFont typeface="Arial"/>
-        <a:defRPr b="0" i="0" sz="1400" u="none" cap="none" strike="noStrike">
+        <a:defRPr sz="1400" b="0" i="0" u="none" strike="noStrike" cap="none">
           <a:solidFill>
             <a:srgbClr val="000000"/>
           </a:solidFill>
@@ -8161,7 +8330,7 @@
       </a:lvl9pPr>
     </p:titleStyle>
     <p:bodyStyle>
-      <a:defPPr lvl="0" marR="0" rtl="0" algn="l">
+      <a:defPPr marR="0" lvl="0" algn="l" rtl="0">
         <a:lnSpc>
           <a:spcPct val="100000"/>
         </a:lnSpc>
@@ -8172,7 +8341,7 @@
           <a:spcPts val="0"/>
         </a:spcAft>
       </a:defPPr>
-      <a:lvl1pPr lvl="0" marR="0" rtl="0" algn="l">
+      <a:lvl1pPr marR="0" lvl="0" algn="l" rtl="0">
         <a:lnSpc>
           <a:spcPct val="100000"/>
         </a:lnSpc>
@@ -8186,7 +8355,7 @@
           <a:srgbClr val="000000"/>
         </a:buClr>
         <a:buFont typeface="Arial"/>
-        <a:defRPr b="0" i="0" sz="1400" u="none" cap="none" strike="noStrike">
+        <a:defRPr sz="1400" b="0" i="0" u="none" strike="noStrike" cap="none">
           <a:solidFill>
             <a:srgbClr val="000000"/>
           </a:solidFill>
@@ -8196,7 +8365,7 @@
           <a:sym typeface="Arial"/>
         </a:defRPr>
       </a:lvl1pPr>
-      <a:lvl2pPr lvl="1" marR="0" rtl="0" algn="l">
+      <a:lvl2pPr marR="0" lvl="1" algn="l" rtl="0">
         <a:lnSpc>
           <a:spcPct val="100000"/>
         </a:lnSpc>
@@ -8210,7 +8379,7 @@
           <a:srgbClr val="000000"/>
         </a:buClr>
         <a:buFont typeface="Arial"/>
-        <a:defRPr b="0" i="0" sz="1400" u="none" cap="none" strike="noStrike">
+        <a:defRPr sz="1400" b="0" i="0" u="none" strike="noStrike" cap="none">
           <a:solidFill>
             <a:srgbClr val="000000"/>
           </a:solidFill>
@@ -8220,7 +8389,7 @@
           <a:sym typeface="Arial"/>
         </a:defRPr>
       </a:lvl2pPr>
-      <a:lvl3pPr lvl="2" marR="0" rtl="0" algn="l">
+      <a:lvl3pPr marR="0" lvl="2" algn="l" rtl="0">
         <a:lnSpc>
           <a:spcPct val="100000"/>
         </a:lnSpc>
@@ -8234,7 +8403,7 @@
           <a:srgbClr val="000000"/>
         </a:buClr>
         <a:buFont typeface="Arial"/>
-        <a:defRPr b="0" i="0" sz="1400" u="none" cap="none" strike="noStrike">
+        <a:defRPr sz="1400" b="0" i="0" u="none" strike="noStrike" cap="none">
           <a:solidFill>
             <a:srgbClr val="000000"/>
           </a:solidFill>
@@ -8244,7 +8413,7 @@
           <a:sym typeface="Arial"/>
         </a:defRPr>
       </a:lvl3pPr>
-      <a:lvl4pPr lvl="3" marR="0" rtl="0" algn="l">
+      <a:lvl4pPr marR="0" lvl="3" algn="l" rtl="0">
         <a:lnSpc>
           <a:spcPct val="100000"/>
         </a:lnSpc>
@@ -8258,7 +8427,7 @@
           <a:srgbClr val="000000"/>
         </a:buClr>
         <a:buFont typeface="Arial"/>
-        <a:defRPr b="0" i="0" sz="1400" u="none" cap="none" strike="noStrike">
+        <a:defRPr sz="1400" b="0" i="0" u="none" strike="noStrike" cap="none">
           <a:solidFill>
             <a:srgbClr val="000000"/>
           </a:solidFill>
@@ -8268,7 +8437,7 @@
           <a:sym typeface="Arial"/>
         </a:defRPr>
       </a:lvl4pPr>
-      <a:lvl5pPr lvl="4" marR="0" rtl="0" algn="l">
+      <a:lvl5pPr marR="0" lvl="4" algn="l" rtl="0">
         <a:lnSpc>
           <a:spcPct val="100000"/>
         </a:lnSpc>
@@ -8282,7 +8451,7 @@
           <a:srgbClr val="000000"/>
         </a:buClr>
         <a:buFont typeface="Arial"/>
-        <a:defRPr b="0" i="0" sz="1400" u="none" cap="none" strike="noStrike">
+        <a:defRPr sz="1400" b="0" i="0" u="none" strike="noStrike" cap="none">
           <a:solidFill>
             <a:srgbClr val="000000"/>
           </a:solidFill>
@@ -8292,7 +8461,7 @@
           <a:sym typeface="Arial"/>
         </a:defRPr>
       </a:lvl5pPr>
-      <a:lvl6pPr lvl="5" marR="0" rtl="0" algn="l">
+      <a:lvl6pPr marR="0" lvl="5" algn="l" rtl="0">
         <a:lnSpc>
           <a:spcPct val="100000"/>
         </a:lnSpc>
@@ -8306,7 +8475,7 @@
           <a:srgbClr val="000000"/>
         </a:buClr>
         <a:buFont typeface="Arial"/>
-        <a:defRPr b="0" i="0" sz="1400" u="none" cap="none" strike="noStrike">
+        <a:defRPr sz="1400" b="0" i="0" u="none" strike="noStrike" cap="none">
           <a:solidFill>
             <a:srgbClr val="000000"/>
           </a:solidFill>
@@ -8316,7 +8485,7 @@
           <a:sym typeface="Arial"/>
         </a:defRPr>
       </a:lvl6pPr>
-      <a:lvl7pPr lvl="6" marR="0" rtl="0" algn="l">
+      <a:lvl7pPr marR="0" lvl="6" algn="l" rtl="0">
         <a:lnSpc>
           <a:spcPct val="100000"/>
         </a:lnSpc>
@@ -8330,7 +8499,7 @@
           <a:srgbClr val="000000"/>
         </a:buClr>
         <a:buFont typeface="Arial"/>
-        <a:defRPr b="0" i="0" sz="1400" u="none" cap="none" strike="noStrike">
+        <a:defRPr sz="1400" b="0" i="0" u="none" strike="noStrike" cap="none">
           <a:solidFill>
             <a:srgbClr val="000000"/>
           </a:solidFill>
@@ -8340,7 +8509,7 @@
           <a:sym typeface="Arial"/>
         </a:defRPr>
       </a:lvl7pPr>
-      <a:lvl8pPr lvl="7" marR="0" rtl="0" algn="l">
+      <a:lvl8pPr marR="0" lvl="7" algn="l" rtl="0">
         <a:lnSpc>
           <a:spcPct val="100000"/>
         </a:lnSpc>
@@ -8354,7 +8523,7 @@
           <a:srgbClr val="000000"/>
         </a:buClr>
         <a:buFont typeface="Arial"/>
-        <a:defRPr b="0" i="0" sz="1400" u="none" cap="none" strike="noStrike">
+        <a:defRPr sz="1400" b="0" i="0" u="none" strike="noStrike" cap="none">
           <a:solidFill>
             <a:srgbClr val="000000"/>
           </a:solidFill>
@@ -8364,7 +8533,7 @@
           <a:sym typeface="Arial"/>
         </a:defRPr>
       </a:lvl8pPr>
-      <a:lvl9pPr lvl="8" marR="0" rtl="0" algn="l">
+      <a:lvl9pPr marR="0" lvl="8" algn="l" rtl="0">
         <a:lnSpc>
           <a:spcPct val="100000"/>
         </a:lnSpc>
@@ -8378,7 +8547,7 @@
           <a:srgbClr val="000000"/>
         </a:buClr>
         <a:buFont typeface="Arial"/>
-        <a:defRPr b="0" i="0" sz="1400" u="none" cap="none" strike="noStrike">
+        <a:defRPr sz="1400" b="0" i="0" u="none" strike="noStrike" cap="none">
           <a:solidFill>
             <a:srgbClr val="000000"/>
           </a:solidFill>
@@ -8390,7 +8559,7 @@
       </a:lvl9pPr>
     </p:bodyStyle>
     <p:otherStyle>
-      <a:defPPr lvl="0" marR="0" rtl="0" algn="l">
+      <a:defPPr marR="0" lvl="0" algn="l" rtl="0">
         <a:lnSpc>
           <a:spcPct val="100000"/>
         </a:lnSpc>
@@ -8401,7 +8570,7 @@
           <a:spcPts val="0"/>
         </a:spcAft>
       </a:defPPr>
-      <a:lvl1pPr lvl="0" marR="0" rtl="0" algn="l">
+      <a:lvl1pPr marR="0" lvl="0" algn="l" rtl="0">
         <a:lnSpc>
           <a:spcPct val="100000"/>
         </a:lnSpc>
@@ -8415,7 +8584,7 @@
           <a:srgbClr val="000000"/>
         </a:buClr>
         <a:buFont typeface="Arial"/>
-        <a:defRPr b="0" i="0" sz="1400" u="none" cap="none" strike="noStrike">
+        <a:defRPr sz="1400" b="0" i="0" u="none" strike="noStrike" cap="none">
           <a:solidFill>
             <a:srgbClr val="000000"/>
           </a:solidFill>
@@ -8425,7 +8594,7 @@
           <a:sym typeface="Arial"/>
         </a:defRPr>
       </a:lvl1pPr>
-      <a:lvl2pPr lvl="1" marR="0" rtl="0" algn="l">
+      <a:lvl2pPr marR="0" lvl="1" algn="l" rtl="0">
         <a:lnSpc>
           <a:spcPct val="100000"/>
         </a:lnSpc>
@@ -8439,7 +8608,7 @@
           <a:srgbClr val="000000"/>
         </a:buClr>
         <a:buFont typeface="Arial"/>
-        <a:defRPr b="0" i="0" sz="1400" u="none" cap="none" strike="noStrike">
+        <a:defRPr sz="1400" b="0" i="0" u="none" strike="noStrike" cap="none">
           <a:solidFill>
             <a:srgbClr val="000000"/>
           </a:solidFill>
@@ -8449,7 +8618,7 @@
           <a:sym typeface="Arial"/>
         </a:defRPr>
       </a:lvl2pPr>
-      <a:lvl3pPr lvl="2" marR="0" rtl="0" algn="l">
+      <a:lvl3pPr marR="0" lvl="2" algn="l" rtl="0">
         <a:lnSpc>
           <a:spcPct val="100000"/>
         </a:lnSpc>
@@ -8463,7 +8632,7 @@
           <a:srgbClr val="000000"/>
         </a:buClr>
         <a:buFont typeface="Arial"/>
-        <a:defRPr b="0" i="0" sz="1400" u="none" cap="none" strike="noStrike">
+        <a:defRPr sz="1400" b="0" i="0" u="none" strike="noStrike" cap="none">
           <a:solidFill>
             <a:srgbClr val="000000"/>
           </a:solidFill>
@@ -8473,7 +8642,7 @@
           <a:sym typeface="Arial"/>
         </a:defRPr>
       </a:lvl3pPr>
-      <a:lvl4pPr lvl="3" marR="0" rtl="0" algn="l">
+      <a:lvl4pPr marR="0" lvl="3" algn="l" rtl="0">
         <a:lnSpc>
           <a:spcPct val="100000"/>
         </a:lnSpc>
@@ -8487,7 +8656,7 @@
           <a:srgbClr val="000000"/>
         </a:buClr>
         <a:buFont typeface="Arial"/>
-        <a:defRPr b="0" i="0" sz="1400" u="none" cap="none" strike="noStrike">
+        <a:defRPr sz="1400" b="0" i="0" u="none" strike="noStrike" cap="none">
           <a:solidFill>
             <a:srgbClr val="000000"/>
           </a:solidFill>
@@ -8497,7 +8666,7 @@
           <a:sym typeface="Arial"/>
         </a:defRPr>
       </a:lvl4pPr>
-      <a:lvl5pPr lvl="4" marR="0" rtl="0" algn="l">
+      <a:lvl5pPr marR="0" lvl="4" algn="l" rtl="0">
         <a:lnSpc>
           <a:spcPct val="100000"/>
         </a:lnSpc>
@@ -8511,7 +8680,7 @@
           <a:srgbClr val="000000"/>
         </a:buClr>
         <a:buFont typeface="Arial"/>
-        <a:defRPr b="0" i="0" sz="1400" u="none" cap="none" strike="noStrike">
+        <a:defRPr sz="1400" b="0" i="0" u="none" strike="noStrike" cap="none">
           <a:solidFill>
             <a:srgbClr val="000000"/>
           </a:solidFill>
@@ -8521,7 +8690,7 @@
           <a:sym typeface="Arial"/>
         </a:defRPr>
       </a:lvl5pPr>
-      <a:lvl6pPr lvl="5" marR="0" rtl="0" algn="l">
+      <a:lvl6pPr marR="0" lvl="5" algn="l" rtl="0">
         <a:lnSpc>
           <a:spcPct val="100000"/>
         </a:lnSpc>
@@ -8535,7 +8704,7 @@
           <a:srgbClr val="000000"/>
         </a:buClr>
         <a:buFont typeface="Arial"/>
-        <a:defRPr b="0" i="0" sz="1400" u="none" cap="none" strike="noStrike">
+        <a:defRPr sz="1400" b="0" i="0" u="none" strike="noStrike" cap="none">
           <a:solidFill>
             <a:srgbClr val="000000"/>
           </a:solidFill>
@@ -8545,7 +8714,7 @@
           <a:sym typeface="Arial"/>
         </a:defRPr>
       </a:lvl6pPr>
-      <a:lvl7pPr lvl="6" marR="0" rtl="0" algn="l">
+      <a:lvl7pPr marR="0" lvl="6" algn="l" rtl="0">
         <a:lnSpc>
           <a:spcPct val="100000"/>
         </a:lnSpc>
@@ -8559,7 +8728,7 @@
           <a:srgbClr val="000000"/>
         </a:buClr>
         <a:buFont typeface="Arial"/>
-        <a:defRPr b="0" i="0" sz="1400" u="none" cap="none" strike="noStrike">
+        <a:defRPr sz="1400" b="0" i="0" u="none" strike="noStrike" cap="none">
           <a:solidFill>
             <a:srgbClr val="000000"/>
           </a:solidFill>
@@ -8569,7 +8738,7 @@
           <a:sym typeface="Arial"/>
         </a:defRPr>
       </a:lvl7pPr>
-      <a:lvl8pPr lvl="7" marR="0" rtl="0" algn="l">
+      <a:lvl8pPr marR="0" lvl="7" algn="l" rtl="0">
         <a:lnSpc>
           <a:spcPct val="100000"/>
         </a:lnSpc>
@@ -8583,7 +8752,7 @@
           <a:srgbClr val="000000"/>
         </a:buClr>
         <a:buFont typeface="Arial"/>
-        <a:defRPr b="0" i="0" sz="1400" u="none" cap="none" strike="noStrike">
+        <a:defRPr sz="1400" b="0" i="0" u="none" strike="noStrike" cap="none">
           <a:solidFill>
             <a:srgbClr val="000000"/>
           </a:solidFill>
@@ -8593,7 +8762,7 @@
           <a:sym typeface="Arial"/>
         </a:defRPr>
       </a:lvl8pPr>
-      <a:lvl9pPr lvl="8" marR="0" rtl="0" algn="l">
+      <a:lvl9pPr marR="0" lvl="8" algn="l" rtl="0">
         <a:lnSpc>
           <a:spcPct val="100000"/>
         </a:lnSpc>
@@ -8607,7 +8776,7 @@
           <a:srgbClr val="000000"/>
         </a:buClr>
         <a:buFont typeface="Arial"/>
-        <a:defRPr b="0" i="0" sz="1400" u="none" cap="none" strike="noStrike">
+        <a:defRPr sz="1400" b="0" i="0" u="none" strike="noStrike" cap="none">
           <a:solidFill>
             <a:srgbClr val="000000"/>
           </a:solidFill>
@@ -8623,18 +8792,19 @@
 </file>
 
 <file path=ppt/slides/slide1.xml><?xml version="1.0" encoding="utf-8"?>
-<p:sld xmlns:a="http://schemas.openxmlformats.org/drawingml/2006/main" xmlns:r="http://schemas.openxmlformats.org/officeDocument/2006/relationships" xmlns:mc="http://schemas.openxmlformats.org/markup-compatibility/2006" xmlns:mv="urn:schemas-microsoft-com:mac:vml" xmlns:p="http://schemas.openxmlformats.org/presentationml/2006/main" xmlns:c="http://schemas.openxmlformats.org/drawingml/2006/chart" xmlns:dgm="http://schemas.openxmlformats.org/drawingml/2006/diagram" xmlns:o="urn:schemas-microsoft-com:office:office" xmlns:v="urn:schemas-microsoft-com:vml" xmlns:pvml="urn:schemas-microsoft-com:office:powerpoint" xmlns:com="http://schemas.openxmlformats.org/drawingml/2006/compatibility" xmlns:p14="http://schemas.microsoft.com/office/powerpoint/2010/main" xmlns:p15="http://schemas.microsoft.com/office/powerpoint/2012/main" xmlns:ahyp="http://schemas.microsoft.com/office/drawing/2018/hyperlinkcolor">
+<p:sld xmlns:a="http://schemas.openxmlformats.org/drawingml/2006/main" xmlns:r="http://schemas.openxmlformats.org/officeDocument/2006/relationships" xmlns:p="http://schemas.openxmlformats.org/presentationml/2006/main">
   <p:cSld>
     <p:bg>
       <p:bgPr>
         <a:solidFill>
           <a:srgbClr val="CFE2F3"/>
         </a:solidFill>
+        <a:effectLst/>
       </p:bgPr>
     </p:bg>
     <p:spTree>
       <p:nvGrpSpPr>
-        <p:cNvPr id="73" name="Shape 73"/>
+        <p:cNvPr id="1" name="Shape 73"/>
         <p:cNvGrpSpPr/>
         <p:nvPr/>
       </p:nvGrpSpPr>
@@ -8649,9 +8819,11 @@
       <p:sp>
         <p:nvSpPr>
           <p:cNvPr id="74" name="Google Shape;74;p16"/>
-          <p:cNvSpPr txBox="1"/>
+          <p:cNvSpPr txBox="1">
+            <a:spLocks noGrp="1"/>
+          </p:cNvSpPr>
           <p:nvPr>
-            <p:ph idx="1" type="subTitle"/>
+            <p:ph type="subTitle" idx="1"/>
           </p:nvPr>
         </p:nvSpPr>
         <p:spPr>
@@ -8668,12 +8840,12 @@
           </a:ln>
         </p:spPr>
         <p:txBody>
-          <a:bodyPr anchorCtr="0" anchor="ctr" bIns="34275" lIns="68575" spcFirstLastPara="1" rIns="68575" wrap="square" tIns="34275">
+          <a:bodyPr spcFirstLastPara="1" wrap="square" lIns="68575" tIns="34275" rIns="68575" bIns="34275" anchor="ctr" anchorCtr="0">
             <a:normAutofit/>
           </a:bodyPr>
           <a:lstStyle/>
           <a:p>
-            <a:pPr indent="0" lvl="0" marL="0" rtl="0" algn="ctr">
+            <a:pPr marL="0" lvl="0" indent="0" algn="ctr" rtl="0">
               <a:lnSpc>
                 <a:spcPct val="90000"/>
               </a:lnSpc>
@@ -8690,7 +8862,7 @@
               <a:buNone/>
             </a:pPr>
             <a:r>
-              <a:rPr b="1" lang="en-GB" sz="1700">
+              <a:rPr lang="en-GB" sz="1700" b="1">
                 <a:solidFill>
                   <a:srgbClr val="003E78"/>
                 </a:solidFill>
@@ -8699,9 +8871,21 @@
                 <a:cs typeface="Times New Roman"/>
                 <a:sym typeface="Times New Roman"/>
               </a:rPr>
-              <a:t>WEB WEB SCRAPING TO GAIN COMPANY INSIGHTS</a:t>
+              <a:t>WEB </a:t>
             </a:r>
-            <a:endParaRPr b="1" sz="1700">
+            <a:r>
+              <a:rPr lang="en-GB" sz="1700" b="1" dirty="0">
+                <a:solidFill>
+                  <a:srgbClr val="003E78"/>
+                </a:solidFill>
+                <a:latin typeface="Times New Roman"/>
+                <a:ea typeface="Times New Roman"/>
+                <a:cs typeface="Times New Roman"/>
+                <a:sym typeface="Times New Roman"/>
+              </a:rPr>
+              <a:t>SCRAPING TO GAIN COMPANY INSIGHTS</a:t>
+            </a:r>
+            <a:endParaRPr sz="1700" b="1" dirty="0">
               <a:solidFill>
                 <a:srgbClr val="003E78"/>
               </a:solidFill>
@@ -8723,7 +8907,7 @@
           <a:blip r:embed="rId3">
             <a:alphaModFix/>
           </a:blip>
-          <a:srcRect b="33295" l="0" r="0" t="35989"/>
+          <a:srcRect t="35989" b="33295"/>
           <a:stretch/>
         </p:blipFill>
         <p:spPr>
@@ -8760,12 +8944,12 @@
           </a:ln>
         </p:spPr>
         <p:txBody>
-          <a:bodyPr anchorCtr="0" anchor="t" bIns="91425" lIns="91425" spcFirstLastPara="1" rIns="91425" wrap="square" tIns="91425">
+          <a:bodyPr spcFirstLastPara="1" wrap="square" lIns="91425" tIns="91425" rIns="91425" bIns="91425" anchor="t" anchorCtr="0">
             <a:noAutofit/>
           </a:bodyPr>
           <a:lstStyle/>
           <a:p>
-            <a:pPr indent="0" lvl="0" marL="0" rtl="0" algn="l">
+            <a:pPr marL="0" lvl="0" indent="0" algn="l" rtl="0">
               <a:spcBef>
                 <a:spcPts val="0"/>
               </a:spcBef>
@@ -8775,7 +8959,7 @@
               <a:buNone/>
             </a:pPr>
             <a:r>
-              <a:rPr b="1" lang="en-GB">
+              <a:rPr lang="en-GB" b="1">
                 <a:solidFill>
                   <a:srgbClr val="316196"/>
                 </a:solidFill>
@@ -8807,18 +8991,19 @@
 </file>
 
 <file path=ppt/slides/slide2.xml><?xml version="1.0" encoding="utf-8"?>
-<p:sld xmlns:a="http://schemas.openxmlformats.org/drawingml/2006/main" xmlns:r="http://schemas.openxmlformats.org/officeDocument/2006/relationships" xmlns:mc="http://schemas.openxmlformats.org/markup-compatibility/2006" xmlns:mv="urn:schemas-microsoft-com:mac:vml" xmlns:p="http://schemas.openxmlformats.org/presentationml/2006/main" xmlns:c="http://schemas.openxmlformats.org/drawingml/2006/chart" xmlns:dgm="http://schemas.openxmlformats.org/drawingml/2006/diagram" xmlns:o="urn:schemas-microsoft-com:office:office" xmlns:v="urn:schemas-microsoft-com:vml" xmlns:pvml="urn:schemas-microsoft-com:office:powerpoint" xmlns:com="http://schemas.openxmlformats.org/drawingml/2006/compatibility" xmlns:p14="http://schemas.microsoft.com/office/powerpoint/2010/main" xmlns:p15="http://schemas.microsoft.com/office/powerpoint/2012/main" xmlns:ahyp="http://schemas.microsoft.com/office/drawing/2018/hyperlinkcolor">
+<p:sld xmlns:a="http://schemas.openxmlformats.org/drawingml/2006/main" xmlns:r="http://schemas.openxmlformats.org/officeDocument/2006/relationships" xmlns:p="http://schemas.openxmlformats.org/presentationml/2006/main">
   <p:cSld>
     <p:bg>
       <p:bgPr>
         <a:solidFill>
           <a:schemeClr val="lt1"/>
         </a:solidFill>
+        <a:effectLst/>
       </p:bgPr>
     </p:bg>
     <p:spTree>
       <p:nvGrpSpPr>
-        <p:cNvPr id="80" name="Shape 80"/>
+        <p:cNvPr id="1" name="Shape 80"/>
         <p:cNvGrpSpPr/>
         <p:nvPr/>
       </p:nvGrpSpPr>
@@ -8833,9 +9018,11 @@
       <p:sp>
         <p:nvSpPr>
           <p:cNvPr id="81" name="Google Shape;81;p17"/>
-          <p:cNvSpPr txBox="1"/>
+          <p:cNvSpPr txBox="1">
+            <a:spLocks noGrp="1"/>
+          </p:cNvSpPr>
           <p:nvPr>
-            <p:ph idx="1" type="body"/>
+            <p:ph type="body" idx="1"/>
           </p:nvPr>
         </p:nvSpPr>
         <p:spPr>
@@ -8852,12 +9039,12 @@
           </a:ln>
         </p:spPr>
         <p:txBody>
-          <a:bodyPr anchorCtr="0" anchor="t" bIns="34275" lIns="68575" spcFirstLastPara="1" rIns="68575" wrap="square" tIns="34275">
+          <a:bodyPr spcFirstLastPara="1" wrap="square" lIns="68575" tIns="34275" rIns="68575" bIns="34275" anchor="t" anchorCtr="0">
             <a:normAutofit/>
           </a:bodyPr>
           <a:lstStyle/>
           <a:p>
-            <a:pPr indent="-38100" lvl="0" marL="177800" rtl="0" algn="l">
+            <a:pPr marL="177800" lvl="0" indent="-38100" algn="l" rtl="0">
               <a:lnSpc>
                 <a:spcPct val="90000"/>
               </a:lnSpc>
@@ -8896,7 +9083,7 @@
             </a:endParaRPr>
           </a:p>
           <a:p>
-            <a:pPr indent="-38100" lvl="0" marL="177800" rtl="0" algn="l">
+            <a:pPr marL="177800" lvl="0" indent="-38100" algn="l" rtl="0">
               <a:spcBef>
                 <a:spcPts val="1200"/>
               </a:spcBef>
@@ -8919,19 +9106,7 @@
                 <a:cs typeface="Times New Roman"/>
                 <a:sym typeface="Times New Roman"/>
               </a:rPr>
-              <a:t>Negati</a:t>
-            </a:r>
-            <a:r>
-              <a:rPr lang="en-GB" sz="1600">
-                <a:solidFill>
-                  <a:srgbClr val="316196"/>
-                </a:solidFill>
-                <a:latin typeface="Times New Roman"/>
-                <a:ea typeface="Times New Roman"/>
-                <a:cs typeface="Times New Roman"/>
-                <a:sym typeface="Times New Roman"/>
-              </a:rPr>
-              <a:t>ve Reviews 419</a:t>
+              <a:t>Negative Reviews 419</a:t>
             </a:r>
             <a:endParaRPr sz="1600">
               <a:solidFill>
@@ -8944,7 +9119,7 @@
             </a:endParaRPr>
           </a:p>
           <a:p>
-            <a:pPr indent="-38100" lvl="0" marL="177800" rtl="0" algn="l">
+            <a:pPr marL="177800" lvl="0" indent="-38100" algn="l" rtl="0">
               <a:spcBef>
                 <a:spcPts val="1200"/>
               </a:spcBef>
@@ -8980,7 +9155,7 @@
             </a:endParaRPr>
           </a:p>
           <a:p>
-            <a:pPr indent="0" lvl="0" marL="0" rtl="0" algn="l">
+            <a:pPr marL="0" lvl="0" indent="0" algn="l" rtl="0">
               <a:spcBef>
                 <a:spcPts val="1200"/>
               </a:spcBef>
@@ -8993,9 +9168,6 @@
               <a:buSzPts val="2100"/>
               <a:buNone/>
             </a:pPr>
-            <a:r>
-              <a:t/>
-            </a:r>
             <a:endParaRPr sz="1600">
               <a:solidFill>
                 <a:srgbClr val="316196"/>
@@ -9007,7 +9179,7 @@
             </a:endParaRPr>
           </a:p>
           <a:p>
-            <a:pPr indent="0" lvl="0" marL="0" rtl="0" algn="l">
+            <a:pPr marL="0" lvl="0" indent="0" algn="l" rtl="0">
               <a:spcBef>
                 <a:spcPts val="1200"/>
               </a:spcBef>
@@ -9020,9 +9192,6 @@
               <a:buSzPts val="2100"/>
               <a:buNone/>
             </a:pPr>
-            <a:r>
-              <a:t/>
-            </a:r>
             <a:endParaRPr sz="1600">
               <a:solidFill>
                 <a:srgbClr val="316196"/>
@@ -9038,9 +9207,11 @@
       <p:sp>
         <p:nvSpPr>
           <p:cNvPr id="82" name="Google Shape;82;p17"/>
-          <p:cNvSpPr txBox="1"/>
+          <p:cNvSpPr txBox="1">
+            <a:spLocks noGrp="1"/>
+          </p:cNvSpPr>
           <p:nvPr>
-            <p:ph idx="4294967295" type="subTitle"/>
+            <p:ph type="subTitle" idx="4294967295"/>
           </p:nvPr>
         </p:nvSpPr>
         <p:spPr>
@@ -9057,12 +9228,12 @@
           </a:ln>
         </p:spPr>
         <p:txBody>
-          <a:bodyPr anchorCtr="0" anchor="ctr" bIns="34275" lIns="68575" spcFirstLastPara="1" rIns="68575" wrap="square" tIns="34275">
+          <a:bodyPr spcFirstLastPara="1" wrap="square" lIns="68575" tIns="34275" rIns="68575" bIns="34275" anchor="ctr" anchorCtr="0">
             <a:normAutofit/>
           </a:bodyPr>
           <a:lstStyle/>
           <a:p>
-            <a:pPr indent="0" lvl="0" marL="0" rtl="0" algn="l">
+            <a:pPr marL="0" lvl="0" indent="0" algn="l" rtl="0">
               <a:lnSpc>
                 <a:spcPct val="90000"/>
               </a:lnSpc>
@@ -9079,7 +9250,7 @@
               <a:buNone/>
             </a:pPr>
             <a:r>
-              <a:rPr b="1" lang="en-GB" sz="2000">
+              <a:rPr lang="en-GB" sz="2000" b="1">
                 <a:solidFill>
                   <a:srgbClr val="003E78"/>
                 </a:solidFill>
@@ -9090,7 +9261,7 @@
               </a:rPr>
               <a:t>CUSTOMER REVIEWS INSIGHTS</a:t>
             </a:r>
-            <a:endParaRPr b="1" sz="2000">
+            <a:endParaRPr sz="2000" b="1">
               <a:solidFill>
                 <a:srgbClr val="003E78"/>
               </a:solidFill>
@@ -9105,9 +9276,11 @@
       <p:sp>
         <p:nvSpPr>
           <p:cNvPr id="83" name="Google Shape;83;p17"/>
-          <p:cNvSpPr txBox="1"/>
+          <p:cNvSpPr txBox="1">
+            <a:spLocks noGrp="1"/>
+          </p:cNvSpPr>
           <p:nvPr>
-            <p:ph idx="2" type="body"/>
+            <p:ph type="body" idx="2"/>
           </p:nvPr>
         </p:nvSpPr>
         <p:spPr>
@@ -9120,12 +9293,12 @@
           </a:prstGeom>
         </p:spPr>
         <p:txBody>
-          <a:bodyPr anchorCtr="0" anchor="t" bIns="91425" lIns="91425" spcFirstLastPara="1" rIns="91425" wrap="square" tIns="91425">
+          <a:bodyPr spcFirstLastPara="1" wrap="square" lIns="91425" tIns="91425" rIns="91425" bIns="91425" anchor="t" anchorCtr="0">
             <a:noAutofit/>
           </a:bodyPr>
           <a:lstStyle/>
           <a:p>
-            <a:pPr indent="0" lvl="0" marL="0" rtl="0" algn="l">
+            <a:pPr marL="0" lvl="0" indent="0" algn="l" rtl="0">
               <a:lnSpc>
                 <a:spcPct val="90000"/>
               </a:lnSpc>
@@ -9143,7 +9316,7 @@
               <a:buNone/>
             </a:pPr>
             <a:r>
-              <a:rPr b="1" lang="en-GB" sz="1600">
+              <a:rPr lang="en-GB" sz="1600" b="1">
                 <a:solidFill>
                   <a:srgbClr val="316196"/>
                 </a:solidFill>
@@ -9155,7 +9328,7 @@
               <a:t>Key insights from the 1000 customer reviews from </a:t>
             </a:r>
             <a:r>
-              <a:rPr b="1" lang="en-GB" sz="1600" u="sng">
+              <a:rPr lang="en-GB" sz="1600" b="1" u="sng">
                 <a:solidFill>
                   <a:srgbClr val="316196"/>
                 </a:solidFill>
@@ -9166,7 +9339,7 @@
                 <a:hlinkClick r:id="rId3">
                   <a:extLst>
                     <a:ext uri="{A12FA001-AC4F-418D-AE19-62706E023703}">
-                      <ahyp:hlinkClr val="tx"/>
+                      <ahyp:hlinkClr xmlns:ahyp="http://schemas.microsoft.com/office/drawing/2018/hyperlinkcolor" val="tx"/>
                     </a:ext>
                   </a:extLst>
                 </a:hlinkClick>
@@ -9174,7 +9347,7 @@
               <a:t>Skytrax</a:t>
             </a:r>
             <a:r>
-              <a:rPr b="1" lang="en-GB" sz="1600">
+              <a:rPr lang="en-GB" sz="1600" b="1">
                 <a:solidFill>
                   <a:srgbClr val="316196"/>
                 </a:solidFill>
@@ -9197,9 +9370,11 @@
       <p:sp>
         <p:nvSpPr>
           <p:cNvPr id="84" name="Google Shape;84;p17"/>
-          <p:cNvSpPr txBox="1"/>
+          <p:cNvSpPr txBox="1">
+            <a:spLocks noGrp="1"/>
+          </p:cNvSpPr>
           <p:nvPr>
-            <p:ph idx="1" type="body"/>
+            <p:ph type="body" idx="1"/>
           </p:nvPr>
         </p:nvSpPr>
         <p:spPr>
@@ -9216,12 +9391,12 @@
           </a:ln>
         </p:spPr>
         <p:txBody>
-          <a:bodyPr anchorCtr="0" anchor="t" bIns="34275" lIns="68575" spcFirstLastPara="1" rIns="68575" wrap="square" tIns="34275">
+          <a:bodyPr spcFirstLastPara="1" wrap="square" lIns="68575" tIns="34275" rIns="68575" bIns="34275" anchor="t" anchorCtr="0">
             <a:normAutofit/>
           </a:bodyPr>
           <a:lstStyle/>
           <a:p>
-            <a:pPr indent="-38100" lvl="0" marL="177800" rtl="0" algn="l">
+            <a:pPr marL="177800" lvl="0" indent="-38100" algn="l" rtl="0">
               <a:lnSpc>
                 <a:spcPct val="90000"/>
               </a:lnSpc>
@@ -9260,7 +9435,7 @@
             </a:endParaRPr>
           </a:p>
           <a:p>
-            <a:pPr indent="0" lvl="0" marL="0" rtl="0" algn="l">
+            <a:pPr marL="0" lvl="0" indent="0" algn="l" rtl="0">
               <a:spcBef>
                 <a:spcPts val="1200"/>
               </a:spcBef>
@@ -9273,9 +9448,6 @@
               <a:buSzPts val="2100"/>
               <a:buNone/>
             </a:pPr>
-            <a:r>
-              <a:t/>
-            </a:r>
             <a:endParaRPr sz="1600">
               <a:solidFill>
                 <a:srgbClr val="316196"/>
@@ -9287,7 +9459,7 @@
             </a:endParaRPr>
           </a:p>
           <a:p>
-            <a:pPr indent="0" lvl="0" marL="0" rtl="0" algn="l">
+            <a:pPr marL="0" lvl="0" indent="0" algn="l" rtl="0">
               <a:spcBef>
                 <a:spcPts val="1200"/>
               </a:spcBef>
@@ -9300,9 +9472,6 @@
               <a:buSzPts val="2100"/>
               <a:buNone/>
             </a:pPr>
-            <a:r>
-              <a:t/>
-            </a:r>
             <a:endParaRPr sz="1600">
               <a:solidFill>
                 <a:srgbClr val="316196"/>
@@ -9380,7 +9549,288 @@
 </file>
 
 <file path=ppt/theme/theme1.xml><?xml version="1.0" encoding="utf-8"?>
-<a:theme xmlns:a="http://schemas.openxmlformats.org/drawingml/2006/main" xmlns:r="http://schemas.openxmlformats.org/officeDocument/2006/relationships">
+<a:theme xmlns:a="http://schemas.openxmlformats.org/drawingml/2006/main" name="Beach Day">
+  <a:themeElements>
+    <a:clrScheme name="Beach Day">
+      <a:dk1>
+        <a:srgbClr val="00FDC8"/>
+      </a:dk1>
+      <a:lt1>
+        <a:srgbClr val="FFFFFF"/>
+      </a:lt1>
+      <a:dk2>
+        <a:srgbClr val="666666"/>
+      </a:dk2>
+      <a:lt2>
+        <a:srgbClr val="EEEEEE"/>
+      </a:lt2>
+      <a:accent1>
+        <a:srgbClr val="212121"/>
+      </a:accent1>
+      <a:accent2>
+        <a:srgbClr val="455A64"/>
+      </a:accent2>
+      <a:accent3>
+        <a:srgbClr val="78909C"/>
+      </a:accent3>
+      <a:accent4>
+        <a:srgbClr val="7C7CE0"/>
+      </a:accent4>
+      <a:accent5>
+        <a:srgbClr val="DB4437"/>
+      </a:accent5>
+      <a:accent6>
+        <a:srgbClr val="F6CD4C"/>
+      </a:accent6>
+      <a:hlink>
+        <a:srgbClr val="DB4437"/>
+      </a:hlink>
+      <a:folHlink>
+        <a:srgbClr val="DB4437"/>
+      </a:folHlink>
+    </a:clrScheme>
+    <a:fontScheme name="Office">
+      <a:majorFont>
+        <a:latin typeface="Arial"/>
+        <a:ea typeface=""/>
+        <a:cs typeface=""/>
+        <a:font script="Jpan" typeface="ＭＳ Ｐゴシック"/>
+        <a:font script="Hang" typeface="맑은 고딕"/>
+        <a:font script="Hans" typeface="宋体"/>
+        <a:font script="Hant" typeface="新細明體"/>
+        <a:font script="Arab" typeface="Times New Roman"/>
+        <a:font script="Hebr" typeface="Times New Roman"/>
+        <a:font script="Thai" typeface="Angsana New"/>
+        <a:font script="Ethi" typeface="Nyala"/>
+        <a:font script="Beng" typeface="Vrinda"/>
+        <a:font script="Gujr" typeface="Shruti"/>
+        <a:font script="Khmr" typeface="MoolBoran"/>
+        <a:font script="Knda" typeface="Tunga"/>
+        <a:font script="Guru" typeface="Raavi"/>
+        <a:font script="Cans" typeface="Euphemia"/>
+        <a:font script="Cher" typeface="Plantagenet Cherokee"/>
+        <a:font script="Yiii" typeface="Microsoft Yi Baiti"/>
+        <a:font script="Tibt" typeface="Microsoft Himalaya"/>
+        <a:font script="Thaa" typeface="MV Boli"/>
+        <a:font script="Deva" typeface="Mangal"/>
+        <a:font script="Telu" typeface="Gautami"/>
+        <a:font script="Taml" typeface="Latha"/>
+        <a:font script="Syrc" typeface="Estrangelo Edessa"/>
+        <a:font script="Orya" typeface="Kalinga"/>
+        <a:font script="Mlym" typeface="Kartika"/>
+        <a:font script="Laoo" typeface="DokChampa"/>
+        <a:font script="Sinh" typeface="Iskoola Pota"/>
+        <a:font script="Mong" typeface="Mongolian Baiti"/>
+        <a:font script="Viet" typeface="Times New Roman"/>
+        <a:font script="Uigh" typeface="Microsoft Uighur"/>
+        <a:font script="Geor" typeface="Sylfaen"/>
+      </a:majorFont>
+      <a:minorFont>
+        <a:latin typeface="Arial"/>
+        <a:ea typeface=""/>
+        <a:cs typeface=""/>
+        <a:font script="Jpan" typeface="ＭＳ Ｐゴシック"/>
+        <a:font script="Hang" typeface="맑은 고딕"/>
+        <a:font script="Hans" typeface="宋体"/>
+        <a:font script="Hant" typeface="新細明體"/>
+        <a:font script="Arab" typeface="Arial"/>
+        <a:font script="Hebr" typeface="Arial"/>
+        <a:font script="Thai" typeface="Cordia New"/>
+        <a:font script="Ethi" typeface="Nyala"/>
+        <a:font script="Beng" typeface="Vrinda"/>
+        <a:font script="Gujr" typeface="Shruti"/>
+        <a:font script="Khmr" typeface="DaunPenh"/>
+        <a:font script="Knda" typeface="Tunga"/>
+        <a:font script="Guru" typeface="Raavi"/>
+        <a:font script="Cans" typeface="Euphemia"/>
+        <a:font script="Cher" typeface="Plantagenet Cherokee"/>
+        <a:font script="Yiii" typeface="Microsoft Yi Baiti"/>
+        <a:font script="Tibt" typeface="Microsoft Himalaya"/>
+        <a:font script="Thaa" typeface="MV Boli"/>
+        <a:font script="Deva" typeface="Mangal"/>
+        <a:font script="Telu" typeface="Gautami"/>
+        <a:font script="Taml" typeface="Latha"/>
+        <a:font script="Syrc" typeface="Estrangelo Edessa"/>
+        <a:font script="Orya" typeface="Kalinga"/>
+        <a:font script="Mlym" typeface="Kartika"/>
+        <a:font script="Laoo" typeface="DokChampa"/>
+        <a:font script="Sinh" typeface="Iskoola Pota"/>
+        <a:font script="Mong" typeface="Mongolian Baiti"/>
+        <a:font script="Viet" typeface="Arial"/>
+        <a:font script="Uigh" typeface="Microsoft Uighur"/>
+        <a:font script="Geor" typeface="Sylfaen"/>
+      </a:minorFont>
+    </a:fontScheme>
+    <a:fmtScheme name="Office">
+      <a:fillStyleLst>
+        <a:solidFill>
+          <a:schemeClr val="phClr"/>
+        </a:solidFill>
+        <a:gradFill rotWithShape="1">
+          <a:gsLst>
+            <a:gs pos="0">
+              <a:schemeClr val="phClr">
+                <a:tint val="50000"/>
+                <a:satMod val="300000"/>
+              </a:schemeClr>
+            </a:gs>
+            <a:gs pos="35000">
+              <a:schemeClr val="phClr">
+                <a:tint val="37000"/>
+                <a:satMod val="300000"/>
+              </a:schemeClr>
+            </a:gs>
+            <a:gs pos="100000">
+              <a:schemeClr val="phClr">
+                <a:tint val="15000"/>
+                <a:satMod val="350000"/>
+              </a:schemeClr>
+            </a:gs>
+          </a:gsLst>
+          <a:lin ang="16200000" scaled="1"/>
+        </a:gradFill>
+        <a:gradFill rotWithShape="1">
+          <a:gsLst>
+            <a:gs pos="0">
+              <a:schemeClr val="phClr">
+                <a:tint val="100000"/>
+                <a:shade val="100000"/>
+                <a:satMod val="130000"/>
+              </a:schemeClr>
+            </a:gs>
+            <a:gs pos="100000">
+              <a:schemeClr val="phClr">
+                <a:tint val="50000"/>
+                <a:shade val="100000"/>
+                <a:satMod val="350000"/>
+              </a:schemeClr>
+            </a:gs>
+          </a:gsLst>
+          <a:lin ang="16200000" scaled="0"/>
+        </a:gradFill>
+      </a:fillStyleLst>
+      <a:lnStyleLst>
+        <a:ln w="9525" cap="flat" cmpd="sng" algn="ctr">
+          <a:solidFill>
+            <a:schemeClr val="phClr">
+              <a:shade val="95000"/>
+              <a:satMod val="105000"/>
+            </a:schemeClr>
+          </a:solidFill>
+          <a:prstDash val="solid"/>
+        </a:ln>
+        <a:ln w="25400" cap="flat" cmpd="sng" algn="ctr">
+          <a:solidFill>
+            <a:schemeClr val="phClr"/>
+          </a:solidFill>
+          <a:prstDash val="solid"/>
+        </a:ln>
+        <a:ln w="38100" cap="flat" cmpd="sng" algn="ctr">
+          <a:solidFill>
+            <a:schemeClr val="phClr"/>
+          </a:solidFill>
+          <a:prstDash val="solid"/>
+        </a:ln>
+      </a:lnStyleLst>
+      <a:effectStyleLst>
+        <a:effectStyle>
+          <a:effectLst>
+            <a:outerShdw blurRad="40000" dist="20000" dir="5400000" rotWithShape="0">
+              <a:srgbClr val="000000">
+                <a:alpha val="38000"/>
+              </a:srgbClr>
+            </a:outerShdw>
+          </a:effectLst>
+        </a:effectStyle>
+        <a:effectStyle>
+          <a:effectLst>
+            <a:outerShdw blurRad="40000" dist="23000" dir="5400000" rotWithShape="0">
+              <a:srgbClr val="000000">
+                <a:alpha val="35000"/>
+              </a:srgbClr>
+            </a:outerShdw>
+          </a:effectLst>
+        </a:effectStyle>
+        <a:effectStyle>
+          <a:effectLst>
+            <a:outerShdw blurRad="40000" dist="23000" dir="5400000" rotWithShape="0">
+              <a:srgbClr val="000000">
+                <a:alpha val="35000"/>
+              </a:srgbClr>
+            </a:outerShdw>
+          </a:effectLst>
+          <a:scene3d>
+            <a:camera prst="orthographicFront">
+              <a:rot lat="0" lon="0" rev="0"/>
+            </a:camera>
+            <a:lightRig rig="threePt" dir="t">
+              <a:rot lat="0" lon="0" rev="1200000"/>
+            </a:lightRig>
+          </a:scene3d>
+          <a:sp3d>
+            <a:bevelT w="63500" h="25400"/>
+          </a:sp3d>
+        </a:effectStyle>
+      </a:effectStyleLst>
+      <a:bgFillStyleLst>
+        <a:solidFill>
+          <a:schemeClr val="phClr"/>
+        </a:solidFill>
+        <a:gradFill rotWithShape="1">
+          <a:gsLst>
+            <a:gs pos="0">
+              <a:schemeClr val="phClr">
+                <a:tint val="40000"/>
+                <a:satMod val="350000"/>
+              </a:schemeClr>
+            </a:gs>
+            <a:gs pos="40000">
+              <a:schemeClr val="phClr">
+                <a:tint val="45000"/>
+                <a:shade val="99000"/>
+                <a:satMod val="350000"/>
+              </a:schemeClr>
+            </a:gs>
+            <a:gs pos="100000">
+              <a:schemeClr val="phClr">
+                <a:shade val="20000"/>
+                <a:satMod val="255000"/>
+              </a:schemeClr>
+            </a:gs>
+          </a:gsLst>
+          <a:path path="circle">
+            <a:fillToRect l="50000" t="-80000" r="50000" b="180000"/>
+          </a:path>
+        </a:gradFill>
+        <a:gradFill rotWithShape="1">
+          <a:gsLst>
+            <a:gs pos="0">
+              <a:schemeClr val="phClr">
+                <a:tint val="80000"/>
+                <a:satMod val="300000"/>
+              </a:schemeClr>
+            </a:gs>
+            <a:gs pos="100000">
+              <a:schemeClr val="phClr">
+                <a:shade val="30000"/>
+                <a:satMod val="200000"/>
+              </a:schemeClr>
+            </a:gs>
+          </a:gsLst>
+          <a:path path="circle">
+            <a:fillToRect l="50000" t="50000" r="50000" b="50000"/>
+          </a:path>
+        </a:gradFill>
+      </a:bgFillStyleLst>
+    </a:fmtScheme>
+  </a:themeElements>
+  <a:objectDefaults/>
+  <a:extraClrSchemeLst/>
+</a:theme>
+</file>
+
+<file path=ppt/theme/theme2.xml><?xml version="1.0" encoding="utf-8"?>
+<a:theme xmlns:a="http://schemas.openxmlformats.org/drawingml/2006/main">
   <a:themeElements>
     <a:clrScheme name="Default">
       <a:dk1>
@@ -9655,284 +10105,7 @@
       </a:bgFillStyleLst>
     </a:fmtScheme>
   </a:themeElements>
-</a:theme>
-</file>
-
-<file path=ppt/theme/theme2.xml><?xml version="1.0" encoding="utf-8"?>
-<a:theme xmlns:a="http://schemas.openxmlformats.org/drawingml/2006/main" xmlns:r="http://schemas.openxmlformats.org/officeDocument/2006/relationships" name="Beach Day">
-  <a:themeElements>
-    <a:clrScheme name="Beach Day">
-      <a:dk1>
-        <a:srgbClr val="00FDC8"/>
-      </a:dk1>
-      <a:lt1>
-        <a:srgbClr val="FFFFFF"/>
-      </a:lt1>
-      <a:dk2>
-        <a:srgbClr val="666666"/>
-      </a:dk2>
-      <a:lt2>
-        <a:srgbClr val="EEEEEE"/>
-      </a:lt2>
-      <a:accent1>
-        <a:srgbClr val="212121"/>
-      </a:accent1>
-      <a:accent2>
-        <a:srgbClr val="455A64"/>
-      </a:accent2>
-      <a:accent3>
-        <a:srgbClr val="78909C"/>
-      </a:accent3>
-      <a:accent4>
-        <a:srgbClr val="7C7CE0"/>
-      </a:accent4>
-      <a:accent5>
-        <a:srgbClr val="DB4437"/>
-      </a:accent5>
-      <a:accent6>
-        <a:srgbClr val="F6CD4C"/>
-      </a:accent6>
-      <a:hlink>
-        <a:srgbClr val="DB4437"/>
-      </a:hlink>
-      <a:folHlink>
-        <a:srgbClr val="DB4437"/>
-      </a:folHlink>
-    </a:clrScheme>
-    <a:fontScheme name="Office">
-      <a:majorFont>
-        <a:latin typeface="Arial"/>
-        <a:ea typeface=""/>
-        <a:cs typeface=""/>
-        <a:font script="Jpan" typeface="ＭＳ Ｐゴシック"/>
-        <a:font script="Hang" typeface="맑은 고딕"/>
-        <a:font script="Hans" typeface="宋体"/>
-        <a:font script="Hant" typeface="新細明體"/>
-        <a:font script="Arab" typeface="Times New Roman"/>
-        <a:font script="Hebr" typeface="Times New Roman"/>
-        <a:font script="Thai" typeface="Angsana New"/>
-        <a:font script="Ethi" typeface="Nyala"/>
-        <a:font script="Beng" typeface="Vrinda"/>
-        <a:font script="Gujr" typeface="Shruti"/>
-        <a:font script="Khmr" typeface="MoolBoran"/>
-        <a:font script="Knda" typeface="Tunga"/>
-        <a:font script="Guru" typeface="Raavi"/>
-        <a:font script="Cans" typeface="Euphemia"/>
-        <a:font script="Cher" typeface="Plantagenet Cherokee"/>
-        <a:font script="Yiii" typeface="Microsoft Yi Baiti"/>
-        <a:font script="Tibt" typeface="Microsoft Himalaya"/>
-        <a:font script="Thaa" typeface="MV Boli"/>
-        <a:font script="Deva" typeface="Mangal"/>
-        <a:font script="Telu" typeface="Gautami"/>
-        <a:font script="Taml" typeface="Latha"/>
-        <a:font script="Syrc" typeface="Estrangelo Edessa"/>
-        <a:font script="Orya" typeface="Kalinga"/>
-        <a:font script="Mlym" typeface="Kartika"/>
-        <a:font script="Laoo" typeface="DokChampa"/>
-        <a:font script="Sinh" typeface="Iskoola Pota"/>
-        <a:font script="Mong" typeface="Mongolian Baiti"/>
-        <a:font script="Viet" typeface="Times New Roman"/>
-        <a:font script="Uigh" typeface="Microsoft Uighur"/>
-        <a:font script="Geor" typeface="Sylfaen"/>
-      </a:majorFont>
-      <a:minorFont>
-        <a:latin typeface="Arial"/>
-        <a:ea typeface=""/>
-        <a:cs typeface=""/>
-        <a:font script="Jpan" typeface="ＭＳ Ｐゴシック"/>
-        <a:font script="Hang" typeface="맑은 고딕"/>
-        <a:font script="Hans" typeface="宋体"/>
-        <a:font script="Hant" typeface="新細明體"/>
-        <a:font script="Arab" typeface="Arial"/>
-        <a:font script="Hebr" typeface="Arial"/>
-        <a:font script="Thai" typeface="Cordia New"/>
-        <a:font script="Ethi" typeface="Nyala"/>
-        <a:font script="Beng" typeface="Vrinda"/>
-        <a:font script="Gujr" typeface="Shruti"/>
-        <a:font script="Khmr" typeface="DaunPenh"/>
-        <a:font script="Knda" typeface="Tunga"/>
-        <a:font script="Guru" typeface="Raavi"/>
-        <a:font script="Cans" typeface="Euphemia"/>
-        <a:font script="Cher" typeface="Plantagenet Cherokee"/>
-        <a:font script="Yiii" typeface="Microsoft Yi Baiti"/>
-        <a:font script="Tibt" typeface="Microsoft Himalaya"/>
-        <a:font script="Thaa" typeface="MV Boli"/>
-        <a:font script="Deva" typeface="Mangal"/>
-        <a:font script="Telu" typeface="Gautami"/>
-        <a:font script="Taml" typeface="Latha"/>
-        <a:font script="Syrc" typeface="Estrangelo Edessa"/>
-        <a:font script="Orya" typeface="Kalinga"/>
-        <a:font script="Mlym" typeface="Kartika"/>
-        <a:font script="Laoo" typeface="DokChampa"/>
-        <a:font script="Sinh" typeface="Iskoola Pota"/>
-        <a:font script="Mong" typeface="Mongolian Baiti"/>
-        <a:font script="Viet" typeface="Arial"/>
-        <a:font script="Uigh" typeface="Microsoft Uighur"/>
-        <a:font script="Geor" typeface="Sylfaen"/>
-      </a:minorFont>
-    </a:fontScheme>
-    <a:fmtScheme name="Office">
-      <a:fillStyleLst>
-        <a:solidFill>
-          <a:schemeClr val="phClr"/>
-        </a:solidFill>
-        <a:gradFill rotWithShape="1">
-          <a:gsLst>
-            <a:gs pos="0">
-              <a:schemeClr val="phClr">
-                <a:tint val="50000"/>
-                <a:satMod val="300000"/>
-              </a:schemeClr>
-            </a:gs>
-            <a:gs pos="35000">
-              <a:schemeClr val="phClr">
-                <a:tint val="37000"/>
-                <a:satMod val="300000"/>
-              </a:schemeClr>
-            </a:gs>
-            <a:gs pos="100000">
-              <a:schemeClr val="phClr">
-                <a:tint val="15000"/>
-                <a:satMod val="350000"/>
-              </a:schemeClr>
-            </a:gs>
-          </a:gsLst>
-          <a:lin ang="16200000" scaled="1"/>
-        </a:gradFill>
-        <a:gradFill rotWithShape="1">
-          <a:gsLst>
-            <a:gs pos="0">
-              <a:schemeClr val="phClr">
-                <a:tint val="100000"/>
-                <a:shade val="100000"/>
-                <a:satMod val="130000"/>
-              </a:schemeClr>
-            </a:gs>
-            <a:gs pos="100000">
-              <a:schemeClr val="phClr">
-                <a:tint val="50000"/>
-                <a:shade val="100000"/>
-                <a:satMod val="350000"/>
-              </a:schemeClr>
-            </a:gs>
-          </a:gsLst>
-          <a:lin ang="16200000" scaled="0"/>
-        </a:gradFill>
-      </a:fillStyleLst>
-      <a:lnStyleLst>
-        <a:ln w="9525" cap="flat" cmpd="sng" algn="ctr">
-          <a:solidFill>
-            <a:schemeClr val="phClr">
-              <a:shade val="95000"/>
-              <a:satMod val="105000"/>
-            </a:schemeClr>
-          </a:solidFill>
-          <a:prstDash val="solid"/>
-        </a:ln>
-        <a:ln w="25400" cap="flat" cmpd="sng" algn="ctr">
-          <a:solidFill>
-            <a:schemeClr val="phClr"/>
-          </a:solidFill>
-          <a:prstDash val="solid"/>
-        </a:ln>
-        <a:ln w="38100" cap="flat" cmpd="sng" algn="ctr">
-          <a:solidFill>
-            <a:schemeClr val="phClr"/>
-          </a:solidFill>
-          <a:prstDash val="solid"/>
-        </a:ln>
-      </a:lnStyleLst>
-      <a:effectStyleLst>
-        <a:effectStyle>
-          <a:effectLst>
-            <a:outerShdw blurRad="40000" dist="20000" dir="5400000" rotWithShape="0">
-              <a:srgbClr val="000000">
-                <a:alpha val="38000"/>
-              </a:srgbClr>
-            </a:outerShdw>
-          </a:effectLst>
-        </a:effectStyle>
-        <a:effectStyle>
-          <a:effectLst>
-            <a:outerShdw blurRad="40000" dist="23000" dir="5400000" rotWithShape="0">
-              <a:srgbClr val="000000">
-                <a:alpha val="35000"/>
-              </a:srgbClr>
-            </a:outerShdw>
-          </a:effectLst>
-        </a:effectStyle>
-        <a:effectStyle>
-          <a:effectLst>
-            <a:outerShdw blurRad="40000" dist="23000" dir="5400000" rotWithShape="0">
-              <a:srgbClr val="000000">
-                <a:alpha val="35000"/>
-              </a:srgbClr>
-            </a:outerShdw>
-          </a:effectLst>
-          <a:scene3d>
-            <a:camera prst="orthographicFront">
-              <a:rot lat="0" lon="0" rev="0"/>
-            </a:camera>
-            <a:lightRig rig="threePt" dir="t">
-              <a:rot lat="0" lon="0" rev="1200000"/>
-            </a:lightRig>
-          </a:scene3d>
-          <a:sp3d>
-            <a:bevelT w="63500" h="25400"/>
-          </a:sp3d>
-        </a:effectStyle>
-      </a:effectStyleLst>
-      <a:bgFillStyleLst>
-        <a:solidFill>
-          <a:schemeClr val="phClr"/>
-        </a:solidFill>
-        <a:gradFill rotWithShape="1">
-          <a:gsLst>
-            <a:gs pos="0">
-              <a:schemeClr val="phClr">
-                <a:tint val="40000"/>
-                <a:satMod val="350000"/>
-              </a:schemeClr>
-            </a:gs>
-            <a:gs pos="40000">
-              <a:schemeClr val="phClr">
-                <a:tint val="45000"/>
-                <a:shade val="99000"/>
-                <a:satMod val="350000"/>
-              </a:schemeClr>
-            </a:gs>
-            <a:gs pos="100000">
-              <a:schemeClr val="phClr">
-                <a:shade val="20000"/>
-                <a:satMod val="255000"/>
-              </a:schemeClr>
-            </a:gs>
-          </a:gsLst>
-          <a:path path="circle">
-            <a:fillToRect l="50000" t="-80000" r="50000" b="180000"/>
-          </a:path>
-        </a:gradFill>
-        <a:gradFill rotWithShape="1">
-          <a:gsLst>
-            <a:gs pos="0">
-              <a:schemeClr val="phClr">
-                <a:tint val="80000"/>
-                <a:satMod val="300000"/>
-              </a:schemeClr>
-            </a:gs>
-            <a:gs pos="100000">
-              <a:schemeClr val="phClr">
-                <a:shade val="30000"/>
-                <a:satMod val="200000"/>
-              </a:schemeClr>
-            </a:gs>
-          </a:gsLst>
-          <a:path path="circle">
-            <a:fillToRect l="50000" t="50000" r="50000" b="50000"/>
-          </a:path>
-        </a:gradFill>
-      </a:bgFillStyleLst>
-    </a:fmtScheme>
-  </a:themeElements>
+  <a:objectDefaults/>
+  <a:extraClrSchemeLst/>
 </a:theme>
 </file>
--- a/BA_DataScience_task1.pptx
+++ b/BA_DataScience_task1.pptx
@@ -8862,7 +8862,7 @@
               <a:buNone/>
             </a:pPr>
             <a:r>
-              <a:rPr lang="en-GB" sz="1700" b="1">
+              <a:rPr lang="en-GB" sz="1700" b="1" dirty="0">
                 <a:solidFill>
                   <a:srgbClr val="003E78"/>
                 </a:solidFill>
@@ -8871,10 +8871,10 @@
                 <a:cs typeface="Times New Roman"/>
                 <a:sym typeface="Times New Roman"/>
               </a:rPr>
-              <a:t>WEB </a:t>
+              <a:t>WEB SCRAPING TO </a:t>
             </a:r>
             <a:r>
-              <a:rPr lang="en-GB" sz="1700" b="1" dirty="0">
+              <a:rPr lang="en-GB" sz="1700" b="1">
                 <a:solidFill>
                   <a:srgbClr val="003E78"/>
                 </a:solidFill>
@@ -8883,7 +8883,19 @@
                 <a:cs typeface="Times New Roman"/>
                 <a:sym typeface="Times New Roman"/>
               </a:rPr>
-              <a:t>SCRAPING TO GAIN COMPANY INSIGHTS</a:t>
+              <a:t>GAIN CUSTOMER </a:t>
+            </a:r>
+            <a:r>
+              <a:rPr lang="en-GB" sz="1700" b="1" dirty="0">
+                <a:solidFill>
+                  <a:srgbClr val="003E78"/>
+                </a:solidFill>
+                <a:latin typeface="Times New Roman"/>
+                <a:ea typeface="Times New Roman"/>
+                <a:cs typeface="Times New Roman"/>
+                <a:sym typeface="Times New Roman"/>
+              </a:rPr>
+              <a:t>INSIGHTS</a:t>
             </a:r>
             <a:endParaRPr sz="1700" b="1" dirty="0">
               <a:solidFill>
